--- a/BRM/docs/yanniku/slides.pptx
+++ b/BRM/docs/yanniku/slides.pptx
@@ -1,46 +1,51 @@
 
 <file path=ppt/presentation.xml><?xml version="1.0" encoding="utf-8"?>
-<p:presentation xmlns:a="http://schemas.openxmlformats.org/drawingml/2006/main" xmlns:r="http://schemas.openxmlformats.org/officeDocument/2006/relationships" xmlns:mc="http://schemas.openxmlformats.org/markup-compatibility/2006" xmlns:mv="urn:schemas-microsoft-com:mac:vml" xmlns:p="http://schemas.openxmlformats.org/presentationml/2006/main" xmlns:c="http://schemas.openxmlformats.org/drawingml/2006/chart" xmlns:dgm="http://schemas.openxmlformats.org/drawingml/2006/diagram" xmlns:o="urn:schemas-microsoft-com:office:office" xmlns:v="urn:schemas-microsoft-com:vml" xmlns:pvml="urn:schemas-microsoft-com:office:powerpoint" xmlns:com="http://schemas.openxmlformats.org/drawingml/2006/compatibility" xmlns:p14="http://schemas.microsoft.com/office/powerpoint/2010/main" xmlns:p15="http://schemas.microsoft.com/office/powerpoint/2012/main" xmlns:ahyp="http://schemas.microsoft.com/office/drawing/2018/hyperlinkcolor" autoCompressPictures="0" embedTrueTypeFonts="1" strictFirstAndLastChars="0" saveSubsetFonts="1">
+<p:presentation xmlns:a="http://schemas.openxmlformats.org/drawingml/2006/main" xmlns:r="http://schemas.openxmlformats.org/officeDocument/2006/relationships" xmlns:p="http://schemas.openxmlformats.org/presentationml/2006/main" strictFirstAndLastChars="0" embedTrueTypeFonts="1" saveSubsetFonts="1" autoCompressPictures="0">
   <p:sldMasterIdLst>
-    <p:sldMasterId id="2147483659" r:id="rId4"/>
+    <p:sldMasterId id="2147483659" r:id="rId1"/>
   </p:sldMasterIdLst>
   <p:notesMasterIdLst>
-    <p:notesMasterId r:id="rId5"/>
+    <p:notesMasterId r:id="rId17"/>
   </p:notesMasterIdLst>
   <p:sldIdLst>
-    <p:sldId id="256" r:id="rId6"/>
-    <p:sldId id="257" r:id="rId7"/>
-    <p:sldId id="258" r:id="rId8"/>
-    <p:sldId id="259" r:id="rId9"/>
-    <p:sldId id="260" r:id="rId10"/>
-    <p:sldId id="261" r:id="rId11"/>
-    <p:sldId id="262" r:id="rId12"/>
-    <p:sldId id="263" r:id="rId13"/>
-    <p:sldId id="264" r:id="rId14"/>
-    <p:sldId id="265" r:id="rId15"/>
-    <p:sldId id="266" r:id="rId16"/>
-    <p:sldId id="267" r:id="rId17"/>
-    <p:sldId id="268" r:id="rId18"/>
-    <p:sldId id="269" r:id="rId19"/>
-    <p:sldId id="270" r:id="rId20"/>
+    <p:sldId id="256" r:id="rId2"/>
+    <p:sldId id="257" r:id="rId3"/>
+    <p:sldId id="258" r:id="rId4"/>
+    <p:sldId id="259" r:id="rId5"/>
+    <p:sldId id="260" r:id="rId6"/>
+    <p:sldId id="261" r:id="rId7"/>
+    <p:sldId id="262" r:id="rId8"/>
+    <p:sldId id="263" r:id="rId9"/>
+    <p:sldId id="264" r:id="rId10"/>
+    <p:sldId id="265" r:id="rId11"/>
+    <p:sldId id="266" r:id="rId12"/>
+    <p:sldId id="267" r:id="rId13"/>
+    <p:sldId id="268" r:id="rId14"/>
+    <p:sldId id="269" r:id="rId15"/>
+    <p:sldId id="270" r:id="rId16"/>
   </p:sldIdLst>
-  <p:sldSz cy="5143500" cx="9144000"/>
+  <p:sldSz cx="9144000" cy="5143500" type="screen16x9"/>
   <p:notesSz cx="6858000" cy="9144000"/>
   <p:embeddedFontLst>
     <p:embeddedFont>
-      <p:font typeface="Arial Narrow"/>
-      <p:regular r:id="rId21"/>
-      <p:bold r:id="rId22"/>
-      <p:italic r:id="rId23"/>
-      <p:boldItalic r:id="rId24"/>
+      <p:font typeface="Arial Black" panose="020B0604020202020204" pitchFamily="34" charset="0"/>
+      <p:regular r:id="rId18"/>
+      <p:bold r:id="rId19"/>
     </p:embeddedFont>
     <p:embeddedFont>
-      <p:font typeface="Arial Black"/>
-      <p:regular r:id="rId25"/>
+      <p:font typeface="Arial Narrow" panose="020B0604020202020204" pitchFamily="34" charset="0"/>
+      <p:regular r:id="rId20"/>
+      <p:bold r:id="rId21"/>
+      <p:italic r:id="rId22"/>
+      <p:boldItalic r:id="rId23"/>
+    </p:embeddedFont>
+    <p:embeddedFont>
+      <p:font typeface="Impact" panose="020B0806030902050204" pitchFamily="34" charset="0"/>
+      <p:regular r:id="rId24"/>
     </p:embeddedFont>
   </p:embeddedFontLst>
   <p:defaultTextStyle>
-    <a:defPPr lvl="0" marR="0" rtl="0" algn="l">
+    <a:defPPr marR="0" lvl="0" algn="l" rtl="0">
       <a:lnSpc>
         <a:spcPct val="100000"/>
       </a:lnSpc>
@@ -51,7 +56,7 @@
         <a:spcPts val="0"/>
       </a:spcAft>
     </a:defPPr>
-    <a:lvl1pPr lvl="0" marR="0" rtl="0" algn="l">
+    <a:lvl1pPr marR="0" lvl="0" algn="l" rtl="0">
       <a:lnSpc>
         <a:spcPct val="100000"/>
       </a:lnSpc>
@@ -65,7 +70,7 @@
         <a:srgbClr val="000000"/>
       </a:buClr>
       <a:buFont typeface="Arial"/>
-      <a:defRPr b="0" i="0" sz="1400" u="none" cap="none" strike="noStrike">
+      <a:defRPr sz="1400" b="0" i="0" u="none" strike="noStrike" cap="none">
         <a:solidFill>
           <a:srgbClr val="000000"/>
         </a:solidFill>
@@ -75,7 +80,7 @@
         <a:sym typeface="Arial"/>
       </a:defRPr>
     </a:lvl1pPr>
-    <a:lvl2pPr lvl="1" marR="0" rtl="0" algn="l">
+    <a:lvl2pPr marR="0" lvl="1" algn="l" rtl="0">
       <a:lnSpc>
         <a:spcPct val="100000"/>
       </a:lnSpc>
@@ -89,7 +94,7 @@
         <a:srgbClr val="000000"/>
       </a:buClr>
       <a:buFont typeface="Arial"/>
-      <a:defRPr b="0" i="0" sz="1400" u="none" cap="none" strike="noStrike">
+      <a:defRPr sz="1400" b="0" i="0" u="none" strike="noStrike" cap="none">
         <a:solidFill>
           <a:srgbClr val="000000"/>
         </a:solidFill>
@@ -99,7 +104,7 @@
         <a:sym typeface="Arial"/>
       </a:defRPr>
     </a:lvl2pPr>
-    <a:lvl3pPr lvl="2" marR="0" rtl="0" algn="l">
+    <a:lvl3pPr marR="0" lvl="2" algn="l" rtl="0">
       <a:lnSpc>
         <a:spcPct val="100000"/>
       </a:lnSpc>
@@ -113,7 +118,7 @@
         <a:srgbClr val="000000"/>
       </a:buClr>
       <a:buFont typeface="Arial"/>
-      <a:defRPr b="0" i="0" sz="1400" u="none" cap="none" strike="noStrike">
+      <a:defRPr sz="1400" b="0" i="0" u="none" strike="noStrike" cap="none">
         <a:solidFill>
           <a:srgbClr val="000000"/>
         </a:solidFill>
@@ -123,7 +128,7 @@
         <a:sym typeface="Arial"/>
       </a:defRPr>
     </a:lvl3pPr>
-    <a:lvl4pPr lvl="3" marR="0" rtl="0" algn="l">
+    <a:lvl4pPr marR="0" lvl="3" algn="l" rtl="0">
       <a:lnSpc>
         <a:spcPct val="100000"/>
       </a:lnSpc>
@@ -137,7 +142,7 @@
         <a:srgbClr val="000000"/>
       </a:buClr>
       <a:buFont typeface="Arial"/>
-      <a:defRPr b="0" i="0" sz="1400" u="none" cap="none" strike="noStrike">
+      <a:defRPr sz="1400" b="0" i="0" u="none" strike="noStrike" cap="none">
         <a:solidFill>
           <a:srgbClr val="000000"/>
         </a:solidFill>
@@ -147,7 +152,7 @@
         <a:sym typeface="Arial"/>
       </a:defRPr>
     </a:lvl4pPr>
-    <a:lvl5pPr lvl="4" marR="0" rtl="0" algn="l">
+    <a:lvl5pPr marR="0" lvl="4" algn="l" rtl="0">
       <a:lnSpc>
         <a:spcPct val="100000"/>
       </a:lnSpc>
@@ -161,7 +166,7 @@
         <a:srgbClr val="000000"/>
       </a:buClr>
       <a:buFont typeface="Arial"/>
-      <a:defRPr b="0" i="0" sz="1400" u="none" cap="none" strike="noStrike">
+      <a:defRPr sz="1400" b="0" i="0" u="none" strike="noStrike" cap="none">
         <a:solidFill>
           <a:srgbClr val="000000"/>
         </a:solidFill>
@@ -171,7 +176,7 @@
         <a:sym typeface="Arial"/>
       </a:defRPr>
     </a:lvl5pPr>
-    <a:lvl6pPr lvl="5" marR="0" rtl="0" algn="l">
+    <a:lvl6pPr marR="0" lvl="5" algn="l" rtl="0">
       <a:lnSpc>
         <a:spcPct val="100000"/>
       </a:lnSpc>
@@ -185,7 +190,7 @@
         <a:srgbClr val="000000"/>
       </a:buClr>
       <a:buFont typeface="Arial"/>
-      <a:defRPr b="0" i="0" sz="1400" u="none" cap="none" strike="noStrike">
+      <a:defRPr sz="1400" b="0" i="0" u="none" strike="noStrike" cap="none">
         <a:solidFill>
           <a:srgbClr val="000000"/>
         </a:solidFill>
@@ -195,7 +200,7 @@
         <a:sym typeface="Arial"/>
       </a:defRPr>
     </a:lvl6pPr>
-    <a:lvl7pPr lvl="6" marR="0" rtl="0" algn="l">
+    <a:lvl7pPr marR="0" lvl="6" algn="l" rtl="0">
       <a:lnSpc>
         <a:spcPct val="100000"/>
       </a:lnSpc>
@@ -209,7 +214,7 @@
         <a:srgbClr val="000000"/>
       </a:buClr>
       <a:buFont typeface="Arial"/>
-      <a:defRPr b="0" i="0" sz="1400" u="none" cap="none" strike="noStrike">
+      <a:defRPr sz="1400" b="0" i="0" u="none" strike="noStrike" cap="none">
         <a:solidFill>
           <a:srgbClr val="000000"/>
         </a:solidFill>
@@ -219,7 +224,7 @@
         <a:sym typeface="Arial"/>
       </a:defRPr>
     </a:lvl7pPr>
-    <a:lvl8pPr lvl="7" marR="0" rtl="0" algn="l">
+    <a:lvl8pPr marR="0" lvl="7" algn="l" rtl="0">
       <a:lnSpc>
         <a:spcPct val="100000"/>
       </a:lnSpc>
@@ -233,7 +238,7 @@
         <a:srgbClr val="000000"/>
       </a:buClr>
       <a:buFont typeface="Arial"/>
-      <a:defRPr b="0" i="0" sz="1400" u="none" cap="none" strike="noStrike">
+      <a:defRPr sz="1400" b="0" i="0" u="none" strike="noStrike" cap="none">
         <a:solidFill>
           <a:srgbClr val="000000"/>
         </a:solidFill>
@@ -243,7 +248,7 @@
         <a:sym typeface="Arial"/>
       </a:defRPr>
     </a:lvl8pPr>
-    <a:lvl9pPr lvl="8" marR="0" rtl="0" algn="l">
+    <a:lvl9pPr marR="0" lvl="8" algn="l" rtl="0">
       <a:lnSpc>
         <a:spcPct val="100000"/>
       </a:lnSpc>
@@ -257,7 +262,7 @@
         <a:srgbClr val="000000"/>
       </a:buClr>
       <a:buFont typeface="Arial"/>
-      <a:defRPr b="0" i="0" sz="1400" u="none" cap="none" strike="noStrike">
+      <a:defRPr sz="1400" b="0" i="0" u="none" strike="noStrike" cap="none">
         <a:solidFill>
           <a:srgbClr val="000000"/>
         </a:solidFill>
@@ -270,7 +275,7 @@
   </p:defaultTextStyle>
   <p:extLst>
     <p:ext uri="{EFAFB233-063F-42B5-8137-9DF3F51BA10A}">
-      <p15:sldGuideLst>
+      <p15:sldGuideLst xmlns:p15="http://schemas.microsoft.com/office/powerpoint/2012/main">
         <p15:guide id="1" orient="horz" pos="1620">
           <p15:clr>
             <a:srgbClr val="747775"/>
@@ -288,11 +293,16 @@
 </file>
 
 <file path=ppt/notesMasters/notesMaster1.xml><?xml version="1.0" encoding="utf-8"?>
-<p:notesMaster xmlns:a="http://schemas.openxmlformats.org/drawingml/2006/main" xmlns:r="http://schemas.openxmlformats.org/officeDocument/2006/relationships" xmlns:mc="http://schemas.openxmlformats.org/markup-compatibility/2006" xmlns:mv="urn:schemas-microsoft-com:mac:vml" xmlns:p="http://schemas.openxmlformats.org/presentationml/2006/main" xmlns:c="http://schemas.openxmlformats.org/drawingml/2006/chart" xmlns:dgm="http://schemas.openxmlformats.org/drawingml/2006/diagram" xmlns:o="urn:schemas-microsoft-com:office:office" xmlns:v="urn:schemas-microsoft-com:vml" xmlns:pvml="urn:schemas-microsoft-com:office:powerpoint" xmlns:com="http://schemas.openxmlformats.org/drawingml/2006/compatibility" xmlns:p14="http://schemas.microsoft.com/office/powerpoint/2010/main" xmlns:p15="http://schemas.microsoft.com/office/powerpoint/2012/main" xmlns:ahyp="http://schemas.microsoft.com/office/drawing/2018/hyperlinkcolor">
+<p:notesMaster xmlns:a="http://schemas.openxmlformats.org/drawingml/2006/main" xmlns:r="http://schemas.openxmlformats.org/officeDocument/2006/relationships" xmlns:p="http://schemas.openxmlformats.org/presentationml/2006/main">
   <p:cSld>
+    <p:bg>
+      <p:bgRef idx="1001">
+        <a:schemeClr val="bg1"/>
+      </p:bgRef>
+    </p:bg>
     <p:spTree>
       <p:nvGrpSpPr>
-        <p:cNvPr id="2" name="Shape 2"/>
+        <p:cNvPr id="1" name="Shape 2"/>
         <p:cNvGrpSpPr/>
         <p:nvPr/>
       </p:nvGrpSpPr>
@@ -307,9 +317,11 @@
       <p:sp>
         <p:nvSpPr>
           <p:cNvPr id="3" name="Google Shape;3;n"/>
-          <p:cNvSpPr/>
+          <p:cNvSpPr>
+            <a:spLocks noGrp="1" noRot="1" noChangeAspect="1"/>
+          </p:cNvSpPr>
           <p:nvPr>
-            <p:ph idx="2" type="sldImg"/>
+            <p:ph type="sldImg" idx="2"/>
           </p:nvPr>
         </p:nvSpPr>
         <p:spPr>
@@ -318,9 +330,13 @@
             <a:ext cx="6096075" cy="3429000"/>
           </a:xfrm>
           <a:custGeom>
-            <a:rect b="b" l="l" r="r" t="t"/>
+            <a:avLst/>
+            <a:gdLst/>
+            <a:ahLst/>
+            <a:cxnLst/>
+            <a:rect l="l" t="t" r="r" b="b"/>
             <a:pathLst>
-              <a:path extrusionOk="0" h="120000" w="120000">
+              <a:path w="120000" h="120000" extrusionOk="0">
                 <a:moveTo>
                   <a:pt x="0" y="0"/>
                 </a:moveTo>
@@ -338,23 +354,25 @@
             </a:pathLst>
           </a:custGeom>
           <a:noFill/>
-          <a:ln cap="flat" cmpd="sng" w="9525">
+          <a:ln w="9525" cap="flat" cmpd="sng">
             <a:solidFill>
               <a:srgbClr val="000000"/>
             </a:solidFill>
             <a:prstDash val="solid"/>
             <a:round/>
-            <a:headEnd len="sm" w="sm" type="none"/>
-            <a:tailEnd len="sm" w="sm" type="none"/>
+            <a:headEnd type="none" w="sm" len="sm"/>
+            <a:tailEnd type="none" w="sm" len="sm"/>
           </a:ln>
         </p:spPr>
       </p:sp>
       <p:sp>
         <p:nvSpPr>
           <p:cNvPr id="4" name="Google Shape;4;n"/>
-          <p:cNvSpPr txBox="1"/>
+          <p:cNvSpPr txBox="1">
+            <a:spLocks noGrp="1"/>
+          </p:cNvSpPr>
           <p:nvPr>
-            <p:ph idx="1" type="body"/>
+            <p:ph type="body" idx="1"/>
           </p:nvPr>
         </p:nvSpPr>
         <p:spPr>
@@ -371,11 +389,11 @@
           </a:ln>
         </p:spPr>
         <p:txBody>
-          <a:bodyPr anchorCtr="0" anchor="t" bIns="91425" lIns="91425" spcFirstLastPara="1" rIns="91425" wrap="square" tIns="91425">
+          <a:bodyPr spcFirstLastPara="1" wrap="square" lIns="91425" tIns="91425" rIns="91425" bIns="91425" anchor="t" anchorCtr="0">
             <a:noAutofit/>
           </a:bodyPr>
           <a:lstStyle>
-            <a:lvl1pPr indent="-298450" lvl="0" marL="457200">
+            <a:lvl1pPr marL="457200" lvl="0" indent="-298450">
               <a:spcBef>
                 <a:spcPts val="0"/>
               </a:spcBef>
@@ -386,7 +404,7 @@
               <a:buChar char="●"/>
               <a:defRPr sz="1100"/>
             </a:lvl1pPr>
-            <a:lvl2pPr indent="-298450" lvl="1" marL="914400">
+            <a:lvl2pPr marL="914400" lvl="1" indent="-298450">
               <a:spcBef>
                 <a:spcPts val="0"/>
               </a:spcBef>
@@ -397,7 +415,7 @@
               <a:buChar char="○"/>
               <a:defRPr sz="1100"/>
             </a:lvl2pPr>
-            <a:lvl3pPr indent="-298450" lvl="2" marL="1371600">
+            <a:lvl3pPr marL="1371600" lvl="2" indent="-298450">
               <a:spcBef>
                 <a:spcPts val="0"/>
               </a:spcBef>
@@ -408,7 +426,7 @@
               <a:buChar char="■"/>
               <a:defRPr sz="1100"/>
             </a:lvl3pPr>
-            <a:lvl4pPr indent="-298450" lvl="3" marL="1828800">
+            <a:lvl4pPr marL="1828800" lvl="3" indent="-298450">
               <a:spcBef>
                 <a:spcPts val="0"/>
               </a:spcBef>
@@ -419,7 +437,7 @@
               <a:buChar char="●"/>
               <a:defRPr sz="1100"/>
             </a:lvl4pPr>
-            <a:lvl5pPr indent="-298450" lvl="4" marL="2286000">
+            <a:lvl5pPr marL="2286000" lvl="4" indent="-298450">
               <a:spcBef>
                 <a:spcPts val="0"/>
               </a:spcBef>
@@ -430,7 +448,7 @@
               <a:buChar char="○"/>
               <a:defRPr sz="1100"/>
             </a:lvl5pPr>
-            <a:lvl6pPr indent="-298450" lvl="5" marL="2743200">
+            <a:lvl6pPr marL="2743200" lvl="5" indent="-298450">
               <a:spcBef>
                 <a:spcPts val="0"/>
               </a:spcBef>
@@ -441,7 +459,7 @@
               <a:buChar char="■"/>
               <a:defRPr sz="1100"/>
             </a:lvl6pPr>
-            <a:lvl7pPr indent="-298450" lvl="6" marL="3200400">
+            <a:lvl7pPr marL="3200400" lvl="6" indent="-298450">
               <a:spcBef>
                 <a:spcPts val="0"/>
               </a:spcBef>
@@ -452,7 +470,7 @@
               <a:buChar char="●"/>
               <a:defRPr sz="1100"/>
             </a:lvl7pPr>
-            <a:lvl8pPr indent="-298450" lvl="7" marL="3657600">
+            <a:lvl8pPr marL="3657600" lvl="7" indent="-298450">
               <a:spcBef>
                 <a:spcPts val="0"/>
               </a:spcBef>
@@ -463,7 +481,7 @@
               <a:buChar char="○"/>
               <a:defRPr sz="1100"/>
             </a:lvl8pPr>
-            <a:lvl9pPr indent="-298450" lvl="8" marL="4114800">
+            <a:lvl9pPr marL="4114800" lvl="8" indent="-298450">
               <a:spcBef>
                 <a:spcPts val="0"/>
               </a:spcBef>
@@ -475,14 +493,16 @@
               <a:defRPr sz="1100"/>
             </a:lvl9pPr>
           </a:lstStyle>
-          <a:p/>
+          <a:p>
+            <a:endParaRPr/>
+          </a:p>
         </p:txBody>
       </p:sp>
     </p:spTree>
   </p:cSld>
-  <p:clrMap accent1="accent1" accent2="accent2" accent3="accent3" accent4="accent4" accent5="accent5" accent6="accent6" bg1="lt1" bg2="dk2" tx1="dk1" tx2="lt2" folHlink="folHlink" hlink="hlink"/>
+  <p:clrMap bg1="lt1" tx1="dk1" bg2="dk2" tx2="lt2" accent1="accent1" accent2="accent2" accent3="accent3" accent4="accent4" accent5="accent5" accent6="accent6" hlink="hlink" folHlink="folHlink"/>
   <p:notesStyle>
-    <a:defPPr lvl="0" marR="0" rtl="0" algn="l">
+    <a:defPPr marR="0" lvl="0" algn="l" rtl="0">
       <a:lnSpc>
         <a:spcPct val="100000"/>
       </a:lnSpc>
@@ -493,7 +513,7 @@
         <a:spcPts val="0"/>
       </a:spcAft>
     </a:defPPr>
-    <a:lvl1pPr lvl="0" marR="0" rtl="0" algn="l">
+    <a:lvl1pPr marR="0" lvl="0" algn="l" rtl="0">
       <a:lnSpc>
         <a:spcPct val="100000"/>
       </a:lnSpc>
@@ -507,7 +527,7 @@
         <a:srgbClr val="000000"/>
       </a:buClr>
       <a:buFont typeface="Arial"/>
-      <a:defRPr b="0" i="0" sz="1400" u="none" cap="none" strike="noStrike">
+      <a:defRPr sz="1400" b="0" i="0" u="none" strike="noStrike" cap="none">
         <a:solidFill>
           <a:srgbClr val="000000"/>
         </a:solidFill>
@@ -517,7 +537,7 @@
         <a:sym typeface="Arial"/>
       </a:defRPr>
     </a:lvl1pPr>
-    <a:lvl2pPr lvl="1" marR="0" rtl="0" algn="l">
+    <a:lvl2pPr marR="0" lvl="1" algn="l" rtl="0">
       <a:lnSpc>
         <a:spcPct val="100000"/>
       </a:lnSpc>
@@ -531,7 +551,7 @@
         <a:srgbClr val="000000"/>
       </a:buClr>
       <a:buFont typeface="Arial"/>
-      <a:defRPr b="0" i="0" sz="1400" u="none" cap="none" strike="noStrike">
+      <a:defRPr sz="1400" b="0" i="0" u="none" strike="noStrike" cap="none">
         <a:solidFill>
           <a:srgbClr val="000000"/>
         </a:solidFill>
@@ -541,7 +561,7 @@
         <a:sym typeface="Arial"/>
       </a:defRPr>
     </a:lvl2pPr>
-    <a:lvl3pPr lvl="2" marR="0" rtl="0" algn="l">
+    <a:lvl3pPr marR="0" lvl="2" algn="l" rtl="0">
       <a:lnSpc>
         <a:spcPct val="100000"/>
       </a:lnSpc>
@@ -555,7 +575,7 @@
         <a:srgbClr val="000000"/>
       </a:buClr>
       <a:buFont typeface="Arial"/>
-      <a:defRPr b="0" i="0" sz="1400" u="none" cap="none" strike="noStrike">
+      <a:defRPr sz="1400" b="0" i="0" u="none" strike="noStrike" cap="none">
         <a:solidFill>
           <a:srgbClr val="000000"/>
         </a:solidFill>
@@ -565,7 +585,7 @@
         <a:sym typeface="Arial"/>
       </a:defRPr>
     </a:lvl3pPr>
-    <a:lvl4pPr lvl="3" marR="0" rtl="0" algn="l">
+    <a:lvl4pPr marR="0" lvl="3" algn="l" rtl="0">
       <a:lnSpc>
         <a:spcPct val="100000"/>
       </a:lnSpc>
@@ -579,7 +599,7 @@
         <a:srgbClr val="000000"/>
       </a:buClr>
       <a:buFont typeface="Arial"/>
-      <a:defRPr b="0" i="0" sz="1400" u="none" cap="none" strike="noStrike">
+      <a:defRPr sz="1400" b="0" i="0" u="none" strike="noStrike" cap="none">
         <a:solidFill>
           <a:srgbClr val="000000"/>
         </a:solidFill>
@@ -589,7 +609,7 @@
         <a:sym typeface="Arial"/>
       </a:defRPr>
     </a:lvl4pPr>
-    <a:lvl5pPr lvl="4" marR="0" rtl="0" algn="l">
+    <a:lvl5pPr marR="0" lvl="4" algn="l" rtl="0">
       <a:lnSpc>
         <a:spcPct val="100000"/>
       </a:lnSpc>
@@ -603,7 +623,7 @@
         <a:srgbClr val="000000"/>
       </a:buClr>
       <a:buFont typeface="Arial"/>
-      <a:defRPr b="0" i="0" sz="1400" u="none" cap="none" strike="noStrike">
+      <a:defRPr sz="1400" b="0" i="0" u="none" strike="noStrike" cap="none">
         <a:solidFill>
           <a:srgbClr val="000000"/>
         </a:solidFill>
@@ -613,7 +633,7 @@
         <a:sym typeface="Arial"/>
       </a:defRPr>
     </a:lvl5pPr>
-    <a:lvl6pPr lvl="5" marR="0" rtl="0" algn="l">
+    <a:lvl6pPr marR="0" lvl="5" algn="l" rtl="0">
       <a:lnSpc>
         <a:spcPct val="100000"/>
       </a:lnSpc>
@@ -627,7 +647,7 @@
         <a:srgbClr val="000000"/>
       </a:buClr>
       <a:buFont typeface="Arial"/>
-      <a:defRPr b="0" i="0" sz="1400" u="none" cap="none" strike="noStrike">
+      <a:defRPr sz="1400" b="0" i="0" u="none" strike="noStrike" cap="none">
         <a:solidFill>
           <a:srgbClr val="000000"/>
         </a:solidFill>
@@ -637,7 +657,7 @@
         <a:sym typeface="Arial"/>
       </a:defRPr>
     </a:lvl6pPr>
-    <a:lvl7pPr lvl="6" marR="0" rtl="0" algn="l">
+    <a:lvl7pPr marR="0" lvl="6" algn="l" rtl="0">
       <a:lnSpc>
         <a:spcPct val="100000"/>
       </a:lnSpc>
@@ -651,7 +671,7 @@
         <a:srgbClr val="000000"/>
       </a:buClr>
       <a:buFont typeface="Arial"/>
-      <a:defRPr b="0" i="0" sz="1400" u="none" cap="none" strike="noStrike">
+      <a:defRPr sz="1400" b="0" i="0" u="none" strike="noStrike" cap="none">
         <a:solidFill>
           <a:srgbClr val="000000"/>
         </a:solidFill>
@@ -661,7 +681,7 @@
         <a:sym typeface="Arial"/>
       </a:defRPr>
     </a:lvl7pPr>
-    <a:lvl8pPr lvl="7" marR="0" rtl="0" algn="l">
+    <a:lvl8pPr marR="0" lvl="7" algn="l" rtl="0">
       <a:lnSpc>
         <a:spcPct val="100000"/>
       </a:lnSpc>
@@ -675,7 +695,7 @@
         <a:srgbClr val="000000"/>
       </a:buClr>
       <a:buFont typeface="Arial"/>
-      <a:defRPr b="0" i="0" sz="1400" u="none" cap="none" strike="noStrike">
+      <a:defRPr sz="1400" b="0" i="0" u="none" strike="noStrike" cap="none">
         <a:solidFill>
           <a:srgbClr val="000000"/>
         </a:solidFill>
@@ -685,7 +705,7 @@
         <a:sym typeface="Arial"/>
       </a:defRPr>
     </a:lvl8pPr>
-    <a:lvl9pPr lvl="8" marR="0" rtl="0" algn="l">
+    <a:lvl9pPr marR="0" lvl="8" algn="l" rtl="0">
       <a:lnSpc>
         <a:spcPct val="100000"/>
       </a:lnSpc>
@@ -699,7 +719,7 @@
         <a:srgbClr val="000000"/>
       </a:buClr>
       <a:buFont typeface="Arial"/>
-      <a:defRPr b="0" i="0" sz="1400" u="none" cap="none" strike="noStrike">
+      <a:defRPr sz="1400" b="0" i="0" u="none" strike="noStrike" cap="none">
         <a:solidFill>
           <a:srgbClr val="000000"/>
         </a:solidFill>
@@ -714,11 +734,11 @@
 </file>
 
 <file path=ppt/notesSlides/notesSlide1.xml><?xml version="1.0" encoding="utf-8"?>
-<p:notes xmlns:a="http://schemas.openxmlformats.org/drawingml/2006/main" xmlns:r="http://schemas.openxmlformats.org/officeDocument/2006/relationships" xmlns:mc="http://schemas.openxmlformats.org/markup-compatibility/2006" xmlns:mv="urn:schemas-microsoft-com:mac:vml" xmlns:p="http://schemas.openxmlformats.org/presentationml/2006/main" xmlns:c="http://schemas.openxmlformats.org/drawingml/2006/chart" xmlns:dgm="http://schemas.openxmlformats.org/drawingml/2006/diagram" xmlns:o="urn:schemas-microsoft-com:office:office" xmlns:v="urn:schemas-microsoft-com:vml" xmlns:pvml="urn:schemas-microsoft-com:office:powerpoint" xmlns:com="http://schemas.openxmlformats.org/drawingml/2006/compatibility" xmlns:p14="http://schemas.microsoft.com/office/powerpoint/2010/main" xmlns:p15="http://schemas.microsoft.com/office/powerpoint/2012/main" xmlns:ahyp="http://schemas.microsoft.com/office/drawing/2018/hyperlinkcolor" showMasterPhAnim="0" showMasterSp="0">
+<p:notes xmlns:a="http://schemas.openxmlformats.org/drawingml/2006/main" xmlns:r="http://schemas.openxmlformats.org/officeDocument/2006/relationships" xmlns:p="http://schemas.openxmlformats.org/presentationml/2006/main" showMasterSp="0" showMasterPhAnim="0">
   <p:cSld>
     <p:spTree>
       <p:nvGrpSpPr>
-        <p:cNvPr id="50" name="Shape 50"/>
+        <p:cNvPr id="1" name="Shape 50"/>
         <p:cNvGrpSpPr/>
         <p:nvPr/>
       </p:nvGrpSpPr>
@@ -733,20 +753,26 @@
       <p:sp>
         <p:nvSpPr>
           <p:cNvPr id="51" name="Google Shape;51;g2e0cba97265_0_0:notes"/>
-          <p:cNvSpPr/>
+          <p:cNvSpPr>
+            <a:spLocks noGrp="1" noRot="1" noChangeAspect="1"/>
+          </p:cNvSpPr>
           <p:nvPr>
-            <p:ph idx="2" type="sldImg"/>
+            <p:ph type="sldImg" idx="2"/>
           </p:nvPr>
         </p:nvSpPr>
         <p:spPr>
           <a:xfrm>
-            <a:off x="381300" y="685800"/>
+            <a:off x="381000" y="685800"/>
             <a:ext cx="6096000" cy="3429000"/>
           </a:xfrm>
           <a:custGeom>
-            <a:rect b="b" l="l" r="r" t="t"/>
+            <a:avLst/>
+            <a:gdLst/>
+            <a:ahLst/>
+            <a:cxnLst/>
+            <a:rect l="l" t="t" r="r" b="b"/>
             <a:pathLst>
-              <a:path extrusionOk="0" h="120000" w="120000">
+              <a:path w="120000" h="120000" extrusionOk="0">
                 <a:moveTo>
                   <a:pt x="0" y="0"/>
                 </a:moveTo>
@@ -768,9 +794,11 @@
       <p:sp>
         <p:nvSpPr>
           <p:cNvPr id="52" name="Google Shape;52;g2e0cba97265_0_0:notes"/>
-          <p:cNvSpPr txBox="1"/>
+          <p:cNvSpPr txBox="1">
+            <a:spLocks noGrp="1"/>
+          </p:cNvSpPr>
           <p:nvPr>
-            <p:ph idx="1" type="body"/>
+            <p:ph type="body" idx="1"/>
           </p:nvPr>
         </p:nvSpPr>
         <p:spPr>
@@ -783,12 +811,12 @@
           </a:prstGeom>
         </p:spPr>
         <p:txBody>
-          <a:bodyPr anchorCtr="0" anchor="t" bIns="91425" lIns="91425" spcFirstLastPara="1" rIns="91425" wrap="square" tIns="91425">
+          <a:bodyPr spcFirstLastPara="1" wrap="square" lIns="91425" tIns="91425" rIns="91425" bIns="91425" anchor="t" anchorCtr="0">
             <a:noAutofit/>
           </a:bodyPr>
           <a:lstStyle/>
           <a:p>
-            <a:pPr indent="0" lvl="0" marL="0" rtl="0" algn="l">
+            <a:pPr marL="0" lvl="0" indent="0" algn="l" rtl="0">
               <a:spcBef>
                 <a:spcPts val="0"/>
               </a:spcBef>
@@ -797,9 +825,6 @@
               </a:spcAft>
               <a:buNone/>
             </a:pPr>
-            <a:r>
-              <a:t/>
-            </a:r>
             <a:endParaRPr/>
           </a:p>
         </p:txBody>
@@ -813,11 +838,11 @@
 </file>
 
 <file path=ppt/notesSlides/notesSlide10.xml><?xml version="1.0" encoding="utf-8"?>
-<p:notes xmlns:a="http://schemas.openxmlformats.org/drawingml/2006/main" xmlns:r="http://schemas.openxmlformats.org/officeDocument/2006/relationships" xmlns:mc="http://schemas.openxmlformats.org/markup-compatibility/2006" xmlns:mv="urn:schemas-microsoft-com:mac:vml" xmlns:p="http://schemas.openxmlformats.org/presentationml/2006/main" xmlns:c="http://schemas.openxmlformats.org/drawingml/2006/chart" xmlns:dgm="http://schemas.openxmlformats.org/drawingml/2006/diagram" xmlns:o="urn:schemas-microsoft-com:office:office" xmlns:v="urn:schemas-microsoft-com:vml" xmlns:pvml="urn:schemas-microsoft-com:office:powerpoint" xmlns:com="http://schemas.openxmlformats.org/drawingml/2006/compatibility" xmlns:p14="http://schemas.microsoft.com/office/powerpoint/2010/main" xmlns:p15="http://schemas.microsoft.com/office/powerpoint/2012/main" xmlns:ahyp="http://schemas.microsoft.com/office/drawing/2018/hyperlinkcolor" showMasterPhAnim="0" showMasterSp="0">
+<p:notes xmlns:a="http://schemas.openxmlformats.org/drawingml/2006/main" xmlns:r="http://schemas.openxmlformats.org/officeDocument/2006/relationships" xmlns:p="http://schemas.openxmlformats.org/presentationml/2006/main" showMasterSp="0" showMasterPhAnim="0">
   <p:cSld>
     <p:spTree>
       <p:nvGrpSpPr>
-        <p:cNvPr id="133" name="Shape 133"/>
+        <p:cNvPr id="1" name="Shape 133"/>
         <p:cNvGrpSpPr/>
         <p:nvPr/>
       </p:nvGrpSpPr>
@@ -832,9 +857,11 @@
       <p:sp>
         <p:nvSpPr>
           <p:cNvPr id="134" name="Google Shape;134;g2e13e92c7bf_0_154:notes"/>
-          <p:cNvSpPr/>
+          <p:cNvSpPr>
+            <a:spLocks noGrp="1" noRot="1" noChangeAspect="1"/>
+          </p:cNvSpPr>
           <p:nvPr>
-            <p:ph idx="2" type="sldImg"/>
+            <p:ph type="sldImg" idx="2"/>
           </p:nvPr>
         </p:nvSpPr>
         <p:spPr>
@@ -843,9 +870,13 @@
             <a:ext cx="6096000" cy="3429000"/>
           </a:xfrm>
           <a:custGeom>
-            <a:rect b="b" l="l" r="r" t="t"/>
+            <a:avLst/>
+            <a:gdLst/>
+            <a:ahLst/>
+            <a:cxnLst/>
+            <a:rect l="l" t="t" r="r" b="b"/>
             <a:pathLst>
-              <a:path extrusionOk="0" h="120000" w="120000">
+              <a:path w="120000" h="120000" extrusionOk="0">
                 <a:moveTo>
                   <a:pt x="0" y="0"/>
                 </a:moveTo>
@@ -867,9 +898,11 @@
       <p:sp>
         <p:nvSpPr>
           <p:cNvPr id="135" name="Google Shape;135;g2e13e92c7bf_0_154:notes"/>
-          <p:cNvSpPr txBox="1"/>
+          <p:cNvSpPr txBox="1">
+            <a:spLocks noGrp="1"/>
+          </p:cNvSpPr>
           <p:nvPr>
-            <p:ph idx="1" type="body"/>
+            <p:ph type="body" idx="1"/>
           </p:nvPr>
         </p:nvSpPr>
         <p:spPr>
@@ -882,12 +915,12 @@
           </a:prstGeom>
         </p:spPr>
         <p:txBody>
-          <a:bodyPr anchorCtr="0" anchor="t" bIns="91425" lIns="91425" spcFirstLastPara="1" rIns="91425" wrap="square" tIns="91425">
+          <a:bodyPr spcFirstLastPara="1" wrap="square" lIns="91425" tIns="91425" rIns="91425" bIns="91425" anchor="t" anchorCtr="0">
             <a:noAutofit/>
           </a:bodyPr>
           <a:lstStyle/>
           <a:p>
-            <a:pPr indent="0" lvl="0" marL="0" rtl="0" algn="l">
+            <a:pPr marL="0" lvl="0" indent="0" algn="l" rtl="0">
               <a:spcBef>
                 <a:spcPts val="0"/>
               </a:spcBef>
@@ -896,9 +929,6 @@
               </a:spcAft>
               <a:buNone/>
             </a:pPr>
-            <a:r>
-              <a:t/>
-            </a:r>
             <a:endParaRPr/>
           </a:p>
         </p:txBody>
@@ -912,11 +942,11 @@
 </file>
 
 <file path=ppt/notesSlides/notesSlide11.xml><?xml version="1.0" encoding="utf-8"?>
-<p:notes xmlns:a="http://schemas.openxmlformats.org/drawingml/2006/main" xmlns:r="http://schemas.openxmlformats.org/officeDocument/2006/relationships" xmlns:mc="http://schemas.openxmlformats.org/markup-compatibility/2006" xmlns:mv="urn:schemas-microsoft-com:mac:vml" xmlns:p="http://schemas.openxmlformats.org/presentationml/2006/main" xmlns:c="http://schemas.openxmlformats.org/drawingml/2006/chart" xmlns:dgm="http://schemas.openxmlformats.org/drawingml/2006/diagram" xmlns:o="urn:schemas-microsoft-com:office:office" xmlns:v="urn:schemas-microsoft-com:vml" xmlns:pvml="urn:schemas-microsoft-com:office:powerpoint" xmlns:com="http://schemas.openxmlformats.org/drawingml/2006/compatibility" xmlns:p14="http://schemas.microsoft.com/office/powerpoint/2010/main" xmlns:p15="http://schemas.microsoft.com/office/powerpoint/2012/main" xmlns:ahyp="http://schemas.microsoft.com/office/drawing/2018/hyperlinkcolor" showMasterPhAnim="0" showMasterSp="0">
+<p:notes xmlns:a="http://schemas.openxmlformats.org/drawingml/2006/main" xmlns:r="http://schemas.openxmlformats.org/officeDocument/2006/relationships" xmlns:p="http://schemas.openxmlformats.org/presentationml/2006/main" showMasterSp="0" showMasterPhAnim="0">
   <p:cSld>
     <p:spTree>
       <p:nvGrpSpPr>
-        <p:cNvPr id="140" name="Shape 140"/>
+        <p:cNvPr id="1" name="Shape 140"/>
         <p:cNvGrpSpPr/>
         <p:nvPr/>
       </p:nvGrpSpPr>
@@ -931,9 +961,11 @@
       <p:sp>
         <p:nvSpPr>
           <p:cNvPr id="141" name="Google Shape;141;g2e13e92c7bf_0_160:notes"/>
-          <p:cNvSpPr/>
+          <p:cNvSpPr>
+            <a:spLocks noGrp="1" noRot="1" noChangeAspect="1"/>
+          </p:cNvSpPr>
           <p:nvPr>
-            <p:ph idx="2" type="sldImg"/>
+            <p:ph type="sldImg" idx="2"/>
           </p:nvPr>
         </p:nvSpPr>
         <p:spPr>
@@ -942,9 +974,13 @@
             <a:ext cx="6096000" cy="3429000"/>
           </a:xfrm>
           <a:custGeom>
-            <a:rect b="b" l="l" r="r" t="t"/>
+            <a:avLst/>
+            <a:gdLst/>
+            <a:ahLst/>
+            <a:cxnLst/>
+            <a:rect l="l" t="t" r="r" b="b"/>
             <a:pathLst>
-              <a:path extrusionOk="0" h="120000" w="120000">
+              <a:path w="120000" h="120000" extrusionOk="0">
                 <a:moveTo>
                   <a:pt x="0" y="0"/>
                 </a:moveTo>
@@ -966,9 +1002,11 @@
       <p:sp>
         <p:nvSpPr>
           <p:cNvPr id="142" name="Google Shape;142;g2e13e92c7bf_0_160:notes"/>
-          <p:cNvSpPr txBox="1"/>
+          <p:cNvSpPr txBox="1">
+            <a:spLocks noGrp="1"/>
+          </p:cNvSpPr>
           <p:nvPr>
-            <p:ph idx="1" type="body"/>
+            <p:ph type="body" idx="1"/>
           </p:nvPr>
         </p:nvSpPr>
         <p:spPr>
@@ -981,12 +1019,12 @@
           </a:prstGeom>
         </p:spPr>
         <p:txBody>
-          <a:bodyPr anchorCtr="0" anchor="t" bIns="91425" lIns="91425" spcFirstLastPara="1" rIns="91425" wrap="square" tIns="91425">
+          <a:bodyPr spcFirstLastPara="1" wrap="square" lIns="91425" tIns="91425" rIns="91425" bIns="91425" anchor="t" anchorCtr="0">
             <a:noAutofit/>
           </a:bodyPr>
           <a:lstStyle/>
           <a:p>
-            <a:pPr indent="0" lvl="0" marL="0" rtl="0" algn="l">
+            <a:pPr marL="0" lvl="0" indent="0" algn="l" rtl="0">
               <a:spcBef>
                 <a:spcPts val="0"/>
               </a:spcBef>
@@ -995,9 +1033,6 @@
               </a:spcAft>
               <a:buNone/>
             </a:pPr>
-            <a:r>
-              <a:t/>
-            </a:r>
             <a:endParaRPr/>
           </a:p>
         </p:txBody>
@@ -1011,11 +1046,11 @@
 </file>
 
 <file path=ppt/notesSlides/notesSlide12.xml><?xml version="1.0" encoding="utf-8"?>
-<p:notes xmlns:a="http://schemas.openxmlformats.org/drawingml/2006/main" xmlns:r="http://schemas.openxmlformats.org/officeDocument/2006/relationships" xmlns:mc="http://schemas.openxmlformats.org/markup-compatibility/2006" xmlns:mv="urn:schemas-microsoft-com:mac:vml" xmlns:p="http://schemas.openxmlformats.org/presentationml/2006/main" xmlns:c="http://schemas.openxmlformats.org/drawingml/2006/chart" xmlns:dgm="http://schemas.openxmlformats.org/drawingml/2006/diagram" xmlns:o="urn:schemas-microsoft-com:office:office" xmlns:v="urn:schemas-microsoft-com:vml" xmlns:pvml="urn:schemas-microsoft-com:office:powerpoint" xmlns:com="http://schemas.openxmlformats.org/drawingml/2006/compatibility" xmlns:p14="http://schemas.microsoft.com/office/powerpoint/2010/main" xmlns:p15="http://schemas.microsoft.com/office/powerpoint/2012/main" xmlns:ahyp="http://schemas.microsoft.com/office/drawing/2018/hyperlinkcolor" showMasterPhAnim="0" showMasterSp="0">
+<p:notes xmlns:a="http://schemas.openxmlformats.org/drawingml/2006/main" xmlns:r="http://schemas.openxmlformats.org/officeDocument/2006/relationships" xmlns:p="http://schemas.openxmlformats.org/presentationml/2006/main" showMasterSp="0" showMasterPhAnim="0">
   <p:cSld>
     <p:spTree>
       <p:nvGrpSpPr>
-        <p:cNvPr id="147" name="Shape 147"/>
+        <p:cNvPr id="1" name="Shape 147"/>
         <p:cNvGrpSpPr/>
         <p:nvPr/>
       </p:nvGrpSpPr>
@@ -1030,9 +1065,11 @@
       <p:sp>
         <p:nvSpPr>
           <p:cNvPr id="148" name="Google Shape;148;g2e13e92c7bf_0_166:notes"/>
-          <p:cNvSpPr/>
+          <p:cNvSpPr>
+            <a:spLocks noGrp="1" noRot="1" noChangeAspect="1"/>
+          </p:cNvSpPr>
           <p:nvPr>
-            <p:ph idx="2" type="sldImg"/>
+            <p:ph type="sldImg" idx="2"/>
           </p:nvPr>
         </p:nvSpPr>
         <p:spPr>
@@ -1041,9 +1078,13 @@
             <a:ext cx="6096000" cy="3429000"/>
           </a:xfrm>
           <a:custGeom>
-            <a:rect b="b" l="l" r="r" t="t"/>
+            <a:avLst/>
+            <a:gdLst/>
+            <a:ahLst/>
+            <a:cxnLst/>
+            <a:rect l="l" t="t" r="r" b="b"/>
             <a:pathLst>
-              <a:path extrusionOk="0" h="120000" w="120000">
+              <a:path w="120000" h="120000" extrusionOk="0">
                 <a:moveTo>
                   <a:pt x="0" y="0"/>
                 </a:moveTo>
@@ -1065,9 +1106,11 @@
       <p:sp>
         <p:nvSpPr>
           <p:cNvPr id="149" name="Google Shape;149;g2e13e92c7bf_0_166:notes"/>
-          <p:cNvSpPr txBox="1"/>
+          <p:cNvSpPr txBox="1">
+            <a:spLocks noGrp="1"/>
+          </p:cNvSpPr>
           <p:nvPr>
-            <p:ph idx="1" type="body"/>
+            <p:ph type="body" idx="1"/>
           </p:nvPr>
         </p:nvSpPr>
         <p:spPr>
@@ -1080,12 +1123,12 @@
           </a:prstGeom>
         </p:spPr>
         <p:txBody>
-          <a:bodyPr anchorCtr="0" anchor="t" bIns="91425" lIns="91425" spcFirstLastPara="1" rIns="91425" wrap="square" tIns="91425">
+          <a:bodyPr spcFirstLastPara="1" wrap="square" lIns="91425" tIns="91425" rIns="91425" bIns="91425" anchor="t" anchorCtr="0">
             <a:noAutofit/>
           </a:bodyPr>
           <a:lstStyle/>
           <a:p>
-            <a:pPr indent="0" lvl="0" marL="0" rtl="0" algn="l">
+            <a:pPr marL="0" lvl="0" indent="0" algn="l" rtl="0">
               <a:spcBef>
                 <a:spcPts val="0"/>
               </a:spcBef>
@@ -1094,9 +1137,6 @@
               </a:spcAft>
               <a:buNone/>
             </a:pPr>
-            <a:r>
-              <a:t/>
-            </a:r>
             <a:endParaRPr/>
           </a:p>
         </p:txBody>
@@ -1110,11 +1150,11 @@
 </file>
 
 <file path=ppt/notesSlides/notesSlide13.xml><?xml version="1.0" encoding="utf-8"?>
-<p:notes xmlns:a="http://schemas.openxmlformats.org/drawingml/2006/main" xmlns:r="http://schemas.openxmlformats.org/officeDocument/2006/relationships" xmlns:mc="http://schemas.openxmlformats.org/markup-compatibility/2006" xmlns:mv="urn:schemas-microsoft-com:mac:vml" xmlns:p="http://schemas.openxmlformats.org/presentationml/2006/main" xmlns:c="http://schemas.openxmlformats.org/drawingml/2006/chart" xmlns:dgm="http://schemas.openxmlformats.org/drawingml/2006/diagram" xmlns:o="urn:schemas-microsoft-com:office:office" xmlns:v="urn:schemas-microsoft-com:vml" xmlns:pvml="urn:schemas-microsoft-com:office:powerpoint" xmlns:com="http://schemas.openxmlformats.org/drawingml/2006/compatibility" xmlns:p14="http://schemas.microsoft.com/office/powerpoint/2010/main" xmlns:p15="http://schemas.microsoft.com/office/powerpoint/2012/main" xmlns:ahyp="http://schemas.microsoft.com/office/drawing/2018/hyperlinkcolor" showMasterPhAnim="0" showMasterSp="0">
+<p:notes xmlns:a="http://schemas.openxmlformats.org/drawingml/2006/main" xmlns:r="http://schemas.openxmlformats.org/officeDocument/2006/relationships" xmlns:p="http://schemas.openxmlformats.org/presentationml/2006/main" showMasterSp="0" showMasterPhAnim="0">
   <p:cSld>
     <p:spTree>
       <p:nvGrpSpPr>
-        <p:cNvPr id="154" name="Shape 154"/>
+        <p:cNvPr id="1" name="Shape 154"/>
         <p:cNvGrpSpPr/>
         <p:nvPr/>
       </p:nvGrpSpPr>
@@ -1129,9 +1169,11 @@
       <p:sp>
         <p:nvSpPr>
           <p:cNvPr id="155" name="Google Shape;155;g2e0cba97265_0_420:notes"/>
-          <p:cNvSpPr/>
+          <p:cNvSpPr>
+            <a:spLocks noGrp="1" noRot="1" noChangeAspect="1"/>
+          </p:cNvSpPr>
           <p:nvPr>
-            <p:ph idx="2" type="sldImg"/>
+            <p:ph type="sldImg" idx="2"/>
           </p:nvPr>
         </p:nvSpPr>
         <p:spPr>
@@ -1140,9 +1182,13 @@
             <a:ext cx="6096000" cy="3429000"/>
           </a:xfrm>
           <a:custGeom>
-            <a:rect b="b" l="l" r="r" t="t"/>
+            <a:avLst/>
+            <a:gdLst/>
+            <a:ahLst/>
+            <a:cxnLst/>
+            <a:rect l="l" t="t" r="r" b="b"/>
             <a:pathLst>
-              <a:path extrusionOk="0" h="120000" w="120000">
+              <a:path w="120000" h="120000" extrusionOk="0">
                 <a:moveTo>
                   <a:pt x="0" y="0"/>
                 </a:moveTo>
@@ -1164,9 +1210,11 @@
       <p:sp>
         <p:nvSpPr>
           <p:cNvPr id="156" name="Google Shape;156;g2e0cba97265_0_420:notes"/>
-          <p:cNvSpPr txBox="1"/>
+          <p:cNvSpPr txBox="1">
+            <a:spLocks noGrp="1"/>
+          </p:cNvSpPr>
           <p:nvPr>
-            <p:ph idx="1" type="body"/>
+            <p:ph type="body" idx="1"/>
           </p:nvPr>
         </p:nvSpPr>
         <p:spPr>
@@ -1179,12 +1227,12 @@
           </a:prstGeom>
         </p:spPr>
         <p:txBody>
-          <a:bodyPr anchorCtr="0" anchor="t" bIns="91425" lIns="91425" spcFirstLastPara="1" rIns="91425" wrap="square" tIns="91425">
+          <a:bodyPr spcFirstLastPara="1" wrap="square" lIns="91425" tIns="91425" rIns="91425" bIns="91425" anchor="t" anchorCtr="0">
             <a:noAutofit/>
           </a:bodyPr>
           <a:lstStyle/>
           <a:p>
-            <a:pPr indent="0" lvl="0" marL="0" rtl="0" algn="l">
+            <a:pPr marL="0" lvl="0" indent="0" algn="l" rtl="0">
               <a:spcBef>
                 <a:spcPts val="0"/>
               </a:spcBef>
@@ -1193,9 +1241,6 @@
               </a:spcAft>
               <a:buNone/>
             </a:pPr>
-            <a:r>
-              <a:t/>
-            </a:r>
             <a:endParaRPr/>
           </a:p>
         </p:txBody>
@@ -1209,11 +1254,11 @@
 </file>
 
 <file path=ppt/notesSlides/notesSlide14.xml><?xml version="1.0" encoding="utf-8"?>
-<p:notes xmlns:a="http://schemas.openxmlformats.org/drawingml/2006/main" xmlns:r="http://schemas.openxmlformats.org/officeDocument/2006/relationships" xmlns:mc="http://schemas.openxmlformats.org/markup-compatibility/2006" xmlns:mv="urn:schemas-microsoft-com:mac:vml" xmlns:p="http://schemas.openxmlformats.org/presentationml/2006/main" xmlns:c="http://schemas.openxmlformats.org/drawingml/2006/chart" xmlns:dgm="http://schemas.openxmlformats.org/drawingml/2006/diagram" xmlns:o="urn:schemas-microsoft-com:office:office" xmlns:v="urn:schemas-microsoft-com:vml" xmlns:pvml="urn:schemas-microsoft-com:office:powerpoint" xmlns:com="http://schemas.openxmlformats.org/drawingml/2006/compatibility" xmlns:p14="http://schemas.microsoft.com/office/powerpoint/2010/main" xmlns:p15="http://schemas.microsoft.com/office/powerpoint/2012/main" xmlns:ahyp="http://schemas.microsoft.com/office/drawing/2018/hyperlinkcolor" showMasterPhAnim="0" showMasterSp="0">
+<p:notes xmlns:a="http://schemas.openxmlformats.org/drawingml/2006/main" xmlns:r="http://schemas.openxmlformats.org/officeDocument/2006/relationships" xmlns:p="http://schemas.openxmlformats.org/presentationml/2006/main" showMasterSp="0" showMasterPhAnim="0">
   <p:cSld>
     <p:spTree>
       <p:nvGrpSpPr>
-        <p:cNvPr id="161" name="Shape 161"/>
+        <p:cNvPr id="1" name="Shape 161"/>
         <p:cNvGrpSpPr/>
         <p:nvPr/>
       </p:nvGrpSpPr>
@@ -1228,9 +1273,11 @@
       <p:sp>
         <p:nvSpPr>
           <p:cNvPr id="162" name="Google Shape;162;g2e0cba97265_0_471:notes"/>
-          <p:cNvSpPr/>
+          <p:cNvSpPr>
+            <a:spLocks noGrp="1" noRot="1" noChangeAspect="1"/>
+          </p:cNvSpPr>
           <p:nvPr>
-            <p:ph idx="2" type="sldImg"/>
+            <p:ph type="sldImg" idx="2"/>
           </p:nvPr>
         </p:nvSpPr>
         <p:spPr>
@@ -1239,9 +1286,13 @@
             <a:ext cx="6096000" cy="3429000"/>
           </a:xfrm>
           <a:custGeom>
-            <a:rect b="b" l="l" r="r" t="t"/>
+            <a:avLst/>
+            <a:gdLst/>
+            <a:ahLst/>
+            <a:cxnLst/>
+            <a:rect l="l" t="t" r="r" b="b"/>
             <a:pathLst>
-              <a:path extrusionOk="0" h="120000" w="120000">
+              <a:path w="120000" h="120000" extrusionOk="0">
                 <a:moveTo>
                   <a:pt x="0" y="0"/>
                 </a:moveTo>
@@ -1263,9 +1314,11 @@
       <p:sp>
         <p:nvSpPr>
           <p:cNvPr id="163" name="Google Shape;163;g2e0cba97265_0_471:notes"/>
-          <p:cNvSpPr txBox="1"/>
+          <p:cNvSpPr txBox="1">
+            <a:spLocks noGrp="1"/>
+          </p:cNvSpPr>
           <p:nvPr>
-            <p:ph idx="1" type="body"/>
+            <p:ph type="body" idx="1"/>
           </p:nvPr>
         </p:nvSpPr>
         <p:spPr>
@@ -1278,12 +1331,12 @@
           </a:prstGeom>
         </p:spPr>
         <p:txBody>
-          <a:bodyPr anchorCtr="0" anchor="t" bIns="91425" lIns="91425" spcFirstLastPara="1" rIns="91425" wrap="square" tIns="91425">
+          <a:bodyPr spcFirstLastPara="1" wrap="square" lIns="91425" tIns="91425" rIns="91425" bIns="91425" anchor="t" anchorCtr="0">
             <a:noAutofit/>
           </a:bodyPr>
           <a:lstStyle/>
           <a:p>
-            <a:pPr indent="0" lvl="0" marL="0" rtl="0" algn="l">
+            <a:pPr marL="0" lvl="0" indent="0" algn="l" rtl="0">
               <a:spcBef>
                 <a:spcPts val="0"/>
               </a:spcBef>
@@ -1292,9 +1345,6 @@
               </a:spcAft>
               <a:buNone/>
             </a:pPr>
-            <a:r>
-              <a:t/>
-            </a:r>
             <a:endParaRPr/>
           </a:p>
         </p:txBody>
@@ -1308,11 +1358,11 @@
 </file>
 
 <file path=ppt/notesSlides/notesSlide15.xml><?xml version="1.0" encoding="utf-8"?>
-<p:notes xmlns:a="http://schemas.openxmlformats.org/drawingml/2006/main" xmlns:r="http://schemas.openxmlformats.org/officeDocument/2006/relationships" xmlns:mc="http://schemas.openxmlformats.org/markup-compatibility/2006" xmlns:mv="urn:schemas-microsoft-com:mac:vml" xmlns:p="http://schemas.openxmlformats.org/presentationml/2006/main" xmlns:c="http://schemas.openxmlformats.org/drawingml/2006/chart" xmlns:dgm="http://schemas.openxmlformats.org/drawingml/2006/diagram" xmlns:o="urn:schemas-microsoft-com:office:office" xmlns:v="urn:schemas-microsoft-com:vml" xmlns:pvml="urn:schemas-microsoft-com:office:powerpoint" xmlns:com="http://schemas.openxmlformats.org/drawingml/2006/compatibility" xmlns:p14="http://schemas.microsoft.com/office/powerpoint/2010/main" xmlns:p15="http://schemas.microsoft.com/office/powerpoint/2012/main" xmlns:ahyp="http://schemas.microsoft.com/office/drawing/2018/hyperlinkcolor" showMasterPhAnim="0" showMasterSp="0">
+<p:notes xmlns:a="http://schemas.openxmlformats.org/drawingml/2006/main" xmlns:r="http://schemas.openxmlformats.org/officeDocument/2006/relationships" xmlns:p="http://schemas.openxmlformats.org/presentationml/2006/main" showMasterSp="0" showMasterPhAnim="0">
   <p:cSld>
     <p:spTree>
       <p:nvGrpSpPr>
-        <p:cNvPr id="168" name="Shape 168"/>
+        <p:cNvPr id="1" name="Shape 168"/>
         <p:cNvGrpSpPr/>
         <p:nvPr/>
       </p:nvGrpSpPr>
@@ -1327,9 +1377,11 @@
       <p:sp>
         <p:nvSpPr>
           <p:cNvPr id="169" name="Google Shape;169;g2e0cba97265_0_522:notes"/>
-          <p:cNvSpPr/>
+          <p:cNvSpPr>
+            <a:spLocks noGrp="1" noRot="1" noChangeAspect="1"/>
+          </p:cNvSpPr>
           <p:nvPr>
-            <p:ph idx="2" type="sldImg"/>
+            <p:ph type="sldImg" idx="2"/>
           </p:nvPr>
         </p:nvSpPr>
         <p:spPr>
@@ -1338,9 +1390,13 @@
             <a:ext cx="6096000" cy="3429000"/>
           </a:xfrm>
           <a:custGeom>
-            <a:rect b="b" l="l" r="r" t="t"/>
+            <a:avLst/>
+            <a:gdLst/>
+            <a:ahLst/>
+            <a:cxnLst/>
+            <a:rect l="l" t="t" r="r" b="b"/>
             <a:pathLst>
-              <a:path extrusionOk="0" h="120000" w="120000">
+              <a:path w="120000" h="120000" extrusionOk="0">
                 <a:moveTo>
                   <a:pt x="0" y="0"/>
                 </a:moveTo>
@@ -1362,9 +1418,11 @@
       <p:sp>
         <p:nvSpPr>
           <p:cNvPr id="170" name="Google Shape;170;g2e0cba97265_0_522:notes"/>
-          <p:cNvSpPr txBox="1"/>
+          <p:cNvSpPr txBox="1">
+            <a:spLocks noGrp="1"/>
+          </p:cNvSpPr>
           <p:nvPr>
-            <p:ph idx="1" type="body"/>
+            <p:ph type="body" idx="1"/>
           </p:nvPr>
         </p:nvSpPr>
         <p:spPr>
@@ -1377,12 +1435,12 @@
           </a:prstGeom>
         </p:spPr>
         <p:txBody>
-          <a:bodyPr anchorCtr="0" anchor="t" bIns="91425" lIns="91425" spcFirstLastPara="1" rIns="91425" wrap="square" tIns="91425">
+          <a:bodyPr spcFirstLastPara="1" wrap="square" lIns="91425" tIns="91425" rIns="91425" bIns="91425" anchor="t" anchorCtr="0">
             <a:noAutofit/>
           </a:bodyPr>
           <a:lstStyle/>
           <a:p>
-            <a:pPr indent="0" lvl="0" marL="0" rtl="0" algn="l">
+            <a:pPr marL="0" lvl="0" indent="0" algn="l" rtl="0">
               <a:spcBef>
                 <a:spcPts val="0"/>
               </a:spcBef>
@@ -1391,9 +1449,6 @@
               </a:spcAft>
               <a:buNone/>
             </a:pPr>
-            <a:r>
-              <a:t/>
-            </a:r>
             <a:endParaRPr/>
           </a:p>
         </p:txBody>
@@ -1407,11 +1462,11 @@
 </file>
 
 <file path=ppt/notesSlides/notesSlide2.xml><?xml version="1.0" encoding="utf-8"?>
-<p:notes xmlns:a="http://schemas.openxmlformats.org/drawingml/2006/main" xmlns:r="http://schemas.openxmlformats.org/officeDocument/2006/relationships" xmlns:mc="http://schemas.openxmlformats.org/markup-compatibility/2006" xmlns:mv="urn:schemas-microsoft-com:mac:vml" xmlns:p="http://schemas.openxmlformats.org/presentationml/2006/main" xmlns:c="http://schemas.openxmlformats.org/drawingml/2006/chart" xmlns:dgm="http://schemas.openxmlformats.org/drawingml/2006/diagram" xmlns:o="urn:schemas-microsoft-com:office:office" xmlns:v="urn:schemas-microsoft-com:vml" xmlns:pvml="urn:schemas-microsoft-com:office:powerpoint" xmlns:com="http://schemas.openxmlformats.org/drawingml/2006/compatibility" xmlns:p14="http://schemas.microsoft.com/office/powerpoint/2010/main" xmlns:p15="http://schemas.microsoft.com/office/powerpoint/2012/main" xmlns:ahyp="http://schemas.microsoft.com/office/drawing/2018/hyperlinkcolor" showMasterPhAnim="0" showMasterSp="0">
+<p:notes xmlns:a="http://schemas.openxmlformats.org/drawingml/2006/main" xmlns:r="http://schemas.openxmlformats.org/officeDocument/2006/relationships" xmlns:p="http://schemas.openxmlformats.org/presentationml/2006/main" showMasterSp="0" showMasterPhAnim="0">
   <p:cSld>
     <p:spTree>
       <p:nvGrpSpPr>
-        <p:cNvPr id="60" name="Shape 60"/>
+        <p:cNvPr id="1" name="Shape 60"/>
         <p:cNvGrpSpPr/>
         <p:nvPr/>
       </p:nvGrpSpPr>
@@ -1426,9 +1481,11 @@
       <p:sp>
         <p:nvSpPr>
           <p:cNvPr id="61" name="Google Shape;61;g2e0cba97265_0_58:notes"/>
-          <p:cNvSpPr/>
+          <p:cNvSpPr>
+            <a:spLocks noGrp="1" noRot="1" noChangeAspect="1"/>
+          </p:cNvSpPr>
           <p:nvPr>
-            <p:ph idx="2" type="sldImg"/>
+            <p:ph type="sldImg" idx="2"/>
           </p:nvPr>
         </p:nvSpPr>
         <p:spPr>
@@ -1437,9 +1494,13 @@
             <a:ext cx="6096000" cy="3429000"/>
           </a:xfrm>
           <a:custGeom>
-            <a:rect b="b" l="l" r="r" t="t"/>
+            <a:avLst/>
+            <a:gdLst/>
+            <a:ahLst/>
+            <a:cxnLst/>
+            <a:rect l="l" t="t" r="r" b="b"/>
             <a:pathLst>
-              <a:path extrusionOk="0" h="120000" w="120000">
+              <a:path w="120000" h="120000" extrusionOk="0">
                 <a:moveTo>
                   <a:pt x="0" y="0"/>
                 </a:moveTo>
@@ -1461,9 +1522,11 @@
       <p:sp>
         <p:nvSpPr>
           <p:cNvPr id="62" name="Google Shape;62;g2e0cba97265_0_58:notes"/>
-          <p:cNvSpPr txBox="1"/>
+          <p:cNvSpPr txBox="1">
+            <a:spLocks noGrp="1"/>
+          </p:cNvSpPr>
           <p:nvPr>
-            <p:ph idx="1" type="body"/>
+            <p:ph type="body" idx="1"/>
           </p:nvPr>
         </p:nvSpPr>
         <p:spPr>
@@ -1476,12 +1539,12 @@
           </a:prstGeom>
         </p:spPr>
         <p:txBody>
-          <a:bodyPr anchorCtr="0" anchor="t" bIns="91425" lIns="91425" spcFirstLastPara="1" rIns="91425" wrap="square" tIns="91425">
+          <a:bodyPr spcFirstLastPara="1" wrap="square" lIns="91425" tIns="91425" rIns="91425" bIns="91425" anchor="t" anchorCtr="0">
             <a:noAutofit/>
           </a:bodyPr>
           <a:lstStyle/>
           <a:p>
-            <a:pPr indent="0" lvl="0" marL="0" rtl="0" algn="l">
+            <a:pPr marL="0" lvl="0" indent="0" algn="l" rtl="0">
               <a:spcBef>
                 <a:spcPts val="0"/>
               </a:spcBef>
@@ -1490,9 +1553,6 @@
               </a:spcAft>
               <a:buNone/>
             </a:pPr>
-            <a:r>
-              <a:t/>
-            </a:r>
             <a:endParaRPr/>
           </a:p>
         </p:txBody>
@@ -1506,11 +1566,11 @@
 </file>
 
 <file path=ppt/notesSlides/notesSlide3.xml><?xml version="1.0" encoding="utf-8"?>
-<p:notes xmlns:a="http://schemas.openxmlformats.org/drawingml/2006/main" xmlns:r="http://schemas.openxmlformats.org/officeDocument/2006/relationships" xmlns:mc="http://schemas.openxmlformats.org/markup-compatibility/2006" xmlns:mv="urn:schemas-microsoft-com:mac:vml" xmlns:p="http://schemas.openxmlformats.org/presentationml/2006/main" xmlns:c="http://schemas.openxmlformats.org/drawingml/2006/chart" xmlns:dgm="http://schemas.openxmlformats.org/drawingml/2006/diagram" xmlns:o="urn:schemas-microsoft-com:office:office" xmlns:v="urn:schemas-microsoft-com:vml" xmlns:pvml="urn:schemas-microsoft-com:office:powerpoint" xmlns:com="http://schemas.openxmlformats.org/drawingml/2006/compatibility" xmlns:p14="http://schemas.microsoft.com/office/powerpoint/2010/main" xmlns:p15="http://schemas.microsoft.com/office/powerpoint/2012/main" xmlns:ahyp="http://schemas.microsoft.com/office/drawing/2018/hyperlinkcolor" showMasterPhAnim="0" showMasterSp="0">
+<p:notes xmlns:a="http://schemas.openxmlformats.org/drawingml/2006/main" xmlns:r="http://schemas.openxmlformats.org/officeDocument/2006/relationships" xmlns:p="http://schemas.openxmlformats.org/presentationml/2006/main" showMasterSp="0" showMasterPhAnim="0">
   <p:cSld>
     <p:spTree>
       <p:nvGrpSpPr>
-        <p:cNvPr id="68" name="Shape 68"/>
+        <p:cNvPr id="1" name="Shape 68"/>
         <p:cNvGrpSpPr/>
         <p:nvPr/>
       </p:nvGrpSpPr>
@@ -1525,9 +1585,11 @@
       <p:sp>
         <p:nvSpPr>
           <p:cNvPr id="69" name="Google Shape;69;g2e0cba97265_0_109:notes"/>
-          <p:cNvSpPr/>
+          <p:cNvSpPr>
+            <a:spLocks noGrp="1" noRot="1" noChangeAspect="1"/>
+          </p:cNvSpPr>
           <p:nvPr>
-            <p:ph idx="2" type="sldImg"/>
+            <p:ph type="sldImg" idx="2"/>
           </p:nvPr>
         </p:nvSpPr>
         <p:spPr>
@@ -1536,9 +1598,13 @@
             <a:ext cx="6096000" cy="3429000"/>
           </a:xfrm>
           <a:custGeom>
-            <a:rect b="b" l="l" r="r" t="t"/>
+            <a:avLst/>
+            <a:gdLst/>
+            <a:ahLst/>
+            <a:cxnLst/>
+            <a:rect l="l" t="t" r="r" b="b"/>
             <a:pathLst>
-              <a:path extrusionOk="0" h="120000" w="120000">
+              <a:path w="120000" h="120000" extrusionOk="0">
                 <a:moveTo>
                   <a:pt x="0" y="0"/>
                 </a:moveTo>
@@ -1560,9 +1626,11 @@
       <p:sp>
         <p:nvSpPr>
           <p:cNvPr id="70" name="Google Shape;70;g2e0cba97265_0_109:notes"/>
-          <p:cNvSpPr txBox="1"/>
+          <p:cNvSpPr txBox="1">
+            <a:spLocks noGrp="1"/>
+          </p:cNvSpPr>
           <p:nvPr>
-            <p:ph idx="1" type="body"/>
+            <p:ph type="body" idx="1"/>
           </p:nvPr>
         </p:nvSpPr>
         <p:spPr>
@@ -1575,12 +1643,12 @@
           </a:prstGeom>
         </p:spPr>
         <p:txBody>
-          <a:bodyPr anchorCtr="0" anchor="t" bIns="91425" lIns="91425" spcFirstLastPara="1" rIns="91425" wrap="square" tIns="91425">
+          <a:bodyPr spcFirstLastPara="1" wrap="square" lIns="91425" tIns="91425" rIns="91425" bIns="91425" anchor="t" anchorCtr="0">
             <a:noAutofit/>
           </a:bodyPr>
           <a:lstStyle/>
           <a:p>
-            <a:pPr indent="0" lvl="0" marL="0" rtl="0" algn="l">
+            <a:pPr marL="0" lvl="0" indent="0" algn="l" rtl="0">
               <a:spcBef>
                 <a:spcPts val="0"/>
               </a:spcBef>
@@ -1589,9 +1657,6 @@
               </a:spcAft>
               <a:buNone/>
             </a:pPr>
-            <a:r>
-              <a:t/>
-            </a:r>
             <a:endParaRPr/>
           </a:p>
         </p:txBody>
@@ -1605,11 +1670,11 @@
 </file>
 
 <file path=ppt/notesSlides/notesSlide4.xml><?xml version="1.0" encoding="utf-8"?>
-<p:notes xmlns:a="http://schemas.openxmlformats.org/drawingml/2006/main" xmlns:r="http://schemas.openxmlformats.org/officeDocument/2006/relationships" xmlns:mc="http://schemas.openxmlformats.org/markup-compatibility/2006" xmlns:mv="urn:schemas-microsoft-com:mac:vml" xmlns:p="http://schemas.openxmlformats.org/presentationml/2006/main" xmlns:c="http://schemas.openxmlformats.org/drawingml/2006/chart" xmlns:dgm="http://schemas.openxmlformats.org/drawingml/2006/diagram" xmlns:o="urn:schemas-microsoft-com:office:office" xmlns:v="urn:schemas-microsoft-com:vml" xmlns:pvml="urn:schemas-microsoft-com:office:powerpoint" xmlns:com="http://schemas.openxmlformats.org/drawingml/2006/compatibility" xmlns:p14="http://schemas.microsoft.com/office/powerpoint/2010/main" xmlns:p15="http://schemas.microsoft.com/office/powerpoint/2012/main" xmlns:ahyp="http://schemas.microsoft.com/office/drawing/2018/hyperlinkcolor" showMasterPhAnim="0" showMasterSp="0">
+<p:notes xmlns:a="http://schemas.openxmlformats.org/drawingml/2006/main" xmlns:r="http://schemas.openxmlformats.org/officeDocument/2006/relationships" xmlns:p="http://schemas.openxmlformats.org/presentationml/2006/main" showMasterSp="0" showMasterPhAnim="0">
   <p:cSld>
     <p:spTree>
       <p:nvGrpSpPr>
-        <p:cNvPr id="75" name="Shape 75"/>
+        <p:cNvPr id="1" name="Shape 75"/>
         <p:cNvGrpSpPr/>
         <p:nvPr/>
       </p:nvGrpSpPr>
@@ -1624,9 +1689,11 @@
       <p:sp>
         <p:nvSpPr>
           <p:cNvPr id="76" name="Google Shape;76;g2e0cba97265_0_573:notes"/>
-          <p:cNvSpPr/>
+          <p:cNvSpPr>
+            <a:spLocks noGrp="1" noRot="1" noChangeAspect="1"/>
+          </p:cNvSpPr>
           <p:nvPr>
-            <p:ph idx="2" type="sldImg"/>
+            <p:ph type="sldImg" idx="2"/>
           </p:nvPr>
         </p:nvSpPr>
         <p:spPr>
@@ -1635,9 +1702,13 @@
             <a:ext cx="6096000" cy="3429000"/>
           </a:xfrm>
           <a:custGeom>
-            <a:rect b="b" l="l" r="r" t="t"/>
+            <a:avLst/>
+            <a:gdLst/>
+            <a:ahLst/>
+            <a:cxnLst/>
+            <a:rect l="l" t="t" r="r" b="b"/>
             <a:pathLst>
-              <a:path extrusionOk="0" h="120000" w="120000">
+              <a:path w="120000" h="120000" extrusionOk="0">
                 <a:moveTo>
                   <a:pt x="0" y="0"/>
                 </a:moveTo>
@@ -1659,9 +1730,11 @@
       <p:sp>
         <p:nvSpPr>
           <p:cNvPr id="77" name="Google Shape;77;g2e0cba97265_0_573:notes"/>
-          <p:cNvSpPr txBox="1"/>
+          <p:cNvSpPr txBox="1">
+            <a:spLocks noGrp="1"/>
+          </p:cNvSpPr>
           <p:nvPr>
-            <p:ph idx="1" type="body"/>
+            <p:ph type="body" idx="1"/>
           </p:nvPr>
         </p:nvSpPr>
         <p:spPr>
@@ -1674,12 +1747,12 @@
           </a:prstGeom>
         </p:spPr>
         <p:txBody>
-          <a:bodyPr anchorCtr="0" anchor="t" bIns="91425" lIns="91425" spcFirstLastPara="1" rIns="91425" wrap="square" tIns="91425">
+          <a:bodyPr spcFirstLastPara="1" wrap="square" lIns="91425" tIns="91425" rIns="91425" bIns="91425" anchor="t" anchorCtr="0">
             <a:noAutofit/>
           </a:bodyPr>
           <a:lstStyle/>
           <a:p>
-            <a:pPr indent="0" lvl="0" marL="0" rtl="0" algn="l">
+            <a:pPr marL="0" lvl="0" indent="0" algn="l" rtl="0">
               <a:spcBef>
                 <a:spcPts val="0"/>
               </a:spcBef>
@@ -1688,9 +1761,6 @@
               </a:spcAft>
               <a:buNone/>
             </a:pPr>
-            <a:r>
-              <a:t/>
-            </a:r>
             <a:endParaRPr/>
           </a:p>
         </p:txBody>
@@ -1704,11 +1774,11 @@
 </file>
 
 <file path=ppt/notesSlides/notesSlide5.xml><?xml version="1.0" encoding="utf-8"?>
-<p:notes xmlns:a="http://schemas.openxmlformats.org/drawingml/2006/main" xmlns:r="http://schemas.openxmlformats.org/officeDocument/2006/relationships" xmlns:mc="http://schemas.openxmlformats.org/markup-compatibility/2006" xmlns:mv="urn:schemas-microsoft-com:mac:vml" xmlns:p="http://schemas.openxmlformats.org/presentationml/2006/main" xmlns:c="http://schemas.openxmlformats.org/drawingml/2006/chart" xmlns:dgm="http://schemas.openxmlformats.org/drawingml/2006/diagram" xmlns:o="urn:schemas-microsoft-com:office:office" xmlns:v="urn:schemas-microsoft-com:vml" xmlns:pvml="urn:schemas-microsoft-com:office:powerpoint" xmlns:com="http://schemas.openxmlformats.org/drawingml/2006/compatibility" xmlns:p14="http://schemas.microsoft.com/office/powerpoint/2010/main" xmlns:p15="http://schemas.microsoft.com/office/powerpoint/2012/main" xmlns:ahyp="http://schemas.microsoft.com/office/drawing/2018/hyperlinkcolor" showMasterPhAnim="0" showMasterSp="0">
+<p:notes xmlns:a="http://schemas.openxmlformats.org/drawingml/2006/main" xmlns:r="http://schemas.openxmlformats.org/officeDocument/2006/relationships" xmlns:p="http://schemas.openxmlformats.org/presentationml/2006/main" showMasterSp="0" showMasterPhAnim="0">
   <p:cSld>
     <p:spTree>
       <p:nvGrpSpPr>
-        <p:cNvPr id="86" name="Shape 86"/>
+        <p:cNvPr id="1" name="Shape 86"/>
         <p:cNvGrpSpPr/>
         <p:nvPr/>
       </p:nvGrpSpPr>
@@ -1723,9 +1793,11 @@
       <p:sp>
         <p:nvSpPr>
           <p:cNvPr id="87" name="Google Shape;87;g2e13e92c7bf_0_112:notes"/>
-          <p:cNvSpPr/>
+          <p:cNvSpPr>
+            <a:spLocks noGrp="1" noRot="1" noChangeAspect="1"/>
+          </p:cNvSpPr>
           <p:nvPr>
-            <p:ph idx="2" type="sldImg"/>
+            <p:ph type="sldImg" idx="2"/>
           </p:nvPr>
         </p:nvSpPr>
         <p:spPr>
@@ -1734,9 +1806,13 @@
             <a:ext cx="6096000" cy="3429000"/>
           </a:xfrm>
           <a:custGeom>
-            <a:rect b="b" l="l" r="r" t="t"/>
+            <a:avLst/>
+            <a:gdLst/>
+            <a:ahLst/>
+            <a:cxnLst/>
+            <a:rect l="l" t="t" r="r" b="b"/>
             <a:pathLst>
-              <a:path extrusionOk="0" h="120000" w="120000">
+              <a:path w="120000" h="120000" extrusionOk="0">
                 <a:moveTo>
                   <a:pt x="0" y="0"/>
                 </a:moveTo>
@@ -1758,9 +1834,11 @@
       <p:sp>
         <p:nvSpPr>
           <p:cNvPr id="88" name="Google Shape;88;g2e13e92c7bf_0_112:notes"/>
-          <p:cNvSpPr txBox="1"/>
+          <p:cNvSpPr txBox="1">
+            <a:spLocks noGrp="1"/>
+          </p:cNvSpPr>
           <p:nvPr>
-            <p:ph idx="1" type="body"/>
+            <p:ph type="body" idx="1"/>
           </p:nvPr>
         </p:nvSpPr>
         <p:spPr>
@@ -1773,12 +1851,12 @@
           </a:prstGeom>
         </p:spPr>
         <p:txBody>
-          <a:bodyPr anchorCtr="0" anchor="t" bIns="91425" lIns="91425" spcFirstLastPara="1" rIns="91425" wrap="square" tIns="91425">
+          <a:bodyPr spcFirstLastPara="1" wrap="square" lIns="91425" tIns="91425" rIns="91425" bIns="91425" anchor="t" anchorCtr="0">
             <a:noAutofit/>
           </a:bodyPr>
           <a:lstStyle/>
           <a:p>
-            <a:pPr indent="0" lvl="0" marL="0" rtl="0" algn="l">
+            <a:pPr marL="0" lvl="0" indent="0" algn="l" rtl="0">
               <a:spcBef>
                 <a:spcPts val="0"/>
               </a:spcBef>
@@ -1787,9 +1865,6 @@
               </a:spcAft>
               <a:buNone/>
             </a:pPr>
-            <a:r>
-              <a:t/>
-            </a:r>
             <a:endParaRPr/>
           </a:p>
         </p:txBody>
@@ -1803,11 +1878,11 @@
 </file>
 
 <file path=ppt/notesSlides/notesSlide6.xml><?xml version="1.0" encoding="utf-8"?>
-<p:notes xmlns:a="http://schemas.openxmlformats.org/drawingml/2006/main" xmlns:r="http://schemas.openxmlformats.org/officeDocument/2006/relationships" xmlns:mc="http://schemas.openxmlformats.org/markup-compatibility/2006" xmlns:mv="urn:schemas-microsoft-com:mac:vml" xmlns:p="http://schemas.openxmlformats.org/presentationml/2006/main" xmlns:c="http://schemas.openxmlformats.org/drawingml/2006/chart" xmlns:dgm="http://schemas.openxmlformats.org/drawingml/2006/diagram" xmlns:o="urn:schemas-microsoft-com:office:office" xmlns:v="urn:schemas-microsoft-com:vml" xmlns:pvml="urn:schemas-microsoft-com:office:powerpoint" xmlns:com="http://schemas.openxmlformats.org/drawingml/2006/compatibility" xmlns:p14="http://schemas.microsoft.com/office/powerpoint/2010/main" xmlns:p15="http://schemas.microsoft.com/office/powerpoint/2012/main" xmlns:ahyp="http://schemas.microsoft.com/office/drawing/2018/hyperlinkcolor" showMasterPhAnim="0" showMasterSp="0">
+<p:notes xmlns:a="http://schemas.openxmlformats.org/drawingml/2006/main" xmlns:r="http://schemas.openxmlformats.org/officeDocument/2006/relationships" xmlns:p="http://schemas.openxmlformats.org/presentationml/2006/main" showMasterSp="0" showMasterPhAnim="0">
   <p:cSld>
     <p:spTree>
       <p:nvGrpSpPr>
-        <p:cNvPr id="95" name="Shape 95"/>
+        <p:cNvPr id="1" name="Shape 95"/>
         <p:cNvGrpSpPr/>
         <p:nvPr/>
       </p:nvGrpSpPr>
@@ -1822,9 +1897,11 @@
       <p:sp>
         <p:nvSpPr>
           <p:cNvPr id="96" name="Google Shape;96;g2e13e92c7bf_0_120:notes"/>
-          <p:cNvSpPr/>
+          <p:cNvSpPr>
+            <a:spLocks noGrp="1" noRot="1" noChangeAspect="1"/>
+          </p:cNvSpPr>
           <p:nvPr>
-            <p:ph idx="2" type="sldImg"/>
+            <p:ph type="sldImg" idx="2"/>
           </p:nvPr>
         </p:nvSpPr>
         <p:spPr>
@@ -1833,9 +1910,13 @@
             <a:ext cx="6096000" cy="3429000"/>
           </a:xfrm>
           <a:custGeom>
-            <a:rect b="b" l="l" r="r" t="t"/>
+            <a:avLst/>
+            <a:gdLst/>
+            <a:ahLst/>
+            <a:cxnLst/>
+            <a:rect l="l" t="t" r="r" b="b"/>
             <a:pathLst>
-              <a:path extrusionOk="0" h="120000" w="120000">
+              <a:path w="120000" h="120000" extrusionOk="0">
                 <a:moveTo>
                   <a:pt x="0" y="0"/>
                 </a:moveTo>
@@ -1857,9 +1938,11 @@
       <p:sp>
         <p:nvSpPr>
           <p:cNvPr id="97" name="Google Shape;97;g2e13e92c7bf_0_120:notes"/>
-          <p:cNvSpPr txBox="1"/>
+          <p:cNvSpPr txBox="1">
+            <a:spLocks noGrp="1"/>
+          </p:cNvSpPr>
           <p:nvPr>
-            <p:ph idx="1" type="body"/>
+            <p:ph type="body" idx="1"/>
           </p:nvPr>
         </p:nvSpPr>
         <p:spPr>
@@ -1872,12 +1955,12 @@
           </a:prstGeom>
         </p:spPr>
         <p:txBody>
-          <a:bodyPr anchorCtr="0" anchor="t" bIns="91425" lIns="91425" spcFirstLastPara="1" rIns="91425" wrap="square" tIns="91425">
+          <a:bodyPr spcFirstLastPara="1" wrap="square" lIns="91425" tIns="91425" rIns="91425" bIns="91425" anchor="t" anchorCtr="0">
             <a:noAutofit/>
           </a:bodyPr>
           <a:lstStyle/>
           <a:p>
-            <a:pPr indent="0" lvl="0" marL="0" rtl="0" algn="l">
+            <a:pPr marL="0" lvl="0" indent="0" algn="l" rtl="0">
               <a:spcBef>
                 <a:spcPts val="0"/>
               </a:spcBef>
@@ -1886,9 +1969,6 @@
               </a:spcAft>
               <a:buNone/>
             </a:pPr>
-            <a:r>
-              <a:t/>
-            </a:r>
             <a:endParaRPr/>
           </a:p>
         </p:txBody>
@@ -1902,11 +1982,11 @@
 </file>
 
 <file path=ppt/notesSlides/notesSlide7.xml><?xml version="1.0" encoding="utf-8"?>
-<p:notes xmlns:a="http://schemas.openxmlformats.org/drawingml/2006/main" xmlns:r="http://schemas.openxmlformats.org/officeDocument/2006/relationships" xmlns:mc="http://schemas.openxmlformats.org/markup-compatibility/2006" xmlns:mv="urn:schemas-microsoft-com:mac:vml" xmlns:p="http://schemas.openxmlformats.org/presentationml/2006/main" xmlns:c="http://schemas.openxmlformats.org/drawingml/2006/chart" xmlns:dgm="http://schemas.openxmlformats.org/drawingml/2006/diagram" xmlns:o="urn:schemas-microsoft-com:office:office" xmlns:v="urn:schemas-microsoft-com:vml" xmlns:pvml="urn:schemas-microsoft-com:office:powerpoint" xmlns:com="http://schemas.openxmlformats.org/drawingml/2006/compatibility" xmlns:p14="http://schemas.microsoft.com/office/powerpoint/2010/main" xmlns:p15="http://schemas.microsoft.com/office/powerpoint/2012/main" xmlns:ahyp="http://schemas.microsoft.com/office/drawing/2018/hyperlinkcolor" showMasterPhAnim="0" showMasterSp="0">
+<p:notes xmlns:a="http://schemas.openxmlformats.org/drawingml/2006/main" xmlns:r="http://schemas.openxmlformats.org/officeDocument/2006/relationships" xmlns:p="http://schemas.openxmlformats.org/presentationml/2006/main" showMasterSp="0" showMasterPhAnim="0">
   <p:cSld>
     <p:spTree>
       <p:nvGrpSpPr>
-        <p:cNvPr id="105" name="Shape 105"/>
+        <p:cNvPr id="1" name="Shape 105"/>
         <p:cNvGrpSpPr/>
         <p:nvPr/>
       </p:nvGrpSpPr>
@@ -1921,9 +2001,11 @@
       <p:sp>
         <p:nvSpPr>
           <p:cNvPr id="106" name="Google Shape;106;g2e13e92c7bf_0_129:notes"/>
-          <p:cNvSpPr/>
+          <p:cNvSpPr>
+            <a:spLocks noGrp="1" noRot="1" noChangeAspect="1"/>
+          </p:cNvSpPr>
           <p:nvPr>
-            <p:ph idx="2" type="sldImg"/>
+            <p:ph type="sldImg" idx="2"/>
           </p:nvPr>
         </p:nvSpPr>
         <p:spPr>
@@ -1932,9 +2014,13 @@
             <a:ext cx="6096000" cy="3429000"/>
           </a:xfrm>
           <a:custGeom>
-            <a:rect b="b" l="l" r="r" t="t"/>
+            <a:avLst/>
+            <a:gdLst/>
+            <a:ahLst/>
+            <a:cxnLst/>
+            <a:rect l="l" t="t" r="r" b="b"/>
             <a:pathLst>
-              <a:path extrusionOk="0" h="120000" w="120000">
+              <a:path w="120000" h="120000" extrusionOk="0">
                 <a:moveTo>
                   <a:pt x="0" y="0"/>
                 </a:moveTo>
@@ -1956,9 +2042,11 @@
       <p:sp>
         <p:nvSpPr>
           <p:cNvPr id="107" name="Google Shape;107;g2e13e92c7bf_0_129:notes"/>
-          <p:cNvSpPr txBox="1"/>
+          <p:cNvSpPr txBox="1">
+            <a:spLocks noGrp="1"/>
+          </p:cNvSpPr>
           <p:nvPr>
-            <p:ph idx="1" type="body"/>
+            <p:ph type="body" idx="1"/>
           </p:nvPr>
         </p:nvSpPr>
         <p:spPr>
@@ -1971,12 +2059,12 @@
           </a:prstGeom>
         </p:spPr>
         <p:txBody>
-          <a:bodyPr anchorCtr="0" anchor="t" bIns="91425" lIns="91425" spcFirstLastPara="1" rIns="91425" wrap="square" tIns="91425">
+          <a:bodyPr spcFirstLastPara="1" wrap="square" lIns="91425" tIns="91425" rIns="91425" bIns="91425" anchor="t" anchorCtr="0">
             <a:noAutofit/>
           </a:bodyPr>
           <a:lstStyle/>
           <a:p>
-            <a:pPr indent="0" lvl="0" marL="0" rtl="0" algn="l">
+            <a:pPr marL="0" lvl="0" indent="0" algn="l" rtl="0">
               <a:spcBef>
                 <a:spcPts val="0"/>
               </a:spcBef>
@@ -1985,9 +2073,6 @@
               </a:spcAft>
               <a:buNone/>
             </a:pPr>
-            <a:r>
-              <a:t/>
-            </a:r>
             <a:endParaRPr/>
           </a:p>
         </p:txBody>
@@ -2001,11 +2086,11 @@
 </file>
 
 <file path=ppt/notesSlides/notesSlide8.xml><?xml version="1.0" encoding="utf-8"?>
-<p:notes xmlns:a="http://schemas.openxmlformats.org/drawingml/2006/main" xmlns:r="http://schemas.openxmlformats.org/officeDocument/2006/relationships" xmlns:mc="http://schemas.openxmlformats.org/markup-compatibility/2006" xmlns:mv="urn:schemas-microsoft-com:mac:vml" xmlns:p="http://schemas.openxmlformats.org/presentationml/2006/main" xmlns:c="http://schemas.openxmlformats.org/drawingml/2006/chart" xmlns:dgm="http://schemas.openxmlformats.org/drawingml/2006/diagram" xmlns:o="urn:schemas-microsoft-com:office:office" xmlns:v="urn:schemas-microsoft-com:vml" xmlns:pvml="urn:schemas-microsoft-com:office:powerpoint" xmlns:com="http://schemas.openxmlformats.org/drawingml/2006/compatibility" xmlns:p14="http://schemas.microsoft.com/office/powerpoint/2010/main" xmlns:p15="http://schemas.microsoft.com/office/powerpoint/2012/main" xmlns:ahyp="http://schemas.microsoft.com/office/drawing/2018/hyperlinkcolor" showMasterPhAnim="0" showMasterSp="0">
+<p:notes xmlns:a="http://schemas.openxmlformats.org/drawingml/2006/main" xmlns:r="http://schemas.openxmlformats.org/officeDocument/2006/relationships" xmlns:p="http://schemas.openxmlformats.org/presentationml/2006/main" showMasterSp="0" showMasterPhAnim="0">
   <p:cSld>
     <p:spTree>
       <p:nvGrpSpPr>
-        <p:cNvPr id="115" name="Shape 115"/>
+        <p:cNvPr id="1" name="Shape 115"/>
         <p:cNvGrpSpPr/>
         <p:nvPr/>
       </p:nvGrpSpPr>
@@ -2020,9 +2105,11 @@
       <p:sp>
         <p:nvSpPr>
           <p:cNvPr id="116" name="Google Shape;116;g2e13e92c7bf_0_138:notes"/>
-          <p:cNvSpPr/>
+          <p:cNvSpPr>
+            <a:spLocks noGrp="1" noRot="1" noChangeAspect="1"/>
+          </p:cNvSpPr>
           <p:nvPr>
-            <p:ph idx="2" type="sldImg"/>
+            <p:ph type="sldImg" idx="2"/>
           </p:nvPr>
         </p:nvSpPr>
         <p:spPr>
@@ -2031,9 +2118,13 @@
             <a:ext cx="6096000" cy="3429000"/>
           </a:xfrm>
           <a:custGeom>
-            <a:rect b="b" l="l" r="r" t="t"/>
+            <a:avLst/>
+            <a:gdLst/>
+            <a:ahLst/>
+            <a:cxnLst/>
+            <a:rect l="l" t="t" r="r" b="b"/>
             <a:pathLst>
-              <a:path extrusionOk="0" h="120000" w="120000">
+              <a:path w="120000" h="120000" extrusionOk="0">
                 <a:moveTo>
                   <a:pt x="0" y="0"/>
                 </a:moveTo>
@@ -2055,9 +2146,11 @@
       <p:sp>
         <p:nvSpPr>
           <p:cNvPr id="117" name="Google Shape;117;g2e13e92c7bf_0_138:notes"/>
-          <p:cNvSpPr txBox="1"/>
+          <p:cNvSpPr txBox="1">
+            <a:spLocks noGrp="1"/>
+          </p:cNvSpPr>
           <p:nvPr>
-            <p:ph idx="1" type="body"/>
+            <p:ph type="body" idx="1"/>
           </p:nvPr>
         </p:nvSpPr>
         <p:spPr>
@@ -2070,12 +2163,12 @@
           </a:prstGeom>
         </p:spPr>
         <p:txBody>
-          <a:bodyPr anchorCtr="0" anchor="t" bIns="91425" lIns="91425" spcFirstLastPara="1" rIns="91425" wrap="square" tIns="91425">
+          <a:bodyPr spcFirstLastPara="1" wrap="square" lIns="91425" tIns="91425" rIns="91425" bIns="91425" anchor="t" anchorCtr="0">
             <a:noAutofit/>
           </a:bodyPr>
           <a:lstStyle/>
           <a:p>
-            <a:pPr indent="0" lvl="0" marL="0" rtl="0" algn="l">
+            <a:pPr marL="0" lvl="0" indent="0" algn="l" rtl="0">
               <a:spcBef>
                 <a:spcPts val="0"/>
               </a:spcBef>
@@ -2084,9 +2177,6 @@
               </a:spcAft>
               <a:buNone/>
             </a:pPr>
-            <a:r>
-              <a:t/>
-            </a:r>
             <a:endParaRPr/>
           </a:p>
         </p:txBody>
@@ -2100,11 +2190,11 @@
 </file>
 
 <file path=ppt/notesSlides/notesSlide9.xml><?xml version="1.0" encoding="utf-8"?>
-<p:notes xmlns:a="http://schemas.openxmlformats.org/drawingml/2006/main" xmlns:r="http://schemas.openxmlformats.org/officeDocument/2006/relationships" xmlns:mc="http://schemas.openxmlformats.org/markup-compatibility/2006" xmlns:mv="urn:schemas-microsoft-com:mac:vml" xmlns:p="http://schemas.openxmlformats.org/presentationml/2006/main" xmlns:c="http://schemas.openxmlformats.org/drawingml/2006/chart" xmlns:dgm="http://schemas.openxmlformats.org/drawingml/2006/diagram" xmlns:o="urn:schemas-microsoft-com:office:office" xmlns:v="urn:schemas-microsoft-com:vml" xmlns:pvml="urn:schemas-microsoft-com:office:powerpoint" xmlns:com="http://schemas.openxmlformats.org/drawingml/2006/compatibility" xmlns:p14="http://schemas.microsoft.com/office/powerpoint/2010/main" xmlns:p15="http://schemas.microsoft.com/office/powerpoint/2012/main" xmlns:ahyp="http://schemas.microsoft.com/office/drawing/2018/hyperlinkcolor" showMasterPhAnim="0" showMasterSp="0">
+<p:notes xmlns:a="http://schemas.openxmlformats.org/drawingml/2006/main" xmlns:r="http://schemas.openxmlformats.org/officeDocument/2006/relationships" xmlns:p="http://schemas.openxmlformats.org/presentationml/2006/main" showMasterSp="0" showMasterPhAnim="0">
   <p:cSld>
     <p:spTree>
       <p:nvGrpSpPr>
-        <p:cNvPr id="124" name="Shape 124"/>
+        <p:cNvPr id="1" name="Shape 124"/>
         <p:cNvGrpSpPr/>
         <p:nvPr/>
       </p:nvGrpSpPr>
@@ -2119,9 +2209,11 @@
       <p:sp>
         <p:nvSpPr>
           <p:cNvPr id="125" name="Google Shape;125;g2e13e92c7bf_0_146:notes"/>
-          <p:cNvSpPr/>
+          <p:cNvSpPr>
+            <a:spLocks noGrp="1" noRot="1" noChangeAspect="1"/>
+          </p:cNvSpPr>
           <p:nvPr>
-            <p:ph idx="2" type="sldImg"/>
+            <p:ph type="sldImg" idx="2"/>
           </p:nvPr>
         </p:nvSpPr>
         <p:spPr>
@@ -2130,9 +2222,13 @@
             <a:ext cx="6096000" cy="3429000"/>
           </a:xfrm>
           <a:custGeom>
-            <a:rect b="b" l="l" r="r" t="t"/>
+            <a:avLst/>
+            <a:gdLst/>
+            <a:ahLst/>
+            <a:cxnLst/>
+            <a:rect l="l" t="t" r="r" b="b"/>
             <a:pathLst>
-              <a:path extrusionOk="0" h="120000" w="120000">
+              <a:path w="120000" h="120000" extrusionOk="0">
                 <a:moveTo>
                   <a:pt x="0" y="0"/>
                 </a:moveTo>
@@ -2154,9 +2250,11 @@
       <p:sp>
         <p:nvSpPr>
           <p:cNvPr id="126" name="Google Shape;126;g2e13e92c7bf_0_146:notes"/>
-          <p:cNvSpPr txBox="1"/>
+          <p:cNvSpPr txBox="1">
+            <a:spLocks noGrp="1"/>
+          </p:cNvSpPr>
           <p:nvPr>
-            <p:ph idx="1" type="body"/>
+            <p:ph type="body" idx="1"/>
           </p:nvPr>
         </p:nvSpPr>
         <p:spPr>
@@ -2169,12 +2267,12 @@
           </a:prstGeom>
         </p:spPr>
         <p:txBody>
-          <a:bodyPr anchorCtr="0" anchor="t" bIns="91425" lIns="91425" spcFirstLastPara="1" rIns="91425" wrap="square" tIns="91425">
+          <a:bodyPr spcFirstLastPara="1" wrap="square" lIns="91425" tIns="91425" rIns="91425" bIns="91425" anchor="t" anchorCtr="0">
             <a:noAutofit/>
           </a:bodyPr>
           <a:lstStyle/>
           <a:p>
-            <a:pPr indent="0" lvl="0" marL="0" rtl="0" algn="l">
+            <a:pPr marL="0" lvl="0" indent="0" algn="l" rtl="0">
               <a:spcBef>
                 <a:spcPts val="0"/>
               </a:spcBef>
@@ -2183,9 +2281,6 @@
               </a:spcAft>
               <a:buNone/>
             </a:pPr>
-            <a:r>
-              <a:t/>
-            </a:r>
             <a:endParaRPr/>
           </a:p>
         </p:txBody>
@@ -2199,11 +2294,11 @@
 </file>
 
 <file path=ppt/slideLayouts/slideLayout1.xml><?xml version="1.0" encoding="utf-8"?>
-<p:sldLayout xmlns:a="http://schemas.openxmlformats.org/drawingml/2006/main" xmlns:r="http://schemas.openxmlformats.org/officeDocument/2006/relationships" xmlns:mc="http://schemas.openxmlformats.org/markup-compatibility/2006" xmlns:mv="urn:schemas-microsoft-com:mac:vml" xmlns:p="http://schemas.openxmlformats.org/presentationml/2006/main" xmlns:c="http://schemas.openxmlformats.org/drawingml/2006/chart" xmlns:dgm="http://schemas.openxmlformats.org/drawingml/2006/diagram" xmlns:o="urn:schemas-microsoft-com:office:office" xmlns:v="urn:schemas-microsoft-com:vml" xmlns:pvml="urn:schemas-microsoft-com:office:powerpoint" xmlns:com="http://schemas.openxmlformats.org/drawingml/2006/compatibility" xmlns:p14="http://schemas.microsoft.com/office/powerpoint/2010/main" xmlns:p15="http://schemas.microsoft.com/office/powerpoint/2012/main" xmlns:ahyp="http://schemas.microsoft.com/office/drawing/2018/hyperlinkcolor" matchingName="Title slide" type="title">
+<p:sldLayout xmlns:a="http://schemas.openxmlformats.org/drawingml/2006/main" xmlns:r="http://schemas.openxmlformats.org/officeDocument/2006/relationships" xmlns:p="http://schemas.openxmlformats.org/presentationml/2006/main" matchingName="Title slide" type="title">
   <p:cSld name="TITLE">
     <p:spTree>
       <p:nvGrpSpPr>
-        <p:cNvPr id="9" name="Shape 9"/>
+        <p:cNvPr id="1" name="Shape 9"/>
         <p:cNvGrpSpPr/>
         <p:nvPr/>
       </p:nvGrpSpPr>
@@ -2218,7 +2313,9 @@
       <p:sp>
         <p:nvSpPr>
           <p:cNvPr id="10" name="Google Shape;10;p2"/>
-          <p:cNvSpPr txBox="1"/>
+          <p:cNvSpPr txBox="1">
+            <a:spLocks noGrp="1"/>
+          </p:cNvSpPr>
           <p:nvPr>
             <p:ph type="ctrTitle"/>
           </p:nvPr>
@@ -2233,7 +2330,7 @@
           </a:prstGeom>
         </p:spPr>
         <p:txBody>
-          <a:bodyPr anchorCtr="0" anchor="b" bIns="91425" lIns="91425" spcFirstLastPara="1" rIns="91425" wrap="square" tIns="91425">
+          <a:bodyPr spcFirstLastPara="1" wrap="square" lIns="91425" tIns="91425" rIns="91425" bIns="91425" anchor="b" anchorCtr="0">
             <a:normAutofit/>
           </a:bodyPr>
           <a:lstStyle>
@@ -2337,15 +2434,19 @@
               <a:defRPr sz="5200"/>
             </a:lvl9pPr>
           </a:lstStyle>
-          <a:p/>
+          <a:p>
+            <a:endParaRPr/>
+          </a:p>
         </p:txBody>
       </p:sp>
       <p:sp>
         <p:nvSpPr>
           <p:cNvPr id="11" name="Google Shape;11;p2"/>
-          <p:cNvSpPr txBox="1"/>
+          <p:cNvSpPr txBox="1">
+            <a:spLocks noGrp="1"/>
+          </p:cNvSpPr>
           <p:nvPr>
-            <p:ph idx="1" type="subTitle"/>
+            <p:ph type="subTitle" idx="1"/>
           </p:nvPr>
         </p:nvSpPr>
         <p:spPr>
@@ -2358,7 +2459,7 @@
           </a:prstGeom>
         </p:spPr>
         <p:txBody>
-          <a:bodyPr anchorCtr="0" anchor="t" bIns="91425" lIns="91425" spcFirstLastPara="1" rIns="91425" wrap="square" tIns="91425">
+          <a:bodyPr spcFirstLastPara="1" wrap="square" lIns="91425" tIns="91425" rIns="91425" bIns="91425" anchor="t" anchorCtr="0">
             <a:normAutofit/>
           </a:bodyPr>
           <a:lstStyle>
@@ -2489,15 +2590,19 @@
               <a:defRPr sz="2800"/>
             </a:lvl9pPr>
           </a:lstStyle>
-          <a:p/>
+          <a:p>
+            <a:endParaRPr/>
+          </a:p>
         </p:txBody>
       </p:sp>
       <p:sp>
         <p:nvSpPr>
           <p:cNvPr id="12" name="Google Shape;12;p2"/>
-          <p:cNvSpPr txBox="1"/>
+          <p:cNvSpPr txBox="1">
+            <a:spLocks noGrp="1"/>
+          </p:cNvSpPr>
           <p:nvPr>
-            <p:ph idx="12" type="sldNum"/>
+            <p:ph type="sldNum" idx="12"/>
           </p:nvPr>
         </p:nvSpPr>
         <p:spPr>
@@ -2510,7 +2615,7 @@
           </a:prstGeom>
         </p:spPr>
         <p:txBody>
-          <a:bodyPr anchorCtr="0" anchor="ctr" bIns="91425" lIns="91425" spcFirstLastPara="1" rIns="91425" wrap="square" tIns="91425">
+          <a:bodyPr spcFirstLastPara="1" wrap="square" lIns="91425" tIns="91425" rIns="91425" bIns="91425" anchor="ctr" anchorCtr="0">
             <a:normAutofit/>
           </a:bodyPr>
           <a:lstStyle>
@@ -2552,7 +2657,7 @@
             </a:lvl9pPr>
           </a:lstStyle>
           <a:p>
-            <a:pPr indent="0" lvl="0" marL="0" rtl="0" algn="r">
+            <a:pPr marL="0" lvl="0" indent="0" algn="r" rtl="0">
               <a:spcBef>
                 <a:spcPts val="0"/>
               </a:spcBef>
@@ -2578,11 +2683,11 @@
 </file>
 
 <file path=ppt/slideLayouts/slideLayout10.xml><?xml version="1.0" encoding="utf-8"?>
-<p:sldLayout xmlns:a="http://schemas.openxmlformats.org/drawingml/2006/main" xmlns:r="http://schemas.openxmlformats.org/officeDocument/2006/relationships" xmlns:mc="http://schemas.openxmlformats.org/markup-compatibility/2006" xmlns:mv="urn:schemas-microsoft-com:mac:vml" xmlns:p="http://schemas.openxmlformats.org/presentationml/2006/main" xmlns:c="http://schemas.openxmlformats.org/drawingml/2006/chart" xmlns:dgm="http://schemas.openxmlformats.org/drawingml/2006/diagram" xmlns:o="urn:schemas-microsoft-com:office:office" xmlns:v="urn:schemas-microsoft-com:vml" xmlns:pvml="urn:schemas-microsoft-com:office:powerpoint" xmlns:com="http://schemas.openxmlformats.org/drawingml/2006/compatibility" xmlns:p14="http://schemas.microsoft.com/office/powerpoint/2010/main" xmlns:p15="http://schemas.microsoft.com/office/powerpoint/2012/main" xmlns:ahyp="http://schemas.microsoft.com/office/drawing/2018/hyperlinkcolor" matchingName="Big number">
+<p:sldLayout xmlns:a="http://schemas.openxmlformats.org/drawingml/2006/main" xmlns:r="http://schemas.openxmlformats.org/officeDocument/2006/relationships" xmlns:p="http://schemas.openxmlformats.org/presentationml/2006/main" matchingName="Big number">
   <p:cSld name="BIG_NUMBER">
     <p:spTree>
       <p:nvGrpSpPr>
-        <p:cNvPr id="44" name="Shape 44"/>
+        <p:cNvPr id="1" name="Shape 44"/>
         <p:cNvGrpSpPr/>
         <p:nvPr/>
       </p:nvGrpSpPr>
@@ -2597,9 +2702,11 @@
       <p:sp>
         <p:nvSpPr>
           <p:cNvPr id="45" name="Google Shape;45;p11"/>
-          <p:cNvSpPr txBox="1"/>
+          <p:cNvSpPr txBox="1">
+            <a:spLocks noGrp="1"/>
+          </p:cNvSpPr>
           <p:nvPr>
-            <p:ph hasCustomPrompt="1" type="title"/>
+            <p:ph type="title" hasCustomPrompt="1"/>
           </p:nvPr>
         </p:nvSpPr>
         <p:spPr>
@@ -2612,7 +2719,7 @@
           </a:prstGeom>
         </p:spPr>
         <p:txBody>
-          <a:bodyPr anchorCtr="0" anchor="b" bIns="91425" lIns="91425" spcFirstLastPara="1" rIns="91425" wrap="square" tIns="91425">
+          <a:bodyPr spcFirstLastPara="1" wrap="square" lIns="91425" tIns="91425" rIns="91425" bIns="91425" anchor="b" anchorCtr="0">
             <a:normAutofit/>
           </a:bodyPr>
           <a:lstStyle>
@@ -2726,9 +2833,11 @@
       <p:sp>
         <p:nvSpPr>
           <p:cNvPr id="46" name="Google Shape;46;p11"/>
-          <p:cNvSpPr txBox="1"/>
+          <p:cNvSpPr txBox="1">
+            <a:spLocks noGrp="1"/>
+          </p:cNvSpPr>
           <p:nvPr>
-            <p:ph idx="1" type="body"/>
+            <p:ph type="body" idx="1"/>
           </p:nvPr>
         </p:nvSpPr>
         <p:spPr>
@@ -2741,11 +2850,11 @@
           </a:prstGeom>
         </p:spPr>
         <p:txBody>
-          <a:bodyPr anchorCtr="0" anchor="t" bIns="91425" lIns="91425" spcFirstLastPara="1" rIns="91425" wrap="square" tIns="91425">
+          <a:bodyPr spcFirstLastPara="1" wrap="square" lIns="91425" tIns="91425" rIns="91425" bIns="91425" anchor="t" anchorCtr="0">
             <a:normAutofit/>
           </a:bodyPr>
           <a:lstStyle>
-            <a:lvl1pPr indent="-342900" lvl="0" marL="457200" algn="ctr">
+            <a:lvl1pPr marL="457200" lvl="0" indent="-342900" algn="ctr">
               <a:spcBef>
                 <a:spcPts val="0"/>
               </a:spcBef>
@@ -2756,7 +2865,7 @@
               <a:buChar char="●"/>
               <a:defRPr/>
             </a:lvl1pPr>
-            <a:lvl2pPr indent="-317500" lvl="1" marL="914400" algn="ctr">
+            <a:lvl2pPr marL="914400" lvl="1" indent="-317500" algn="ctr">
               <a:spcBef>
                 <a:spcPts val="0"/>
               </a:spcBef>
@@ -2767,7 +2876,7 @@
               <a:buChar char="○"/>
               <a:defRPr/>
             </a:lvl2pPr>
-            <a:lvl3pPr indent="-317500" lvl="2" marL="1371600" algn="ctr">
+            <a:lvl3pPr marL="1371600" lvl="2" indent="-317500" algn="ctr">
               <a:spcBef>
                 <a:spcPts val="0"/>
               </a:spcBef>
@@ -2778,7 +2887,7 @@
               <a:buChar char="■"/>
               <a:defRPr/>
             </a:lvl3pPr>
-            <a:lvl4pPr indent="-317500" lvl="3" marL="1828800" algn="ctr">
+            <a:lvl4pPr marL="1828800" lvl="3" indent="-317500" algn="ctr">
               <a:spcBef>
                 <a:spcPts val="0"/>
               </a:spcBef>
@@ -2789,7 +2898,7 @@
               <a:buChar char="●"/>
               <a:defRPr/>
             </a:lvl4pPr>
-            <a:lvl5pPr indent="-317500" lvl="4" marL="2286000" algn="ctr">
+            <a:lvl5pPr marL="2286000" lvl="4" indent="-317500" algn="ctr">
               <a:spcBef>
                 <a:spcPts val="0"/>
               </a:spcBef>
@@ -2800,7 +2909,7 @@
               <a:buChar char="○"/>
               <a:defRPr/>
             </a:lvl5pPr>
-            <a:lvl6pPr indent="-317500" lvl="5" marL="2743200" algn="ctr">
+            <a:lvl6pPr marL="2743200" lvl="5" indent="-317500" algn="ctr">
               <a:spcBef>
                 <a:spcPts val="0"/>
               </a:spcBef>
@@ -2811,7 +2920,7 @@
               <a:buChar char="■"/>
               <a:defRPr/>
             </a:lvl6pPr>
-            <a:lvl7pPr indent="-317500" lvl="6" marL="3200400" algn="ctr">
+            <a:lvl7pPr marL="3200400" lvl="6" indent="-317500" algn="ctr">
               <a:spcBef>
                 <a:spcPts val="0"/>
               </a:spcBef>
@@ -2822,7 +2931,7 @@
               <a:buChar char="●"/>
               <a:defRPr/>
             </a:lvl7pPr>
-            <a:lvl8pPr indent="-317500" lvl="7" marL="3657600" algn="ctr">
+            <a:lvl8pPr marL="3657600" lvl="7" indent="-317500" algn="ctr">
               <a:spcBef>
                 <a:spcPts val="0"/>
               </a:spcBef>
@@ -2833,7 +2942,7 @@
               <a:buChar char="○"/>
               <a:defRPr/>
             </a:lvl8pPr>
-            <a:lvl9pPr indent="-317500" lvl="8" marL="4114800" algn="ctr">
+            <a:lvl9pPr marL="4114800" lvl="8" indent="-317500" algn="ctr">
               <a:spcBef>
                 <a:spcPts val="0"/>
               </a:spcBef>
@@ -2845,15 +2954,19 @@
               <a:defRPr/>
             </a:lvl9pPr>
           </a:lstStyle>
-          <a:p/>
+          <a:p>
+            <a:endParaRPr/>
+          </a:p>
         </p:txBody>
       </p:sp>
       <p:sp>
         <p:nvSpPr>
           <p:cNvPr id="47" name="Google Shape;47;p11"/>
-          <p:cNvSpPr txBox="1"/>
+          <p:cNvSpPr txBox="1">
+            <a:spLocks noGrp="1"/>
+          </p:cNvSpPr>
           <p:nvPr>
-            <p:ph idx="12" type="sldNum"/>
+            <p:ph type="sldNum" idx="12"/>
           </p:nvPr>
         </p:nvSpPr>
         <p:spPr>
@@ -2866,7 +2979,7 @@
           </a:prstGeom>
         </p:spPr>
         <p:txBody>
-          <a:bodyPr anchorCtr="0" anchor="ctr" bIns="91425" lIns="91425" spcFirstLastPara="1" rIns="91425" wrap="square" tIns="91425">
+          <a:bodyPr spcFirstLastPara="1" wrap="square" lIns="91425" tIns="91425" rIns="91425" bIns="91425" anchor="ctr" anchorCtr="0">
             <a:normAutofit/>
           </a:bodyPr>
           <a:lstStyle>
@@ -2908,7 +3021,7 @@
             </a:lvl9pPr>
           </a:lstStyle>
           <a:p>
-            <a:pPr indent="0" lvl="0" marL="0" rtl="0" algn="r">
+            <a:pPr marL="0" lvl="0" indent="0" algn="r" rtl="0">
               <a:spcBef>
                 <a:spcPts val="0"/>
               </a:spcBef>
@@ -2934,11 +3047,11 @@
 </file>
 
 <file path=ppt/slideLayouts/slideLayout11.xml><?xml version="1.0" encoding="utf-8"?>
-<p:sldLayout xmlns:a="http://schemas.openxmlformats.org/drawingml/2006/main" xmlns:r="http://schemas.openxmlformats.org/officeDocument/2006/relationships" xmlns:mc="http://schemas.openxmlformats.org/markup-compatibility/2006" xmlns:mv="urn:schemas-microsoft-com:mac:vml" xmlns:p="http://schemas.openxmlformats.org/presentationml/2006/main" xmlns:c="http://schemas.openxmlformats.org/drawingml/2006/chart" xmlns:dgm="http://schemas.openxmlformats.org/drawingml/2006/diagram" xmlns:o="urn:schemas-microsoft-com:office:office" xmlns:v="urn:schemas-microsoft-com:vml" xmlns:pvml="urn:schemas-microsoft-com:office:powerpoint" xmlns:com="http://schemas.openxmlformats.org/drawingml/2006/compatibility" xmlns:p14="http://schemas.microsoft.com/office/powerpoint/2010/main" xmlns:p15="http://schemas.microsoft.com/office/powerpoint/2012/main" xmlns:ahyp="http://schemas.microsoft.com/office/drawing/2018/hyperlinkcolor" matchingName="Blank" type="blank">
+<p:sldLayout xmlns:a="http://schemas.openxmlformats.org/drawingml/2006/main" xmlns:r="http://schemas.openxmlformats.org/officeDocument/2006/relationships" xmlns:p="http://schemas.openxmlformats.org/presentationml/2006/main" matchingName="Blank" type="blank">
   <p:cSld name="BLANK">
     <p:spTree>
       <p:nvGrpSpPr>
-        <p:cNvPr id="48" name="Shape 48"/>
+        <p:cNvPr id="1" name="Shape 48"/>
         <p:cNvGrpSpPr/>
         <p:nvPr/>
       </p:nvGrpSpPr>
@@ -2953,9 +3066,11 @@
       <p:sp>
         <p:nvSpPr>
           <p:cNvPr id="49" name="Google Shape;49;p12"/>
-          <p:cNvSpPr txBox="1"/>
+          <p:cNvSpPr txBox="1">
+            <a:spLocks noGrp="1"/>
+          </p:cNvSpPr>
           <p:nvPr>
-            <p:ph idx="12" type="sldNum"/>
+            <p:ph type="sldNum" idx="12"/>
           </p:nvPr>
         </p:nvSpPr>
         <p:spPr>
@@ -2968,7 +3083,7 @@
           </a:prstGeom>
         </p:spPr>
         <p:txBody>
-          <a:bodyPr anchorCtr="0" anchor="ctr" bIns="91425" lIns="91425" spcFirstLastPara="1" rIns="91425" wrap="square" tIns="91425">
+          <a:bodyPr spcFirstLastPara="1" wrap="square" lIns="91425" tIns="91425" rIns="91425" bIns="91425" anchor="ctr" anchorCtr="0">
             <a:normAutofit/>
           </a:bodyPr>
           <a:lstStyle>
@@ -3010,7 +3125,7 @@
             </a:lvl9pPr>
           </a:lstStyle>
           <a:p>
-            <a:pPr indent="0" lvl="0" marL="0" rtl="0" algn="r">
+            <a:pPr marL="0" lvl="0" indent="0" algn="r" rtl="0">
               <a:spcBef>
                 <a:spcPts val="0"/>
               </a:spcBef>
@@ -3036,11 +3151,11 @@
 </file>
 
 <file path=ppt/slideLayouts/slideLayout2.xml><?xml version="1.0" encoding="utf-8"?>
-<p:sldLayout xmlns:a="http://schemas.openxmlformats.org/drawingml/2006/main" xmlns:r="http://schemas.openxmlformats.org/officeDocument/2006/relationships" xmlns:mc="http://schemas.openxmlformats.org/markup-compatibility/2006" xmlns:mv="urn:schemas-microsoft-com:mac:vml" xmlns:p="http://schemas.openxmlformats.org/presentationml/2006/main" xmlns:c="http://schemas.openxmlformats.org/drawingml/2006/chart" xmlns:dgm="http://schemas.openxmlformats.org/drawingml/2006/diagram" xmlns:o="urn:schemas-microsoft-com:office:office" xmlns:v="urn:schemas-microsoft-com:vml" xmlns:pvml="urn:schemas-microsoft-com:office:powerpoint" xmlns:com="http://schemas.openxmlformats.org/drawingml/2006/compatibility" xmlns:p14="http://schemas.microsoft.com/office/powerpoint/2010/main" xmlns:p15="http://schemas.microsoft.com/office/powerpoint/2012/main" xmlns:ahyp="http://schemas.microsoft.com/office/drawing/2018/hyperlinkcolor" matchingName="Section header" type="secHead">
+<p:sldLayout xmlns:a="http://schemas.openxmlformats.org/drawingml/2006/main" xmlns:r="http://schemas.openxmlformats.org/officeDocument/2006/relationships" xmlns:p="http://schemas.openxmlformats.org/presentationml/2006/main" matchingName="Section header" type="secHead">
   <p:cSld name="SECTION_HEADER">
     <p:spTree>
       <p:nvGrpSpPr>
-        <p:cNvPr id="13" name="Shape 13"/>
+        <p:cNvPr id="1" name="Shape 13"/>
         <p:cNvGrpSpPr/>
         <p:nvPr/>
       </p:nvGrpSpPr>
@@ -3055,7 +3170,9 @@
       <p:sp>
         <p:nvSpPr>
           <p:cNvPr id="14" name="Google Shape;14;p3"/>
-          <p:cNvSpPr txBox="1"/>
+          <p:cNvSpPr txBox="1">
+            <a:spLocks noGrp="1"/>
+          </p:cNvSpPr>
           <p:nvPr>
             <p:ph type="title"/>
           </p:nvPr>
@@ -3070,7 +3187,7 @@
           </a:prstGeom>
         </p:spPr>
         <p:txBody>
-          <a:bodyPr anchorCtr="0" anchor="ctr" bIns="91425" lIns="91425" spcFirstLastPara="1" rIns="91425" wrap="square" tIns="91425">
+          <a:bodyPr spcFirstLastPara="1" wrap="square" lIns="91425" tIns="91425" rIns="91425" bIns="91425" anchor="ctr" anchorCtr="0">
             <a:normAutofit/>
           </a:bodyPr>
           <a:lstStyle>
@@ -3174,15 +3291,19 @@
               <a:defRPr sz="3600"/>
             </a:lvl9pPr>
           </a:lstStyle>
-          <a:p/>
+          <a:p>
+            <a:endParaRPr/>
+          </a:p>
         </p:txBody>
       </p:sp>
       <p:sp>
         <p:nvSpPr>
           <p:cNvPr id="15" name="Google Shape;15;p3"/>
-          <p:cNvSpPr txBox="1"/>
+          <p:cNvSpPr txBox="1">
+            <a:spLocks noGrp="1"/>
+          </p:cNvSpPr>
           <p:nvPr>
-            <p:ph idx="12" type="sldNum"/>
+            <p:ph type="sldNum" idx="12"/>
           </p:nvPr>
         </p:nvSpPr>
         <p:spPr>
@@ -3195,7 +3316,7 @@
           </a:prstGeom>
         </p:spPr>
         <p:txBody>
-          <a:bodyPr anchorCtr="0" anchor="ctr" bIns="91425" lIns="91425" spcFirstLastPara="1" rIns="91425" wrap="square" tIns="91425">
+          <a:bodyPr spcFirstLastPara="1" wrap="square" lIns="91425" tIns="91425" rIns="91425" bIns="91425" anchor="ctr" anchorCtr="0">
             <a:normAutofit/>
           </a:bodyPr>
           <a:lstStyle>
@@ -3237,7 +3358,7 @@
             </a:lvl9pPr>
           </a:lstStyle>
           <a:p>
-            <a:pPr indent="0" lvl="0" marL="0" rtl="0" algn="r">
+            <a:pPr marL="0" lvl="0" indent="0" algn="r" rtl="0">
               <a:spcBef>
                 <a:spcPts val="0"/>
               </a:spcBef>
@@ -3263,11 +3384,11 @@
 </file>
 
 <file path=ppt/slideLayouts/slideLayout3.xml><?xml version="1.0" encoding="utf-8"?>
-<p:sldLayout xmlns:a="http://schemas.openxmlformats.org/drawingml/2006/main" xmlns:r="http://schemas.openxmlformats.org/officeDocument/2006/relationships" xmlns:mc="http://schemas.openxmlformats.org/markup-compatibility/2006" xmlns:mv="urn:schemas-microsoft-com:mac:vml" xmlns:p="http://schemas.openxmlformats.org/presentationml/2006/main" xmlns:c="http://schemas.openxmlformats.org/drawingml/2006/chart" xmlns:dgm="http://schemas.openxmlformats.org/drawingml/2006/diagram" xmlns:o="urn:schemas-microsoft-com:office:office" xmlns:v="urn:schemas-microsoft-com:vml" xmlns:pvml="urn:schemas-microsoft-com:office:powerpoint" xmlns:com="http://schemas.openxmlformats.org/drawingml/2006/compatibility" xmlns:p14="http://schemas.microsoft.com/office/powerpoint/2010/main" xmlns:p15="http://schemas.microsoft.com/office/powerpoint/2012/main" xmlns:ahyp="http://schemas.microsoft.com/office/drawing/2018/hyperlinkcolor" matchingName="Title and body" type="tx">
+<p:sldLayout xmlns:a="http://schemas.openxmlformats.org/drawingml/2006/main" xmlns:r="http://schemas.openxmlformats.org/officeDocument/2006/relationships" xmlns:p="http://schemas.openxmlformats.org/presentationml/2006/main" matchingName="Title and body" type="tx">
   <p:cSld name="TITLE_AND_BODY">
     <p:spTree>
       <p:nvGrpSpPr>
-        <p:cNvPr id="16" name="Shape 16"/>
+        <p:cNvPr id="1" name="Shape 16"/>
         <p:cNvGrpSpPr/>
         <p:nvPr/>
       </p:nvGrpSpPr>
@@ -3282,7 +3403,9 @@
       <p:sp>
         <p:nvSpPr>
           <p:cNvPr id="17" name="Google Shape;17;p4"/>
-          <p:cNvSpPr txBox="1"/>
+          <p:cNvSpPr txBox="1">
+            <a:spLocks noGrp="1"/>
+          </p:cNvSpPr>
           <p:nvPr>
             <p:ph type="title"/>
           </p:nvPr>
@@ -3297,7 +3420,7 @@
           </a:prstGeom>
         </p:spPr>
         <p:txBody>
-          <a:bodyPr anchorCtr="0" anchor="t" bIns="91425" lIns="91425" spcFirstLastPara="1" rIns="91425" wrap="square" tIns="91425">
+          <a:bodyPr spcFirstLastPara="1" wrap="square" lIns="91425" tIns="91425" rIns="91425" bIns="91425" anchor="t" anchorCtr="0">
             <a:normAutofit/>
           </a:bodyPr>
           <a:lstStyle>
@@ -3401,15 +3524,19 @@
               <a:defRPr/>
             </a:lvl9pPr>
           </a:lstStyle>
-          <a:p/>
+          <a:p>
+            <a:endParaRPr/>
+          </a:p>
         </p:txBody>
       </p:sp>
       <p:sp>
         <p:nvSpPr>
           <p:cNvPr id="18" name="Google Shape;18;p4"/>
-          <p:cNvSpPr txBox="1"/>
+          <p:cNvSpPr txBox="1">
+            <a:spLocks noGrp="1"/>
+          </p:cNvSpPr>
           <p:nvPr>
-            <p:ph idx="1" type="body"/>
+            <p:ph type="body" idx="1"/>
           </p:nvPr>
         </p:nvSpPr>
         <p:spPr>
@@ -3422,11 +3549,11 @@
           </a:prstGeom>
         </p:spPr>
         <p:txBody>
-          <a:bodyPr anchorCtr="0" anchor="t" bIns="91425" lIns="91425" spcFirstLastPara="1" rIns="91425" wrap="square" tIns="91425">
+          <a:bodyPr spcFirstLastPara="1" wrap="square" lIns="91425" tIns="91425" rIns="91425" bIns="91425" anchor="t" anchorCtr="0">
             <a:normAutofit/>
           </a:bodyPr>
           <a:lstStyle>
-            <a:lvl1pPr indent="-342900" lvl="0" marL="457200">
+            <a:lvl1pPr marL="457200" lvl="0" indent="-342900">
               <a:spcBef>
                 <a:spcPts val="0"/>
               </a:spcBef>
@@ -3437,7 +3564,7 @@
               <a:buChar char="●"/>
               <a:defRPr/>
             </a:lvl1pPr>
-            <a:lvl2pPr indent="-317500" lvl="1" marL="914400">
+            <a:lvl2pPr marL="914400" lvl="1" indent="-317500">
               <a:spcBef>
                 <a:spcPts val="0"/>
               </a:spcBef>
@@ -3448,7 +3575,7 @@
               <a:buChar char="○"/>
               <a:defRPr/>
             </a:lvl2pPr>
-            <a:lvl3pPr indent="-317500" lvl="2" marL="1371600">
+            <a:lvl3pPr marL="1371600" lvl="2" indent="-317500">
               <a:spcBef>
                 <a:spcPts val="0"/>
               </a:spcBef>
@@ -3459,7 +3586,7 @@
               <a:buChar char="■"/>
               <a:defRPr/>
             </a:lvl3pPr>
-            <a:lvl4pPr indent="-317500" lvl="3" marL="1828800">
+            <a:lvl4pPr marL="1828800" lvl="3" indent="-317500">
               <a:spcBef>
                 <a:spcPts val="0"/>
               </a:spcBef>
@@ -3470,7 +3597,7 @@
               <a:buChar char="●"/>
               <a:defRPr/>
             </a:lvl4pPr>
-            <a:lvl5pPr indent="-317500" lvl="4" marL="2286000">
+            <a:lvl5pPr marL="2286000" lvl="4" indent="-317500">
               <a:spcBef>
                 <a:spcPts val="0"/>
               </a:spcBef>
@@ -3481,7 +3608,7 @@
               <a:buChar char="○"/>
               <a:defRPr/>
             </a:lvl5pPr>
-            <a:lvl6pPr indent="-317500" lvl="5" marL="2743200">
+            <a:lvl6pPr marL="2743200" lvl="5" indent="-317500">
               <a:spcBef>
                 <a:spcPts val="0"/>
               </a:spcBef>
@@ -3492,7 +3619,7 @@
               <a:buChar char="■"/>
               <a:defRPr/>
             </a:lvl6pPr>
-            <a:lvl7pPr indent="-317500" lvl="6" marL="3200400">
+            <a:lvl7pPr marL="3200400" lvl="6" indent="-317500">
               <a:spcBef>
                 <a:spcPts val="0"/>
               </a:spcBef>
@@ -3503,7 +3630,7 @@
               <a:buChar char="●"/>
               <a:defRPr/>
             </a:lvl7pPr>
-            <a:lvl8pPr indent="-317500" lvl="7" marL="3657600">
+            <a:lvl8pPr marL="3657600" lvl="7" indent="-317500">
               <a:spcBef>
                 <a:spcPts val="0"/>
               </a:spcBef>
@@ -3514,7 +3641,7 @@
               <a:buChar char="○"/>
               <a:defRPr/>
             </a:lvl8pPr>
-            <a:lvl9pPr indent="-317500" lvl="8" marL="4114800">
+            <a:lvl9pPr marL="4114800" lvl="8" indent="-317500">
               <a:spcBef>
                 <a:spcPts val="0"/>
               </a:spcBef>
@@ -3526,15 +3653,19 @@
               <a:defRPr/>
             </a:lvl9pPr>
           </a:lstStyle>
-          <a:p/>
+          <a:p>
+            <a:endParaRPr/>
+          </a:p>
         </p:txBody>
       </p:sp>
       <p:sp>
         <p:nvSpPr>
           <p:cNvPr id="19" name="Google Shape;19;p4"/>
-          <p:cNvSpPr txBox="1"/>
+          <p:cNvSpPr txBox="1">
+            <a:spLocks noGrp="1"/>
+          </p:cNvSpPr>
           <p:nvPr>
-            <p:ph idx="12" type="sldNum"/>
+            <p:ph type="sldNum" idx="12"/>
           </p:nvPr>
         </p:nvSpPr>
         <p:spPr>
@@ -3547,7 +3678,7 @@
           </a:prstGeom>
         </p:spPr>
         <p:txBody>
-          <a:bodyPr anchorCtr="0" anchor="ctr" bIns="91425" lIns="91425" spcFirstLastPara="1" rIns="91425" wrap="square" tIns="91425">
+          <a:bodyPr spcFirstLastPara="1" wrap="square" lIns="91425" tIns="91425" rIns="91425" bIns="91425" anchor="ctr" anchorCtr="0">
             <a:normAutofit/>
           </a:bodyPr>
           <a:lstStyle>
@@ -3589,7 +3720,7 @@
             </a:lvl9pPr>
           </a:lstStyle>
           <a:p>
-            <a:pPr indent="0" lvl="0" marL="0" rtl="0" algn="r">
+            <a:pPr marL="0" lvl="0" indent="0" algn="r" rtl="0">
               <a:spcBef>
                 <a:spcPts val="0"/>
               </a:spcBef>
@@ -3615,11 +3746,11 @@
 </file>
 
 <file path=ppt/slideLayouts/slideLayout4.xml><?xml version="1.0" encoding="utf-8"?>
-<p:sldLayout xmlns:a="http://schemas.openxmlformats.org/drawingml/2006/main" xmlns:r="http://schemas.openxmlformats.org/officeDocument/2006/relationships" xmlns:mc="http://schemas.openxmlformats.org/markup-compatibility/2006" xmlns:mv="urn:schemas-microsoft-com:mac:vml" xmlns:p="http://schemas.openxmlformats.org/presentationml/2006/main" xmlns:c="http://schemas.openxmlformats.org/drawingml/2006/chart" xmlns:dgm="http://schemas.openxmlformats.org/drawingml/2006/diagram" xmlns:o="urn:schemas-microsoft-com:office:office" xmlns:v="urn:schemas-microsoft-com:vml" xmlns:pvml="urn:schemas-microsoft-com:office:powerpoint" xmlns:com="http://schemas.openxmlformats.org/drawingml/2006/compatibility" xmlns:p14="http://schemas.microsoft.com/office/powerpoint/2010/main" xmlns:p15="http://schemas.microsoft.com/office/powerpoint/2012/main" xmlns:ahyp="http://schemas.microsoft.com/office/drawing/2018/hyperlinkcolor" matchingName="Title and two columns" type="twoColTx">
+<p:sldLayout xmlns:a="http://schemas.openxmlformats.org/drawingml/2006/main" xmlns:r="http://schemas.openxmlformats.org/officeDocument/2006/relationships" xmlns:p="http://schemas.openxmlformats.org/presentationml/2006/main" matchingName="Title and two columns" type="twoColTx">
   <p:cSld name="TITLE_AND_TWO_COLUMNS">
     <p:spTree>
       <p:nvGrpSpPr>
-        <p:cNvPr id="20" name="Shape 20"/>
+        <p:cNvPr id="1" name="Shape 20"/>
         <p:cNvGrpSpPr/>
         <p:nvPr/>
       </p:nvGrpSpPr>
@@ -3634,7 +3765,9 @@
       <p:sp>
         <p:nvSpPr>
           <p:cNvPr id="21" name="Google Shape;21;p5"/>
-          <p:cNvSpPr txBox="1"/>
+          <p:cNvSpPr txBox="1">
+            <a:spLocks noGrp="1"/>
+          </p:cNvSpPr>
           <p:nvPr>
             <p:ph type="title"/>
           </p:nvPr>
@@ -3649,7 +3782,7 @@
           </a:prstGeom>
         </p:spPr>
         <p:txBody>
-          <a:bodyPr anchorCtr="0" anchor="t" bIns="91425" lIns="91425" spcFirstLastPara="1" rIns="91425" wrap="square" tIns="91425">
+          <a:bodyPr spcFirstLastPara="1" wrap="square" lIns="91425" tIns="91425" rIns="91425" bIns="91425" anchor="t" anchorCtr="0">
             <a:normAutofit/>
           </a:bodyPr>
           <a:lstStyle>
@@ -3753,15 +3886,19 @@
               <a:defRPr/>
             </a:lvl9pPr>
           </a:lstStyle>
-          <a:p/>
+          <a:p>
+            <a:endParaRPr/>
+          </a:p>
         </p:txBody>
       </p:sp>
       <p:sp>
         <p:nvSpPr>
           <p:cNvPr id="22" name="Google Shape;22;p5"/>
-          <p:cNvSpPr txBox="1"/>
+          <p:cNvSpPr txBox="1">
+            <a:spLocks noGrp="1"/>
+          </p:cNvSpPr>
           <p:nvPr>
-            <p:ph idx="1" type="body"/>
+            <p:ph type="body" idx="1"/>
           </p:nvPr>
         </p:nvSpPr>
         <p:spPr>
@@ -3774,11 +3911,11 @@
           </a:prstGeom>
         </p:spPr>
         <p:txBody>
-          <a:bodyPr anchorCtr="0" anchor="t" bIns="91425" lIns="91425" spcFirstLastPara="1" rIns="91425" wrap="square" tIns="91425">
+          <a:bodyPr spcFirstLastPara="1" wrap="square" lIns="91425" tIns="91425" rIns="91425" bIns="91425" anchor="t" anchorCtr="0">
             <a:normAutofit/>
           </a:bodyPr>
           <a:lstStyle>
-            <a:lvl1pPr indent="-317500" lvl="0" marL="457200">
+            <a:lvl1pPr marL="457200" lvl="0" indent="-317500">
               <a:spcBef>
                 <a:spcPts val="0"/>
               </a:spcBef>
@@ -3789,7 +3926,7 @@
               <a:buChar char="●"/>
               <a:defRPr sz="1400"/>
             </a:lvl1pPr>
-            <a:lvl2pPr indent="-304800" lvl="1" marL="914400">
+            <a:lvl2pPr marL="914400" lvl="1" indent="-304800">
               <a:spcBef>
                 <a:spcPts val="0"/>
               </a:spcBef>
@@ -3800,7 +3937,7 @@
               <a:buChar char="○"/>
               <a:defRPr sz="1200"/>
             </a:lvl2pPr>
-            <a:lvl3pPr indent="-304800" lvl="2" marL="1371600">
+            <a:lvl3pPr marL="1371600" lvl="2" indent="-304800">
               <a:spcBef>
                 <a:spcPts val="0"/>
               </a:spcBef>
@@ -3811,7 +3948,7 @@
               <a:buChar char="■"/>
               <a:defRPr sz="1200"/>
             </a:lvl3pPr>
-            <a:lvl4pPr indent="-304800" lvl="3" marL="1828800">
+            <a:lvl4pPr marL="1828800" lvl="3" indent="-304800">
               <a:spcBef>
                 <a:spcPts val="0"/>
               </a:spcBef>
@@ -3822,7 +3959,7 @@
               <a:buChar char="●"/>
               <a:defRPr sz="1200"/>
             </a:lvl4pPr>
-            <a:lvl5pPr indent="-304800" lvl="4" marL="2286000">
+            <a:lvl5pPr marL="2286000" lvl="4" indent="-304800">
               <a:spcBef>
                 <a:spcPts val="0"/>
               </a:spcBef>
@@ -3833,7 +3970,7 @@
               <a:buChar char="○"/>
               <a:defRPr sz="1200"/>
             </a:lvl5pPr>
-            <a:lvl6pPr indent="-304800" lvl="5" marL="2743200">
+            <a:lvl6pPr marL="2743200" lvl="5" indent="-304800">
               <a:spcBef>
                 <a:spcPts val="0"/>
               </a:spcBef>
@@ -3844,7 +3981,7 @@
               <a:buChar char="■"/>
               <a:defRPr sz="1200"/>
             </a:lvl6pPr>
-            <a:lvl7pPr indent="-304800" lvl="6" marL="3200400">
+            <a:lvl7pPr marL="3200400" lvl="6" indent="-304800">
               <a:spcBef>
                 <a:spcPts val="0"/>
               </a:spcBef>
@@ -3855,7 +3992,7 @@
               <a:buChar char="●"/>
               <a:defRPr sz="1200"/>
             </a:lvl7pPr>
-            <a:lvl8pPr indent="-304800" lvl="7" marL="3657600">
+            <a:lvl8pPr marL="3657600" lvl="7" indent="-304800">
               <a:spcBef>
                 <a:spcPts val="0"/>
               </a:spcBef>
@@ -3866,7 +4003,7 @@
               <a:buChar char="○"/>
               <a:defRPr sz="1200"/>
             </a:lvl8pPr>
-            <a:lvl9pPr indent="-304800" lvl="8" marL="4114800">
+            <a:lvl9pPr marL="4114800" lvl="8" indent="-304800">
               <a:spcBef>
                 <a:spcPts val="0"/>
               </a:spcBef>
@@ -3878,15 +4015,19 @@
               <a:defRPr sz="1200"/>
             </a:lvl9pPr>
           </a:lstStyle>
-          <a:p/>
+          <a:p>
+            <a:endParaRPr/>
+          </a:p>
         </p:txBody>
       </p:sp>
       <p:sp>
         <p:nvSpPr>
           <p:cNvPr id="23" name="Google Shape;23;p5"/>
-          <p:cNvSpPr txBox="1"/>
+          <p:cNvSpPr txBox="1">
+            <a:spLocks noGrp="1"/>
+          </p:cNvSpPr>
           <p:nvPr>
-            <p:ph idx="2" type="body"/>
+            <p:ph type="body" idx="2"/>
           </p:nvPr>
         </p:nvSpPr>
         <p:spPr>
@@ -3899,11 +4040,11 @@
           </a:prstGeom>
         </p:spPr>
         <p:txBody>
-          <a:bodyPr anchorCtr="0" anchor="t" bIns="91425" lIns="91425" spcFirstLastPara="1" rIns="91425" wrap="square" tIns="91425">
+          <a:bodyPr spcFirstLastPara="1" wrap="square" lIns="91425" tIns="91425" rIns="91425" bIns="91425" anchor="t" anchorCtr="0">
             <a:normAutofit/>
           </a:bodyPr>
           <a:lstStyle>
-            <a:lvl1pPr indent="-317500" lvl="0" marL="457200">
+            <a:lvl1pPr marL="457200" lvl="0" indent="-317500">
               <a:spcBef>
                 <a:spcPts val="0"/>
               </a:spcBef>
@@ -3914,7 +4055,7 @@
               <a:buChar char="●"/>
               <a:defRPr sz="1400"/>
             </a:lvl1pPr>
-            <a:lvl2pPr indent="-304800" lvl="1" marL="914400">
+            <a:lvl2pPr marL="914400" lvl="1" indent="-304800">
               <a:spcBef>
                 <a:spcPts val="0"/>
               </a:spcBef>
@@ -3925,7 +4066,7 @@
               <a:buChar char="○"/>
               <a:defRPr sz="1200"/>
             </a:lvl2pPr>
-            <a:lvl3pPr indent="-304800" lvl="2" marL="1371600">
+            <a:lvl3pPr marL="1371600" lvl="2" indent="-304800">
               <a:spcBef>
                 <a:spcPts val="0"/>
               </a:spcBef>
@@ -3936,7 +4077,7 @@
               <a:buChar char="■"/>
               <a:defRPr sz="1200"/>
             </a:lvl3pPr>
-            <a:lvl4pPr indent="-304800" lvl="3" marL="1828800">
+            <a:lvl4pPr marL="1828800" lvl="3" indent="-304800">
               <a:spcBef>
                 <a:spcPts val="0"/>
               </a:spcBef>
@@ -3947,7 +4088,7 @@
               <a:buChar char="●"/>
               <a:defRPr sz="1200"/>
             </a:lvl4pPr>
-            <a:lvl5pPr indent="-304800" lvl="4" marL="2286000">
+            <a:lvl5pPr marL="2286000" lvl="4" indent="-304800">
               <a:spcBef>
                 <a:spcPts val="0"/>
               </a:spcBef>
@@ -3958,7 +4099,7 @@
               <a:buChar char="○"/>
               <a:defRPr sz="1200"/>
             </a:lvl5pPr>
-            <a:lvl6pPr indent="-304800" lvl="5" marL="2743200">
+            <a:lvl6pPr marL="2743200" lvl="5" indent="-304800">
               <a:spcBef>
                 <a:spcPts val="0"/>
               </a:spcBef>
@@ -3969,7 +4110,7 @@
               <a:buChar char="■"/>
               <a:defRPr sz="1200"/>
             </a:lvl6pPr>
-            <a:lvl7pPr indent="-304800" lvl="6" marL="3200400">
+            <a:lvl7pPr marL="3200400" lvl="6" indent="-304800">
               <a:spcBef>
                 <a:spcPts val="0"/>
               </a:spcBef>
@@ -3980,7 +4121,7 @@
               <a:buChar char="●"/>
               <a:defRPr sz="1200"/>
             </a:lvl7pPr>
-            <a:lvl8pPr indent="-304800" lvl="7" marL="3657600">
+            <a:lvl8pPr marL="3657600" lvl="7" indent="-304800">
               <a:spcBef>
                 <a:spcPts val="0"/>
               </a:spcBef>
@@ -3991,7 +4132,7 @@
               <a:buChar char="○"/>
               <a:defRPr sz="1200"/>
             </a:lvl8pPr>
-            <a:lvl9pPr indent="-304800" lvl="8" marL="4114800">
+            <a:lvl9pPr marL="4114800" lvl="8" indent="-304800">
               <a:spcBef>
                 <a:spcPts val="0"/>
               </a:spcBef>
@@ -4003,15 +4144,19 @@
               <a:defRPr sz="1200"/>
             </a:lvl9pPr>
           </a:lstStyle>
-          <a:p/>
+          <a:p>
+            <a:endParaRPr/>
+          </a:p>
         </p:txBody>
       </p:sp>
       <p:sp>
         <p:nvSpPr>
           <p:cNvPr id="24" name="Google Shape;24;p5"/>
-          <p:cNvSpPr txBox="1"/>
+          <p:cNvSpPr txBox="1">
+            <a:spLocks noGrp="1"/>
+          </p:cNvSpPr>
           <p:nvPr>
-            <p:ph idx="12" type="sldNum"/>
+            <p:ph type="sldNum" idx="12"/>
           </p:nvPr>
         </p:nvSpPr>
         <p:spPr>
@@ -4024,7 +4169,7 @@
           </a:prstGeom>
         </p:spPr>
         <p:txBody>
-          <a:bodyPr anchorCtr="0" anchor="ctr" bIns="91425" lIns="91425" spcFirstLastPara="1" rIns="91425" wrap="square" tIns="91425">
+          <a:bodyPr spcFirstLastPara="1" wrap="square" lIns="91425" tIns="91425" rIns="91425" bIns="91425" anchor="ctr" anchorCtr="0">
             <a:normAutofit/>
           </a:bodyPr>
           <a:lstStyle>
@@ -4066,7 +4211,7 @@
             </a:lvl9pPr>
           </a:lstStyle>
           <a:p>
-            <a:pPr indent="0" lvl="0" marL="0" rtl="0" algn="r">
+            <a:pPr marL="0" lvl="0" indent="0" algn="r" rtl="0">
               <a:spcBef>
                 <a:spcPts val="0"/>
               </a:spcBef>
@@ -4092,11 +4237,11 @@
 </file>
 
 <file path=ppt/slideLayouts/slideLayout5.xml><?xml version="1.0" encoding="utf-8"?>
-<p:sldLayout xmlns:a="http://schemas.openxmlformats.org/drawingml/2006/main" xmlns:r="http://schemas.openxmlformats.org/officeDocument/2006/relationships" xmlns:mc="http://schemas.openxmlformats.org/markup-compatibility/2006" xmlns:mv="urn:schemas-microsoft-com:mac:vml" xmlns:p="http://schemas.openxmlformats.org/presentationml/2006/main" xmlns:c="http://schemas.openxmlformats.org/drawingml/2006/chart" xmlns:dgm="http://schemas.openxmlformats.org/drawingml/2006/diagram" xmlns:o="urn:schemas-microsoft-com:office:office" xmlns:v="urn:schemas-microsoft-com:vml" xmlns:pvml="urn:schemas-microsoft-com:office:powerpoint" xmlns:com="http://schemas.openxmlformats.org/drawingml/2006/compatibility" xmlns:p14="http://schemas.microsoft.com/office/powerpoint/2010/main" xmlns:p15="http://schemas.microsoft.com/office/powerpoint/2012/main" xmlns:ahyp="http://schemas.microsoft.com/office/drawing/2018/hyperlinkcolor" matchingName="Title only" type="titleOnly">
+<p:sldLayout xmlns:a="http://schemas.openxmlformats.org/drawingml/2006/main" xmlns:r="http://schemas.openxmlformats.org/officeDocument/2006/relationships" xmlns:p="http://schemas.openxmlformats.org/presentationml/2006/main" matchingName="Title only" type="titleOnly">
   <p:cSld name="TITLE_ONLY">
     <p:spTree>
       <p:nvGrpSpPr>
-        <p:cNvPr id="25" name="Shape 25"/>
+        <p:cNvPr id="1" name="Shape 25"/>
         <p:cNvGrpSpPr/>
         <p:nvPr/>
       </p:nvGrpSpPr>
@@ -4111,7 +4256,9 @@
       <p:sp>
         <p:nvSpPr>
           <p:cNvPr id="26" name="Google Shape;26;p6"/>
-          <p:cNvSpPr txBox="1"/>
+          <p:cNvSpPr txBox="1">
+            <a:spLocks noGrp="1"/>
+          </p:cNvSpPr>
           <p:nvPr>
             <p:ph type="title"/>
           </p:nvPr>
@@ -4126,7 +4273,7 @@
           </a:prstGeom>
         </p:spPr>
         <p:txBody>
-          <a:bodyPr anchorCtr="0" anchor="t" bIns="91425" lIns="91425" spcFirstLastPara="1" rIns="91425" wrap="square" tIns="91425">
+          <a:bodyPr spcFirstLastPara="1" wrap="square" lIns="91425" tIns="91425" rIns="91425" bIns="91425" anchor="t" anchorCtr="0">
             <a:normAutofit/>
           </a:bodyPr>
           <a:lstStyle>
@@ -4230,15 +4377,19 @@
               <a:defRPr/>
             </a:lvl9pPr>
           </a:lstStyle>
-          <a:p/>
+          <a:p>
+            <a:endParaRPr/>
+          </a:p>
         </p:txBody>
       </p:sp>
       <p:sp>
         <p:nvSpPr>
           <p:cNvPr id="27" name="Google Shape;27;p6"/>
-          <p:cNvSpPr txBox="1"/>
+          <p:cNvSpPr txBox="1">
+            <a:spLocks noGrp="1"/>
+          </p:cNvSpPr>
           <p:nvPr>
-            <p:ph idx="12" type="sldNum"/>
+            <p:ph type="sldNum" idx="12"/>
           </p:nvPr>
         </p:nvSpPr>
         <p:spPr>
@@ -4251,7 +4402,7 @@
           </a:prstGeom>
         </p:spPr>
         <p:txBody>
-          <a:bodyPr anchorCtr="0" anchor="ctr" bIns="91425" lIns="91425" spcFirstLastPara="1" rIns="91425" wrap="square" tIns="91425">
+          <a:bodyPr spcFirstLastPara="1" wrap="square" lIns="91425" tIns="91425" rIns="91425" bIns="91425" anchor="ctr" anchorCtr="0">
             <a:normAutofit/>
           </a:bodyPr>
           <a:lstStyle>
@@ -4293,7 +4444,7 @@
             </a:lvl9pPr>
           </a:lstStyle>
           <a:p>
-            <a:pPr indent="0" lvl="0" marL="0" rtl="0" algn="r">
+            <a:pPr marL="0" lvl="0" indent="0" algn="r" rtl="0">
               <a:spcBef>
                 <a:spcPts val="0"/>
               </a:spcBef>
@@ -4319,11 +4470,11 @@
 </file>
 
 <file path=ppt/slideLayouts/slideLayout6.xml><?xml version="1.0" encoding="utf-8"?>
-<p:sldLayout xmlns:a="http://schemas.openxmlformats.org/drawingml/2006/main" xmlns:r="http://schemas.openxmlformats.org/officeDocument/2006/relationships" xmlns:mc="http://schemas.openxmlformats.org/markup-compatibility/2006" xmlns:mv="urn:schemas-microsoft-com:mac:vml" xmlns:p="http://schemas.openxmlformats.org/presentationml/2006/main" xmlns:c="http://schemas.openxmlformats.org/drawingml/2006/chart" xmlns:dgm="http://schemas.openxmlformats.org/drawingml/2006/diagram" xmlns:o="urn:schemas-microsoft-com:office:office" xmlns:v="urn:schemas-microsoft-com:vml" xmlns:pvml="urn:schemas-microsoft-com:office:powerpoint" xmlns:com="http://schemas.openxmlformats.org/drawingml/2006/compatibility" xmlns:p14="http://schemas.microsoft.com/office/powerpoint/2010/main" xmlns:p15="http://schemas.microsoft.com/office/powerpoint/2012/main" xmlns:ahyp="http://schemas.microsoft.com/office/drawing/2018/hyperlinkcolor" matchingName="One column text">
+<p:sldLayout xmlns:a="http://schemas.openxmlformats.org/drawingml/2006/main" xmlns:r="http://schemas.openxmlformats.org/officeDocument/2006/relationships" xmlns:p="http://schemas.openxmlformats.org/presentationml/2006/main" matchingName="One column text">
   <p:cSld name="ONE_COLUMN_TEXT">
     <p:spTree>
       <p:nvGrpSpPr>
-        <p:cNvPr id="28" name="Shape 28"/>
+        <p:cNvPr id="1" name="Shape 28"/>
         <p:cNvGrpSpPr/>
         <p:nvPr/>
       </p:nvGrpSpPr>
@@ -4338,7 +4489,9 @@
       <p:sp>
         <p:nvSpPr>
           <p:cNvPr id="29" name="Google Shape;29;p7"/>
-          <p:cNvSpPr txBox="1"/>
+          <p:cNvSpPr txBox="1">
+            <a:spLocks noGrp="1"/>
+          </p:cNvSpPr>
           <p:nvPr>
             <p:ph type="title"/>
           </p:nvPr>
@@ -4353,7 +4506,7 @@
           </a:prstGeom>
         </p:spPr>
         <p:txBody>
-          <a:bodyPr anchorCtr="0" anchor="b" bIns="91425" lIns="91425" spcFirstLastPara="1" rIns="91425" wrap="square" tIns="91425">
+          <a:bodyPr spcFirstLastPara="1" wrap="square" lIns="91425" tIns="91425" rIns="91425" bIns="91425" anchor="b" anchorCtr="0">
             <a:normAutofit/>
           </a:bodyPr>
           <a:lstStyle>
@@ -4457,15 +4610,19 @@
               <a:defRPr sz="2400"/>
             </a:lvl9pPr>
           </a:lstStyle>
-          <a:p/>
+          <a:p>
+            <a:endParaRPr/>
+          </a:p>
         </p:txBody>
       </p:sp>
       <p:sp>
         <p:nvSpPr>
           <p:cNvPr id="30" name="Google Shape;30;p7"/>
-          <p:cNvSpPr txBox="1"/>
+          <p:cNvSpPr txBox="1">
+            <a:spLocks noGrp="1"/>
+          </p:cNvSpPr>
           <p:nvPr>
-            <p:ph idx="1" type="body"/>
+            <p:ph type="body" idx="1"/>
           </p:nvPr>
         </p:nvSpPr>
         <p:spPr>
@@ -4478,11 +4635,11 @@
           </a:prstGeom>
         </p:spPr>
         <p:txBody>
-          <a:bodyPr anchorCtr="0" anchor="t" bIns="91425" lIns="91425" spcFirstLastPara="1" rIns="91425" wrap="square" tIns="91425">
+          <a:bodyPr spcFirstLastPara="1" wrap="square" lIns="91425" tIns="91425" rIns="91425" bIns="91425" anchor="t" anchorCtr="0">
             <a:normAutofit/>
           </a:bodyPr>
           <a:lstStyle>
-            <a:lvl1pPr indent="-304800" lvl="0" marL="457200">
+            <a:lvl1pPr marL="457200" lvl="0" indent="-304800">
               <a:spcBef>
                 <a:spcPts val="0"/>
               </a:spcBef>
@@ -4493,7 +4650,7 @@
               <a:buChar char="●"/>
               <a:defRPr sz="1200"/>
             </a:lvl1pPr>
-            <a:lvl2pPr indent="-304800" lvl="1" marL="914400">
+            <a:lvl2pPr marL="914400" lvl="1" indent="-304800">
               <a:spcBef>
                 <a:spcPts val="0"/>
               </a:spcBef>
@@ -4504,7 +4661,7 @@
               <a:buChar char="○"/>
               <a:defRPr sz="1200"/>
             </a:lvl2pPr>
-            <a:lvl3pPr indent="-304800" lvl="2" marL="1371600">
+            <a:lvl3pPr marL="1371600" lvl="2" indent="-304800">
               <a:spcBef>
                 <a:spcPts val="0"/>
               </a:spcBef>
@@ -4515,7 +4672,7 @@
               <a:buChar char="■"/>
               <a:defRPr sz="1200"/>
             </a:lvl3pPr>
-            <a:lvl4pPr indent="-304800" lvl="3" marL="1828800">
+            <a:lvl4pPr marL="1828800" lvl="3" indent="-304800">
               <a:spcBef>
                 <a:spcPts val="0"/>
               </a:spcBef>
@@ -4526,7 +4683,7 @@
               <a:buChar char="●"/>
               <a:defRPr sz="1200"/>
             </a:lvl4pPr>
-            <a:lvl5pPr indent="-304800" lvl="4" marL="2286000">
+            <a:lvl5pPr marL="2286000" lvl="4" indent="-304800">
               <a:spcBef>
                 <a:spcPts val="0"/>
               </a:spcBef>
@@ -4537,7 +4694,7 @@
               <a:buChar char="○"/>
               <a:defRPr sz="1200"/>
             </a:lvl5pPr>
-            <a:lvl6pPr indent="-304800" lvl="5" marL="2743200">
+            <a:lvl6pPr marL="2743200" lvl="5" indent="-304800">
               <a:spcBef>
                 <a:spcPts val="0"/>
               </a:spcBef>
@@ -4548,7 +4705,7 @@
               <a:buChar char="■"/>
               <a:defRPr sz="1200"/>
             </a:lvl6pPr>
-            <a:lvl7pPr indent="-304800" lvl="6" marL="3200400">
+            <a:lvl7pPr marL="3200400" lvl="6" indent="-304800">
               <a:spcBef>
                 <a:spcPts val="0"/>
               </a:spcBef>
@@ -4559,7 +4716,7 @@
               <a:buChar char="●"/>
               <a:defRPr sz="1200"/>
             </a:lvl7pPr>
-            <a:lvl8pPr indent="-304800" lvl="7" marL="3657600">
+            <a:lvl8pPr marL="3657600" lvl="7" indent="-304800">
               <a:spcBef>
                 <a:spcPts val="0"/>
               </a:spcBef>
@@ -4570,7 +4727,7 @@
               <a:buChar char="○"/>
               <a:defRPr sz="1200"/>
             </a:lvl8pPr>
-            <a:lvl9pPr indent="-304800" lvl="8" marL="4114800">
+            <a:lvl9pPr marL="4114800" lvl="8" indent="-304800">
               <a:spcBef>
                 <a:spcPts val="0"/>
               </a:spcBef>
@@ -4582,15 +4739,19 @@
               <a:defRPr sz="1200"/>
             </a:lvl9pPr>
           </a:lstStyle>
-          <a:p/>
+          <a:p>
+            <a:endParaRPr/>
+          </a:p>
         </p:txBody>
       </p:sp>
       <p:sp>
         <p:nvSpPr>
           <p:cNvPr id="31" name="Google Shape;31;p7"/>
-          <p:cNvSpPr txBox="1"/>
+          <p:cNvSpPr txBox="1">
+            <a:spLocks noGrp="1"/>
+          </p:cNvSpPr>
           <p:nvPr>
-            <p:ph idx="12" type="sldNum"/>
+            <p:ph type="sldNum" idx="12"/>
           </p:nvPr>
         </p:nvSpPr>
         <p:spPr>
@@ -4603,7 +4764,7 @@
           </a:prstGeom>
         </p:spPr>
         <p:txBody>
-          <a:bodyPr anchorCtr="0" anchor="ctr" bIns="91425" lIns="91425" spcFirstLastPara="1" rIns="91425" wrap="square" tIns="91425">
+          <a:bodyPr spcFirstLastPara="1" wrap="square" lIns="91425" tIns="91425" rIns="91425" bIns="91425" anchor="ctr" anchorCtr="0">
             <a:normAutofit/>
           </a:bodyPr>
           <a:lstStyle>
@@ -4645,7 +4806,7 @@
             </a:lvl9pPr>
           </a:lstStyle>
           <a:p>
-            <a:pPr indent="0" lvl="0" marL="0" rtl="0" algn="r">
+            <a:pPr marL="0" lvl="0" indent="0" algn="r" rtl="0">
               <a:spcBef>
                 <a:spcPts val="0"/>
               </a:spcBef>
@@ -4671,11 +4832,11 @@
 </file>
 
 <file path=ppt/slideLayouts/slideLayout7.xml><?xml version="1.0" encoding="utf-8"?>
-<p:sldLayout xmlns:a="http://schemas.openxmlformats.org/drawingml/2006/main" xmlns:r="http://schemas.openxmlformats.org/officeDocument/2006/relationships" xmlns:mc="http://schemas.openxmlformats.org/markup-compatibility/2006" xmlns:mv="urn:schemas-microsoft-com:mac:vml" xmlns:p="http://schemas.openxmlformats.org/presentationml/2006/main" xmlns:c="http://schemas.openxmlformats.org/drawingml/2006/chart" xmlns:dgm="http://schemas.openxmlformats.org/drawingml/2006/diagram" xmlns:o="urn:schemas-microsoft-com:office:office" xmlns:v="urn:schemas-microsoft-com:vml" xmlns:pvml="urn:schemas-microsoft-com:office:powerpoint" xmlns:com="http://schemas.openxmlformats.org/drawingml/2006/compatibility" xmlns:p14="http://schemas.microsoft.com/office/powerpoint/2010/main" xmlns:p15="http://schemas.microsoft.com/office/powerpoint/2012/main" xmlns:ahyp="http://schemas.microsoft.com/office/drawing/2018/hyperlinkcolor" matchingName="Main point">
+<p:sldLayout xmlns:a="http://schemas.openxmlformats.org/drawingml/2006/main" xmlns:r="http://schemas.openxmlformats.org/officeDocument/2006/relationships" xmlns:p="http://schemas.openxmlformats.org/presentationml/2006/main" matchingName="Main point">
   <p:cSld name="MAIN_POINT">
     <p:spTree>
       <p:nvGrpSpPr>
-        <p:cNvPr id="32" name="Shape 32"/>
+        <p:cNvPr id="1" name="Shape 32"/>
         <p:cNvGrpSpPr/>
         <p:nvPr/>
       </p:nvGrpSpPr>
@@ -4690,7 +4851,9 @@
       <p:sp>
         <p:nvSpPr>
           <p:cNvPr id="33" name="Google Shape;33;p8"/>
-          <p:cNvSpPr txBox="1"/>
+          <p:cNvSpPr txBox="1">
+            <a:spLocks noGrp="1"/>
+          </p:cNvSpPr>
           <p:nvPr>
             <p:ph type="title"/>
           </p:nvPr>
@@ -4705,7 +4868,7 @@
           </a:prstGeom>
         </p:spPr>
         <p:txBody>
-          <a:bodyPr anchorCtr="0" anchor="ctr" bIns="91425" lIns="91425" spcFirstLastPara="1" rIns="91425" wrap="square" tIns="91425">
+          <a:bodyPr spcFirstLastPara="1" wrap="square" lIns="91425" tIns="91425" rIns="91425" bIns="91425" anchor="ctr" anchorCtr="0">
             <a:normAutofit/>
           </a:bodyPr>
           <a:lstStyle>
@@ -4809,15 +4972,19 @@
               <a:defRPr sz="4800"/>
             </a:lvl9pPr>
           </a:lstStyle>
-          <a:p/>
+          <a:p>
+            <a:endParaRPr/>
+          </a:p>
         </p:txBody>
       </p:sp>
       <p:sp>
         <p:nvSpPr>
           <p:cNvPr id="34" name="Google Shape;34;p8"/>
-          <p:cNvSpPr txBox="1"/>
+          <p:cNvSpPr txBox="1">
+            <a:spLocks noGrp="1"/>
+          </p:cNvSpPr>
           <p:nvPr>
-            <p:ph idx="12" type="sldNum"/>
+            <p:ph type="sldNum" idx="12"/>
           </p:nvPr>
         </p:nvSpPr>
         <p:spPr>
@@ -4830,7 +4997,7 @@
           </a:prstGeom>
         </p:spPr>
         <p:txBody>
-          <a:bodyPr anchorCtr="0" anchor="ctr" bIns="91425" lIns="91425" spcFirstLastPara="1" rIns="91425" wrap="square" tIns="91425">
+          <a:bodyPr spcFirstLastPara="1" wrap="square" lIns="91425" tIns="91425" rIns="91425" bIns="91425" anchor="ctr" anchorCtr="0">
             <a:normAutofit/>
           </a:bodyPr>
           <a:lstStyle>
@@ -4872,7 +5039,7 @@
             </a:lvl9pPr>
           </a:lstStyle>
           <a:p>
-            <a:pPr indent="0" lvl="0" marL="0" rtl="0" algn="r">
+            <a:pPr marL="0" lvl="0" indent="0" algn="r" rtl="0">
               <a:spcBef>
                 <a:spcPts val="0"/>
               </a:spcBef>
@@ -4898,11 +5065,11 @@
 </file>
 
 <file path=ppt/slideLayouts/slideLayout8.xml><?xml version="1.0" encoding="utf-8"?>
-<p:sldLayout xmlns:a="http://schemas.openxmlformats.org/drawingml/2006/main" xmlns:r="http://schemas.openxmlformats.org/officeDocument/2006/relationships" xmlns:mc="http://schemas.openxmlformats.org/markup-compatibility/2006" xmlns:mv="urn:schemas-microsoft-com:mac:vml" xmlns:p="http://schemas.openxmlformats.org/presentationml/2006/main" xmlns:c="http://schemas.openxmlformats.org/drawingml/2006/chart" xmlns:dgm="http://schemas.openxmlformats.org/drawingml/2006/diagram" xmlns:o="urn:schemas-microsoft-com:office:office" xmlns:v="urn:schemas-microsoft-com:vml" xmlns:pvml="urn:schemas-microsoft-com:office:powerpoint" xmlns:com="http://schemas.openxmlformats.org/drawingml/2006/compatibility" xmlns:p14="http://schemas.microsoft.com/office/powerpoint/2010/main" xmlns:p15="http://schemas.microsoft.com/office/powerpoint/2012/main" xmlns:ahyp="http://schemas.microsoft.com/office/drawing/2018/hyperlinkcolor" matchingName="Section title and description">
+<p:sldLayout xmlns:a="http://schemas.openxmlformats.org/drawingml/2006/main" xmlns:r="http://schemas.openxmlformats.org/officeDocument/2006/relationships" xmlns:p="http://schemas.openxmlformats.org/presentationml/2006/main" matchingName="Section title and description">
   <p:cSld name="SECTION_TITLE_AND_DESCRIPTION">
     <p:spTree>
       <p:nvGrpSpPr>
-        <p:cNvPr id="35" name="Shape 35"/>
+        <p:cNvPr id="1" name="Shape 35"/>
         <p:cNvGrpSpPr/>
         <p:nvPr/>
       </p:nvGrpSpPr>
@@ -4936,12 +5103,12 @@
           </a:ln>
         </p:spPr>
         <p:txBody>
-          <a:bodyPr anchorCtr="0" anchor="ctr" bIns="91425" lIns="91425" spcFirstLastPara="1" rIns="91425" wrap="square" tIns="91425">
+          <a:bodyPr spcFirstLastPara="1" wrap="square" lIns="91425" tIns="91425" rIns="91425" bIns="91425" anchor="ctr" anchorCtr="0">
             <a:noAutofit/>
           </a:bodyPr>
           <a:lstStyle/>
           <a:p>
-            <a:pPr indent="0" lvl="0" marL="0" rtl="0" algn="l">
+            <a:pPr marL="0" lvl="0" indent="0" algn="l" rtl="0">
               <a:spcBef>
                 <a:spcPts val="0"/>
               </a:spcBef>
@@ -4950,9 +5117,6 @@
               </a:spcAft>
               <a:buNone/>
             </a:pPr>
-            <a:r>
-              <a:t/>
-            </a:r>
             <a:endParaRPr/>
           </a:p>
         </p:txBody>
@@ -4960,7 +5124,9 @@
       <p:sp>
         <p:nvSpPr>
           <p:cNvPr id="37" name="Google Shape;37;p9"/>
-          <p:cNvSpPr txBox="1"/>
+          <p:cNvSpPr txBox="1">
+            <a:spLocks noGrp="1"/>
+          </p:cNvSpPr>
           <p:nvPr>
             <p:ph type="title"/>
           </p:nvPr>
@@ -4975,7 +5141,7 @@
           </a:prstGeom>
         </p:spPr>
         <p:txBody>
-          <a:bodyPr anchorCtr="0" anchor="b" bIns="91425" lIns="91425" spcFirstLastPara="1" rIns="91425" wrap="square" tIns="91425">
+          <a:bodyPr spcFirstLastPara="1" wrap="square" lIns="91425" tIns="91425" rIns="91425" bIns="91425" anchor="b" anchorCtr="0">
             <a:normAutofit/>
           </a:bodyPr>
           <a:lstStyle>
@@ -5079,15 +5245,19 @@
               <a:defRPr sz="4200"/>
             </a:lvl9pPr>
           </a:lstStyle>
-          <a:p/>
+          <a:p>
+            <a:endParaRPr/>
+          </a:p>
         </p:txBody>
       </p:sp>
       <p:sp>
         <p:nvSpPr>
           <p:cNvPr id="38" name="Google Shape;38;p9"/>
-          <p:cNvSpPr txBox="1"/>
+          <p:cNvSpPr txBox="1">
+            <a:spLocks noGrp="1"/>
+          </p:cNvSpPr>
           <p:nvPr>
-            <p:ph idx="1" type="subTitle"/>
+            <p:ph type="subTitle" idx="1"/>
           </p:nvPr>
         </p:nvSpPr>
         <p:spPr>
@@ -5100,7 +5270,7 @@
           </a:prstGeom>
         </p:spPr>
         <p:txBody>
-          <a:bodyPr anchorCtr="0" anchor="t" bIns="91425" lIns="91425" spcFirstLastPara="1" rIns="91425" wrap="square" tIns="91425">
+          <a:bodyPr spcFirstLastPara="1" wrap="square" lIns="91425" tIns="91425" rIns="91425" bIns="91425" anchor="t" anchorCtr="0">
             <a:normAutofit/>
           </a:bodyPr>
           <a:lstStyle>
@@ -5231,15 +5401,19 @@
               <a:defRPr sz="2100"/>
             </a:lvl9pPr>
           </a:lstStyle>
-          <a:p/>
+          <a:p>
+            <a:endParaRPr/>
+          </a:p>
         </p:txBody>
       </p:sp>
       <p:sp>
         <p:nvSpPr>
           <p:cNvPr id="39" name="Google Shape;39;p9"/>
-          <p:cNvSpPr txBox="1"/>
+          <p:cNvSpPr txBox="1">
+            <a:spLocks noGrp="1"/>
+          </p:cNvSpPr>
           <p:nvPr>
-            <p:ph idx="2" type="body"/>
+            <p:ph type="body" idx="2"/>
           </p:nvPr>
         </p:nvSpPr>
         <p:spPr>
@@ -5252,11 +5426,11 @@
           </a:prstGeom>
         </p:spPr>
         <p:txBody>
-          <a:bodyPr anchorCtr="0" anchor="ctr" bIns="91425" lIns="91425" spcFirstLastPara="1" rIns="91425" wrap="square" tIns="91425">
+          <a:bodyPr spcFirstLastPara="1" wrap="square" lIns="91425" tIns="91425" rIns="91425" bIns="91425" anchor="ctr" anchorCtr="0">
             <a:normAutofit/>
           </a:bodyPr>
           <a:lstStyle>
-            <a:lvl1pPr indent="-342900" lvl="0" marL="457200">
+            <a:lvl1pPr marL="457200" lvl="0" indent="-342900">
               <a:spcBef>
                 <a:spcPts val="0"/>
               </a:spcBef>
@@ -5267,7 +5441,7 @@
               <a:buChar char="●"/>
               <a:defRPr/>
             </a:lvl1pPr>
-            <a:lvl2pPr indent="-317500" lvl="1" marL="914400">
+            <a:lvl2pPr marL="914400" lvl="1" indent="-317500">
               <a:spcBef>
                 <a:spcPts val="0"/>
               </a:spcBef>
@@ -5278,7 +5452,7 @@
               <a:buChar char="○"/>
               <a:defRPr/>
             </a:lvl2pPr>
-            <a:lvl3pPr indent="-317500" lvl="2" marL="1371600">
+            <a:lvl3pPr marL="1371600" lvl="2" indent="-317500">
               <a:spcBef>
                 <a:spcPts val="0"/>
               </a:spcBef>
@@ -5289,7 +5463,7 @@
               <a:buChar char="■"/>
               <a:defRPr/>
             </a:lvl3pPr>
-            <a:lvl4pPr indent="-317500" lvl="3" marL="1828800">
+            <a:lvl4pPr marL="1828800" lvl="3" indent="-317500">
               <a:spcBef>
                 <a:spcPts val="0"/>
               </a:spcBef>
@@ -5300,7 +5474,7 @@
               <a:buChar char="●"/>
               <a:defRPr/>
             </a:lvl4pPr>
-            <a:lvl5pPr indent="-317500" lvl="4" marL="2286000">
+            <a:lvl5pPr marL="2286000" lvl="4" indent="-317500">
               <a:spcBef>
                 <a:spcPts val="0"/>
               </a:spcBef>
@@ -5311,7 +5485,7 @@
               <a:buChar char="○"/>
               <a:defRPr/>
             </a:lvl5pPr>
-            <a:lvl6pPr indent="-317500" lvl="5" marL="2743200">
+            <a:lvl6pPr marL="2743200" lvl="5" indent="-317500">
               <a:spcBef>
                 <a:spcPts val="0"/>
               </a:spcBef>
@@ -5322,7 +5496,7 @@
               <a:buChar char="■"/>
               <a:defRPr/>
             </a:lvl6pPr>
-            <a:lvl7pPr indent="-317500" lvl="6" marL="3200400">
+            <a:lvl7pPr marL="3200400" lvl="6" indent="-317500">
               <a:spcBef>
                 <a:spcPts val="0"/>
               </a:spcBef>
@@ -5333,7 +5507,7 @@
               <a:buChar char="●"/>
               <a:defRPr/>
             </a:lvl7pPr>
-            <a:lvl8pPr indent="-317500" lvl="7" marL="3657600">
+            <a:lvl8pPr marL="3657600" lvl="7" indent="-317500">
               <a:spcBef>
                 <a:spcPts val="0"/>
               </a:spcBef>
@@ -5344,7 +5518,7 @@
               <a:buChar char="○"/>
               <a:defRPr/>
             </a:lvl8pPr>
-            <a:lvl9pPr indent="-317500" lvl="8" marL="4114800">
+            <a:lvl9pPr marL="4114800" lvl="8" indent="-317500">
               <a:spcBef>
                 <a:spcPts val="0"/>
               </a:spcBef>
@@ -5356,15 +5530,19 @@
               <a:defRPr/>
             </a:lvl9pPr>
           </a:lstStyle>
-          <a:p/>
+          <a:p>
+            <a:endParaRPr/>
+          </a:p>
         </p:txBody>
       </p:sp>
       <p:sp>
         <p:nvSpPr>
           <p:cNvPr id="40" name="Google Shape;40;p9"/>
-          <p:cNvSpPr txBox="1"/>
+          <p:cNvSpPr txBox="1">
+            <a:spLocks noGrp="1"/>
+          </p:cNvSpPr>
           <p:nvPr>
-            <p:ph idx="12" type="sldNum"/>
+            <p:ph type="sldNum" idx="12"/>
           </p:nvPr>
         </p:nvSpPr>
         <p:spPr>
@@ -5377,7 +5555,7 @@
           </a:prstGeom>
         </p:spPr>
         <p:txBody>
-          <a:bodyPr anchorCtr="0" anchor="ctr" bIns="91425" lIns="91425" spcFirstLastPara="1" rIns="91425" wrap="square" tIns="91425">
+          <a:bodyPr spcFirstLastPara="1" wrap="square" lIns="91425" tIns="91425" rIns="91425" bIns="91425" anchor="ctr" anchorCtr="0">
             <a:normAutofit/>
           </a:bodyPr>
           <a:lstStyle>
@@ -5419,7 +5597,7 @@
             </a:lvl9pPr>
           </a:lstStyle>
           <a:p>
-            <a:pPr indent="0" lvl="0" marL="0" rtl="0" algn="r">
+            <a:pPr marL="0" lvl="0" indent="0" algn="r" rtl="0">
               <a:spcBef>
                 <a:spcPts val="0"/>
               </a:spcBef>
@@ -5445,11 +5623,11 @@
 </file>
 
 <file path=ppt/slideLayouts/slideLayout9.xml><?xml version="1.0" encoding="utf-8"?>
-<p:sldLayout xmlns:a="http://schemas.openxmlformats.org/drawingml/2006/main" xmlns:r="http://schemas.openxmlformats.org/officeDocument/2006/relationships" xmlns:mc="http://schemas.openxmlformats.org/markup-compatibility/2006" xmlns:mv="urn:schemas-microsoft-com:mac:vml" xmlns:p="http://schemas.openxmlformats.org/presentationml/2006/main" xmlns:c="http://schemas.openxmlformats.org/drawingml/2006/chart" xmlns:dgm="http://schemas.openxmlformats.org/drawingml/2006/diagram" xmlns:o="urn:schemas-microsoft-com:office:office" xmlns:v="urn:schemas-microsoft-com:vml" xmlns:pvml="urn:schemas-microsoft-com:office:powerpoint" xmlns:com="http://schemas.openxmlformats.org/drawingml/2006/compatibility" xmlns:p14="http://schemas.microsoft.com/office/powerpoint/2010/main" xmlns:p15="http://schemas.microsoft.com/office/powerpoint/2012/main" xmlns:ahyp="http://schemas.microsoft.com/office/drawing/2018/hyperlinkcolor" matchingName="Caption">
+<p:sldLayout xmlns:a="http://schemas.openxmlformats.org/drawingml/2006/main" xmlns:r="http://schemas.openxmlformats.org/officeDocument/2006/relationships" xmlns:p="http://schemas.openxmlformats.org/presentationml/2006/main" matchingName="Caption">
   <p:cSld name="CAPTION_ONLY">
     <p:spTree>
       <p:nvGrpSpPr>
-        <p:cNvPr id="41" name="Shape 41"/>
+        <p:cNvPr id="1" name="Shape 41"/>
         <p:cNvGrpSpPr/>
         <p:nvPr/>
       </p:nvGrpSpPr>
@@ -5464,9 +5642,11 @@
       <p:sp>
         <p:nvSpPr>
           <p:cNvPr id="42" name="Google Shape;42;p10"/>
-          <p:cNvSpPr txBox="1"/>
+          <p:cNvSpPr txBox="1">
+            <a:spLocks noGrp="1"/>
+          </p:cNvSpPr>
           <p:nvPr>
-            <p:ph idx="1" type="body"/>
+            <p:ph type="body" idx="1"/>
           </p:nvPr>
         </p:nvSpPr>
         <p:spPr>
@@ -5479,11 +5659,11 @@
           </a:prstGeom>
         </p:spPr>
         <p:txBody>
-          <a:bodyPr anchorCtr="0" anchor="ctr" bIns="91425" lIns="91425" spcFirstLastPara="1" rIns="91425" wrap="square" tIns="91425">
+          <a:bodyPr spcFirstLastPara="1" wrap="square" lIns="91425" tIns="91425" rIns="91425" bIns="91425" anchor="ctr" anchorCtr="0">
             <a:normAutofit/>
           </a:bodyPr>
           <a:lstStyle>
-            <a:lvl1pPr indent="-228600" lvl="0" marL="457200">
+            <a:lvl1pPr marL="457200" lvl="0" indent="-228600">
               <a:lnSpc>
                 <a:spcPct val="100000"/>
               </a:lnSpc>
@@ -5498,15 +5678,19 @@
               <a:defRPr/>
             </a:lvl1pPr>
           </a:lstStyle>
-          <a:p/>
+          <a:p>
+            <a:endParaRPr/>
+          </a:p>
         </p:txBody>
       </p:sp>
       <p:sp>
         <p:nvSpPr>
           <p:cNvPr id="43" name="Google Shape;43;p10"/>
-          <p:cNvSpPr txBox="1"/>
+          <p:cNvSpPr txBox="1">
+            <a:spLocks noGrp="1"/>
+          </p:cNvSpPr>
           <p:nvPr>
-            <p:ph idx="12" type="sldNum"/>
+            <p:ph type="sldNum" idx="12"/>
           </p:nvPr>
         </p:nvSpPr>
         <p:spPr>
@@ -5519,7 +5703,7 @@
           </a:prstGeom>
         </p:spPr>
         <p:txBody>
-          <a:bodyPr anchorCtr="0" anchor="ctr" bIns="91425" lIns="91425" spcFirstLastPara="1" rIns="91425" wrap="square" tIns="91425">
+          <a:bodyPr spcFirstLastPara="1" wrap="square" lIns="91425" tIns="91425" rIns="91425" bIns="91425" anchor="ctr" anchorCtr="0">
             <a:normAutofit/>
           </a:bodyPr>
           <a:lstStyle>
@@ -5561,7 +5745,7 @@
             </a:lvl9pPr>
           </a:lstStyle>
           <a:p>
-            <a:pPr indent="0" lvl="0" marL="0" rtl="0" algn="r">
+            <a:pPr marL="0" lvl="0" indent="0" algn="r" rtl="0">
               <a:spcBef>
                 <a:spcPts val="0"/>
               </a:spcBef>
@@ -5587,18 +5771,19 @@
 </file>
 
 <file path=ppt/slideMasters/slideMaster1.xml><?xml version="1.0" encoding="utf-8"?>
-<p:sldMaster xmlns:a="http://schemas.openxmlformats.org/drawingml/2006/main" xmlns:r="http://schemas.openxmlformats.org/officeDocument/2006/relationships" xmlns:mc="http://schemas.openxmlformats.org/markup-compatibility/2006" xmlns:mv="urn:schemas-microsoft-com:mac:vml" xmlns:p="http://schemas.openxmlformats.org/presentationml/2006/main" xmlns:c="http://schemas.openxmlformats.org/drawingml/2006/chart" xmlns:dgm="http://schemas.openxmlformats.org/drawingml/2006/diagram" xmlns:o="urn:schemas-microsoft-com:office:office" xmlns:v="urn:schemas-microsoft-com:vml" xmlns:pvml="urn:schemas-microsoft-com:office:powerpoint" xmlns:com="http://schemas.openxmlformats.org/drawingml/2006/compatibility" xmlns:p14="http://schemas.microsoft.com/office/powerpoint/2010/main" xmlns:p15="http://schemas.microsoft.com/office/powerpoint/2012/main" xmlns:ahyp="http://schemas.microsoft.com/office/drawing/2018/hyperlinkcolor">
+<p:sldMaster xmlns:a="http://schemas.openxmlformats.org/drawingml/2006/main" xmlns:r="http://schemas.openxmlformats.org/officeDocument/2006/relationships" xmlns:p="http://schemas.openxmlformats.org/presentationml/2006/main">
   <p:cSld name="simple-light-2">
     <p:bg>
       <p:bgPr>
         <a:solidFill>
           <a:schemeClr val="lt1"/>
         </a:solidFill>
+        <a:effectLst/>
       </p:bgPr>
     </p:bg>
     <p:spTree>
       <p:nvGrpSpPr>
-        <p:cNvPr id="5" name="Shape 5"/>
+        <p:cNvPr id="1" name="Shape 5"/>
         <p:cNvGrpSpPr/>
         <p:nvPr/>
       </p:nvGrpSpPr>
@@ -5613,7 +5798,9 @@
       <p:sp>
         <p:nvSpPr>
           <p:cNvPr id="6" name="Google Shape;6;p1"/>
-          <p:cNvSpPr txBox="1"/>
+          <p:cNvSpPr txBox="1">
+            <a:spLocks noGrp="1"/>
+          </p:cNvSpPr>
           <p:nvPr>
             <p:ph type="title"/>
           </p:nvPr>
@@ -5632,7 +5819,7 @@
           </a:ln>
         </p:spPr>
         <p:txBody>
-          <a:bodyPr anchorCtr="0" anchor="t" bIns="91425" lIns="91425" spcFirstLastPara="1" rIns="91425" wrap="square" tIns="91425">
+          <a:bodyPr spcFirstLastPara="1" wrap="square" lIns="91425" tIns="91425" rIns="91425" bIns="91425" anchor="t" anchorCtr="0">
             <a:normAutofit/>
           </a:bodyPr>
           <a:lstStyle>
@@ -5799,15 +5986,19 @@
               </a:defRPr>
             </a:lvl9pPr>
           </a:lstStyle>
-          <a:p/>
+          <a:p>
+            <a:endParaRPr/>
+          </a:p>
         </p:txBody>
       </p:sp>
       <p:sp>
         <p:nvSpPr>
           <p:cNvPr id="7" name="Google Shape;7;p1"/>
-          <p:cNvSpPr txBox="1"/>
+          <p:cNvSpPr txBox="1">
+            <a:spLocks noGrp="1"/>
+          </p:cNvSpPr>
           <p:nvPr>
-            <p:ph idx="1" type="body"/>
+            <p:ph type="body" idx="1"/>
           </p:nvPr>
         </p:nvSpPr>
         <p:spPr>
@@ -5824,11 +6015,11 @@
           </a:ln>
         </p:spPr>
         <p:txBody>
-          <a:bodyPr anchorCtr="0" anchor="t" bIns="91425" lIns="91425" spcFirstLastPara="1" rIns="91425" wrap="square" tIns="91425">
+          <a:bodyPr spcFirstLastPara="1" wrap="square" lIns="91425" tIns="91425" rIns="91425" bIns="91425" anchor="t" anchorCtr="0">
             <a:normAutofit/>
           </a:bodyPr>
           <a:lstStyle>
-            <a:lvl1pPr indent="-342900" lvl="0" marL="457200">
+            <a:lvl1pPr marL="457200" lvl="0" indent="-342900">
               <a:lnSpc>
                 <a:spcPct val="115000"/>
               </a:lnSpc>
@@ -5849,7 +6040,7 @@
                 </a:solidFill>
               </a:defRPr>
             </a:lvl1pPr>
-            <a:lvl2pPr indent="-317500" lvl="1" marL="914400">
+            <a:lvl2pPr marL="914400" lvl="1" indent="-317500">
               <a:lnSpc>
                 <a:spcPct val="115000"/>
               </a:lnSpc>
@@ -5870,7 +6061,7 @@
                 </a:solidFill>
               </a:defRPr>
             </a:lvl2pPr>
-            <a:lvl3pPr indent="-317500" lvl="2" marL="1371600">
+            <a:lvl3pPr marL="1371600" lvl="2" indent="-317500">
               <a:lnSpc>
                 <a:spcPct val="115000"/>
               </a:lnSpc>
@@ -5891,7 +6082,7 @@
                 </a:solidFill>
               </a:defRPr>
             </a:lvl3pPr>
-            <a:lvl4pPr indent="-317500" lvl="3" marL="1828800">
+            <a:lvl4pPr marL="1828800" lvl="3" indent="-317500">
               <a:lnSpc>
                 <a:spcPct val="115000"/>
               </a:lnSpc>
@@ -5912,7 +6103,7 @@
                 </a:solidFill>
               </a:defRPr>
             </a:lvl4pPr>
-            <a:lvl5pPr indent="-317500" lvl="4" marL="2286000">
+            <a:lvl5pPr marL="2286000" lvl="4" indent="-317500">
               <a:lnSpc>
                 <a:spcPct val="115000"/>
               </a:lnSpc>
@@ -5933,7 +6124,7 @@
                 </a:solidFill>
               </a:defRPr>
             </a:lvl5pPr>
-            <a:lvl6pPr indent="-317500" lvl="5" marL="2743200">
+            <a:lvl6pPr marL="2743200" lvl="5" indent="-317500">
               <a:lnSpc>
                 <a:spcPct val="115000"/>
               </a:lnSpc>
@@ -5954,7 +6145,7 @@
                 </a:solidFill>
               </a:defRPr>
             </a:lvl6pPr>
-            <a:lvl7pPr indent="-317500" lvl="6" marL="3200400">
+            <a:lvl7pPr marL="3200400" lvl="6" indent="-317500">
               <a:lnSpc>
                 <a:spcPct val="115000"/>
               </a:lnSpc>
@@ -5975,7 +6166,7 @@
                 </a:solidFill>
               </a:defRPr>
             </a:lvl7pPr>
-            <a:lvl8pPr indent="-317500" lvl="7" marL="3657600">
+            <a:lvl8pPr marL="3657600" lvl="7" indent="-317500">
               <a:lnSpc>
                 <a:spcPct val="115000"/>
               </a:lnSpc>
@@ -5996,7 +6187,7 @@
                 </a:solidFill>
               </a:defRPr>
             </a:lvl8pPr>
-            <a:lvl9pPr indent="-317500" lvl="8" marL="4114800">
+            <a:lvl9pPr marL="4114800" lvl="8" indent="-317500">
               <a:lnSpc>
                 <a:spcPct val="115000"/>
               </a:lnSpc>
@@ -6018,15 +6209,19 @@
               </a:defRPr>
             </a:lvl9pPr>
           </a:lstStyle>
-          <a:p/>
+          <a:p>
+            <a:endParaRPr/>
+          </a:p>
         </p:txBody>
       </p:sp>
       <p:sp>
         <p:nvSpPr>
           <p:cNvPr id="8" name="Google Shape;8;p1"/>
-          <p:cNvSpPr txBox="1"/>
+          <p:cNvSpPr txBox="1">
+            <a:spLocks noGrp="1"/>
+          </p:cNvSpPr>
           <p:nvPr>
-            <p:ph idx="12" type="sldNum"/>
+            <p:ph type="sldNum" idx="12"/>
           </p:nvPr>
         </p:nvSpPr>
         <p:spPr>
@@ -6043,7 +6238,7 @@
           </a:ln>
         </p:spPr>
         <p:txBody>
-          <a:bodyPr anchorCtr="0" anchor="ctr" bIns="91425" lIns="91425" spcFirstLastPara="1" rIns="91425" wrap="square" tIns="91425">
+          <a:bodyPr spcFirstLastPara="1" wrap="square" lIns="91425" tIns="91425" rIns="91425" bIns="91425" anchor="ctr" anchorCtr="0">
             <a:normAutofit/>
           </a:bodyPr>
           <a:lstStyle>
@@ -6121,7 +6316,7 @@
             </a:lvl9pPr>
           </a:lstStyle>
           <a:p>
-            <a:pPr indent="0" lvl="0" marL="0" rtl="0" algn="r">
+            <a:pPr marL="0" lvl="0" indent="0" algn="r" rtl="0">
               <a:spcBef>
                 <a:spcPts val="0"/>
               </a:spcBef>
@@ -6140,7 +6335,7 @@
       </p:sp>
     </p:spTree>
   </p:cSld>
-  <p:clrMap accent1="accent1" accent2="accent2" accent3="accent3" accent4="accent4" accent5="accent5" accent6="accent6" bg1="lt1" bg2="dk2" tx1="dk1" tx2="lt2" folHlink="folHlink" hlink="hlink"/>
+  <p:clrMap bg1="lt1" tx1="dk1" bg2="dk2" tx2="lt2" accent1="accent1" accent2="accent2" accent3="accent3" accent4="accent4" accent5="accent5" accent6="accent6" hlink="hlink" folHlink="folHlink"/>
   <p:sldLayoutIdLst>
     <p:sldLayoutId id="2147483648" r:id="rId1"/>
     <p:sldLayoutId id="2147483649" r:id="rId2"/>
@@ -6154,10 +6349,10 @@
     <p:sldLayoutId id="2147483657" r:id="rId10"/>
     <p:sldLayoutId id="2147483658" r:id="rId11"/>
   </p:sldLayoutIdLst>
-  <p:hf dt="0" ftr="0" hdr="0"/>
+  <p:hf hdr="0" ftr="0" dt="0"/>
   <p:txStyles>
     <p:titleStyle>
-      <a:defPPr lvl="0" marR="0" rtl="0" algn="l">
+      <a:defPPr marR="0" lvl="0" algn="l" rtl="0">
         <a:lnSpc>
           <a:spcPct val="100000"/>
         </a:lnSpc>
@@ -6168,7 +6363,7 @@
           <a:spcPts val="0"/>
         </a:spcAft>
       </a:defPPr>
-      <a:lvl1pPr lvl="0" marR="0" rtl="0" algn="l">
+      <a:lvl1pPr marR="0" lvl="0" algn="l" rtl="0">
         <a:lnSpc>
           <a:spcPct val="100000"/>
         </a:lnSpc>
@@ -6182,7 +6377,7 @@
           <a:srgbClr val="000000"/>
         </a:buClr>
         <a:buFont typeface="Arial"/>
-        <a:defRPr b="0" i="0" sz="1400" u="none" cap="none" strike="noStrike">
+        <a:defRPr sz="1400" b="0" i="0" u="none" strike="noStrike" cap="none">
           <a:solidFill>
             <a:srgbClr val="000000"/>
           </a:solidFill>
@@ -6192,7 +6387,7 @@
           <a:sym typeface="Arial"/>
         </a:defRPr>
       </a:lvl1pPr>
-      <a:lvl2pPr lvl="1" marR="0" rtl="0" algn="l">
+      <a:lvl2pPr marR="0" lvl="1" algn="l" rtl="0">
         <a:lnSpc>
           <a:spcPct val="100000"/>
         </a:lnSpc>
@@ -6206,7 +6401,7 @@
           <a:srgbClr val="000000"/>
         </a:buClr>
         <a:buFont typeface="Arial"/>
-        <a:defRPr b="0" i="0" sz="1400" u="none" cap="none" strike="noStrike">
+        <a:defRPr sz="1400" b="0" i="0" u="none" strike="noStrike" cap="none">
           <a:solidFill>
             <a:srgbClr val="000000"/>
           </a:solidFill>
@@ -6216,7 +6411,7 @@
           <a:sym typeface="Arial"/>
         </a:defRPr>
       </a:lvl2pPr>
-      <a:lvl3pPr lvl="2" marR="0" rtl="0" algn="l">
+      <a:lvl3pPr marR="0" lvl="2" algn="l" rtl="0">
         <a:lnSpc>
           <a:spcPct val="100000"/>
         </a:lnSpc>
@@ -6230,7 +6425,7 @@
           <a:srgbClr val="000000"/>
         </a:buClr>
         <a:buFont typeface="Arial"/>
-        <a:defRPr b="0" i="0" sz="1400" u="none" cap="none" strike="noStrike">
+        <a:defRPr sz="1400" b="0" i="0" u="none" strike="noStrike" cap="none">
           <a:solidFill>
             <a:srgbClr val="000000"/>
           </a:solidFill>
@@ -6240,7 +6435,7 @@
           <a:sym typeface="Arial"/>
         </a:defRPr>
       </a:lvl3pPr>
-      <a:lvl4pPr lvl="3" marR="0" rtl="0" algn="l">
+      <a:lvl4pPr marR="0" lvl="3" algn="l" rtl="0">
         <a:lnSpc>
           <a:spcPct val="100000"/>
         </a:lnSpc>
@@ -6254,7 +6449,7 @@
           <a:srgbClr val="000000"/>
         </a:buClr>
         <a:buFont typeface="Arial"/>
-        <a:defRPr b="0" i="0" sz="1400" u="none" cap="none" strike="noStrike">
+        <a:defRPr sz="1400" b="0" i="0" u="none" strike="noStrike" cap="none">
           <a:solidFill>
             <a:srgbClr val="000000"/>
           </a:solidFill>
@@ -6264,7 +6459,7 @@
           <a:sym typeface="Arial"/>
         </a:defRPr>
       </a:lvl4pPr>
-      <a:lvl5pPr lvl="4" marR="0" rtl="0" algn="l">
+      <a:lvl5pPr marR="0" lvl="4" algn="l" rtl="0">
         <a:lnSpc>
           <a:spcPct val="100000"/>
         </a:lnSpc>
@@ -6278,7 +6473,7 @@
           <a:srgbClr val="000000"/>
         </a:buClr>
         <a:buFont typeface="Arial"/>
-        <a:defRPr b="0" i="0" sz="1400" u="none" cap="none" strike="noStrike">
+        <a:defRPr sz="1400" b="0" i="0" u="none" strike="noStrike" cap="none">
           <a:solidFill>
             <a:srgbClr val="000000"/>
           </a:solidFill>
@@ -6288,7 +6483,7 @@
           <a:sym typeface="Arial"/>
         </a:defRPr>
       </a:lvl5pPr>
-      <a:lvl6pPr lvl="5" marR="0" rtl="0" algn="l">
+      <a:lvl6pPr marR="0" lvl="5" algn="l" rtl="0">
         <a:lnSpc>
           <a:spcPct val="100000"/>
         </a:lnSpc>
@@ -6302,7 +6497,7 @@
           <a:srgbClr val="000000"/>
         </a:buClr>
         <a:buFont typeface="Arial"/>
-        <a:defRPr b="0" i="0" sz="1400" u="none" cap="none" strike="noStrike">
+        <a:defRPr sz="1400" b="0" i="0" u="none" strike="noStrike" cap="none">
           <a:solidFill>
             <a:srgbClr val="000000"/>
           </a:solidFill>
@@ -6312,7 +6507,7 @@
           <a:sym typeface="Arial"/>
         </a:defRPr>
       </a:lvl6pPr>
-      <a:lvl7pPr lvl="6" marR="0" rtl="0" algn="l">
+      <a:lvl7pPr marR="0" lvl="6" algn="l" rtl="0">
         <a:lnSpc>
           <a:spcPct val="100000"/>
         </a:lnSpc>
@@ -6326,7 +6521,7 @@
           <a:srgbClr val="000000"/>
         </a:buClr>
         <a:buFont typeface="Arial"/>
-        <a:defRPr b="0" i="0" sz="1400" u="none" cap="none" strike="noStrike">
+        <a:defRPr sz="1400" b="0" i="0" u="none" strike="noStrike" cap="none">
           <a:solidFill>
             <a:srgbClr val="000000"/>
           </a:solidFill>
@@ -6336,7 +6531,7 @@
           <a:sym typeface="Arial"/>
         </a:defRPr>
       </a:lvl7pPr>
-      <a:lvl8pPr lvl="7" marR="0" rtl="0" algn="l">
+      <a:lvl8pPr marR="0" lvl="7" algn="l" rtl="0">
         <a:lnSpc>
           <a:spcPct val="100000"/>
         </a:lnSpc>
@@ -6350,7 +6545,7 @@
           <a:srgbClr val="000000"/>
         </a:buClr>
         <a:buFont typeface="Arial"/>
-        <a:defRPr b="0" i="0" sz="1400" u="none" cap="none" strike="noStrike">
+        <a:defRPr sz="1400" b="0" i="0" u="none" strike="noStrike" cap="none">
           <a:solidFill>
             <a:srgbClr val="000000"/>
           </a:solidFill>
@@ -6360,7 +6555,7 @@
           <a:sym typeface="Arial"/>
         </a:defRPr>
       </a:lvl8pPr>
-      <a:lvl9pPr lvl="8" marR="0" rtl="0" algn="l">
+      <a:lvl9pPr marR="0" lvl="8" algn="l" rtl="0">
         <a:lnSpc>
           <a:spcPct val="100000"/>
         </a:lnSpc>
@@ -6374,7 +6569,7 @@
           <a:srgbClr val="000000"/>
         </a:buClr>
         <a:buFont typeface="Arial"/>
-        <a:defRPr b="0" i="0" sz="1400" u="none" cap="none" strike="noStrike">
+        <a:defRPr sz="1400" b="0" i="0" u="none" strike="noStrike" cap="none">
           <a:solidFill>
             <a:srgbClr val="000000"/>
           </a:solidFill>
@@ -6386,7 +6581,7 @@
       </a:lvl9pPr>
     </p:titleStyle>
     <p:bodyStyle>
-      <a:defPPr lvl="0" marR="0" rtl="0" algn="l">
+      <a:defPPr marR="0" lvl="0" algn="l" rtl="0">
         <a:lnSpc>
           <a:spcPct val="100000"/>
         </a:lnSpc>
@@ -6397,7 +6592,7 @@
           <a:spcPts val="0"/>
         </a:spcAft>
       </a:defPPr>
-      <a:lvl1pPr lvl="0" marR="0" rtl="0" algn="l">
+      <a:lvl1pPr marR="0" lvl="0" algn="l" rtl="0">
         <a:lnSpc>
           <a:spcPct val="100000"/>
         </a:lnSpc>
@@ -6411,7 +6606,7 @@
           <a:srgbClr val="000000"/>
         </a:buClr>
         <a:buFont typeface="Arial"/>
-        <a:defRPr b="0" i="0" sz="1400" u="none" cap="none" strike="noStrike">
+        <a:defRPr sz="1400" b="0" i="0" u="none" strike="noStrike" cap="none">
           <a:solidFill>
             <a:srgbClr val="000000"/>
           </a:solidFill>
@@ -6421,7 +6616,7 @@
           <a:sym typeface="Arial"/>
         </a:defRPr>
       </a:lvl1pPr>
-      <a:lvl2pPr lvl="1" marR="0" rtl="0" algn="l">
+      <a:lvl2pPr marR="0" lvl="1" algn="l" rtl="0">
         <a:lnSpc>
           <a:spcPct val="100000"/>
         </a:lnSpc>
@@ -6435,7 +6630,7 @@
           <a:srgbClr val="000000"/>
         </a:buClr>
         <a:buFont typeface="Arial"/>
-        <a:defRPr b="0" i="0" sz="1400" u="none" cap="none" strike="noStrike">
+        <a:defRPr sz="1400" b="0" i="0" u="none" strike="noStrike" cap="none">
           <a:solidFill>
             <a:srgbClr val="000000"/>
           </a:solidFill>
@@ -6445,7 +6640,7 @@
           <a:sym typeface="Arial"/>
         </a:defRPr>
       </a:lvl2pPr>
-      <a:lvl3pPr lvl="2" marR="0" rtl="0" algn="l">
+      <a:lvl3pPr marR="0" lvl="2" algn="l" rtl="0">
         <a:lnSpc>
           <a:spcPct val="100000"/>
         </a:lnSpc>
@@ -6459,7 +6654,7 @@
           <a:srgbClr val="000000"/>
         </a:buClr>
         <a:buFont typeface="Arial"/>
-        <a:defRPr b="0" i="0" sz="1400" u="none" cap="none" strike="noStrike">
+        <a:defRPr sz="1400" b="0" i="0" u="none" strike="noStrike" cap="none">
           <a:solidFill>
             <a:srgbClr val="000000"/>
           </a:solidFill>
@@ -6469,7 +6664,7 @@
           <a:sym typeface="Arial"/>
         </a:defRPr>
       </a:lvl3pPr>
-      <a:lvl4pPr lvl="3" marR="0" rtl="0" algn="l">
+      <a:lvl4pPr marR="0" lvl="3" algn="l" rtl="0">
         <a:lnSpc>
           <a:spcPct val="100000"/>
         </a:lnSpc>
@@ -6483,7 +6678,7 @@
           <a:srgbClr val="000000"/>
         </a:buClr>
         <a:buFont typeface="Arial"/>
-        <a:defRPr b="0" i="0" sz="1400" u="none" cap="none" strike="noStrike">
+        <a:defRPr sz="1400" b="0" i="0" u="none" strike="noStrike" cap="none">
           <a:solidFill>
             <a:srgbClr val="000000"/>
           </a:solidFill>
@@ -6493,7 +6688,7 @@
           <a:sym typeface="Arial"/>
         </a:defRPr>
       </a:lvl4pPr>
-      <a:lvl5pPr lvl="4" marR="0" rtl="0" algn="l">
+      <a:lvl5pPr marR="0" lvl="4" algn="l" rtl="0">
         <a:lnSpc>
           <a:spcPct val="100000"/>
         </a:lnSpc>
@@ -6507,7 +6702,7 @@
           <a:srgbClr val="000000"/>
         </a:buClr>
         <a:buFont typeface="Arial"/>
-        <a:defRPr b="0" i="0" sz="1400" u="none" cap="none" strike="noStrike">
+        <a:defRPr sz="1400" b="0" i="0" u="none" strike="noStrike" cap="none">
           <a:solidFill>
             <a:srgbClr val="000000"/>
           </a:solidFill>
@@ -6517,7 +6712,7 @@
           <a:sym typeface="Arial"/>
         </a:defRPr>
       </a:lvl5pPr>
-      <a:lvl6pPr lvl="5" marR="0" rtl="0" algn="l">
+      <a:lvl6pPr marR="0" lvl="5" algn="l" rtl="0">
         <a:lnSpc>
           <a:spcPct val="100000"/>
         </a:lnSpc>
@@ -6531,7 +6726,7 @@
           <a:srgbClr val="000000"/>
         </a:buClr>
         <a:buFont typeface="Arial"/>
-        <a:defRPr b="0" i="0" sz="1400" u="none" cap="none" strike="noStrike">
+        <a:defRPr sz="1400" b="0" i="0" u="none" strike="noStrike" cap="none">
           <a:solidFill>
             <a:srgbClr val="000000"/>
           </a:solidFill>
@@ -6541,7 +6736,7 @@
           <a:sym typeface="Arial"/>
         </a:defRPr>
       </a:lvl6pPr>
-      <a:lvl7pPr lvl="6" marR="0" rtl="0" algn="l">
+      <a:lvl7pPr marR="0" lvl="6" algn="l" rtl="0">
         <a:lnSpc>
           <a:spcPct val="100000"/>
         </a:lnSpc>
@@ -6555,7 +6750,7 @@
           <a:srgbClr val="000000"/>
         </a:buClr>
         <a:buFont typeface="Arial"/>
-        <a:defRPr b="0" i="0" sz="1400" u="none" cap="none" strike="noStrike">
+        <a:defRPr sz="1400" b="0" i="0" u="none" strike="noStrike" cap="none">
           <a:solidFill>
             <a:srgbClr val="000000"/>
           </a:solidFill>
@@ -6565,7 +6760,7 @@
           <a:sym typeface="Arial"/>
         </a:defRPr>
       </a:lvl7pPr>
-      <a:lvl8pPr lvl="7" marR="0" rtl="0" algn="l">
+      <a:lvl8pPr marR="0" lvl="7" algn="l" rtl="0">
         <a:lnSpc>
           <a:spcPct val="100000"/>
         </a:lnSpc>
@@ -6579,7 +6774,7 @@
           <a:srgbClr val="000000"/>
         </a:buClr>
         <a:buFont typeface="Arial"/>
-        <a:defRPr b="0" i="0" sz="1400" u="none" cap="none" strike="noStrike">
+        <a:defRPr sz="1400" b="0" i="0" u="none" strike="noStrike" cap="none">
           <a:solidFill>
             <a:srgbClr val="000000"/>
           </a:solidFill>
@@ -6589,7 +6784,7 @@
           <a:sym typeface="Arial"/>
         </a:defRPr>
       </a:lvl8pPr>
-      <a:lvl9pPr lvl="8" marR="0" rtl="0" algn="l">
+      <a:lvl9pPr marR="0" lvl="8" algn="l" rtl="0">
         <a:lnSpc>
           <a:spcPct val="100000"/>
         </a:lnSpc>
@@ -6603,7 +6798,7 @@
           <a:srgbClr val="000000"/>
         </a:buClr>
         <a:buFont typeface="Arial"/>
-        <a:defRPr b="0" i="0" sz="1400" u="none" cap="none" strike="noStrike">
+        <a:defRPr sz="1400" b="0" i="0" u="none" strike="noStrike" cap="none">
           <a:solidFill>
             <a:srgbClr val="000000"/>
           </a:solidFill>
@@ -6615,7 +6810,7 @@
       </a:lvl9pPr>
     </p:bodyStyle>
     <p:otherStyle>
-      <a:defPPr lvl="0" marR="0" rtl="0" algn="l">
+      <a:defPPr marR="0" lvl="0" algn="l" rtl="0">
         <a:lnSpc>
           <a:spcPct val="100000"/>
         </a:lnSpc>
@@ -6626,7 +6821,7 @@
           <a:spcPts val="0"/>
         </a:spcAft>
       </a:defPPr>
-      <a:lvl1pPr lvl="0" marR="0" rtl="0" algn="l">
+      <a:lvl1pPr marR="0" lvl="0" algn="l" rtl="0">
         <a:lnSpc>
           <a:spcPct val="100000"/>
         </a:lnSpc>
@@ -6640,7 +6835,7 @@
           <a:srgbClr val="000000"/>
         </a:buClr>
         <a:buFont typeface="Arial"/>
-        <a:defRPr b="0" i="0" sz="1400" u="none" cap="none" strike="noStrike">
+        <a:defRPr sz="1400" b="0" i="0" u="none" strike="noStrike" cap="none">
           <a:solidFill>
             <a:srgbClr val="000000"/>
           </a:solidFill>
@@ -6650,7 +6845,7 @@
           <a:sym typeface="Arial"/>
         </a:defRPr>
       </a:lvl1pPr>
-      <a:lvl2pPr lvl="1" marR="0" rtl="0" algn="l">
+      <a:lvl2pPr marR="0" lvl="1" algn="l" rtl="0">
         <a:lnSpc>
           <a:spcPct val="100000"/>
         </a:lnSpc>
@@ -6664,7 +6859,7 @@
           <a:srgbClr val="000000"/>
         </a:buClr>
         <a:buFont typeface="Arial"/>
-        <a:defRPr b="0" i="0" sz="1400" u="none" cap="none" strike="noStrike">
+        <a:defRPr sz="1400" b="0" i="0" u="none" strike="noStrike" cap="none">
           <a:solidFill>
             <a:srgbClr val="000000"/>
           </a:solidFill>
@@ -6674,7 +6869,7 @@
           <a:sym typeface="Arial"/>
         </a:defRPr>
       </a:lvl2pPr>
-      <a:lvl3pPr lvl="2" marR="0" rtl="0" algn="l">
+      <a:lvl3pPr marR="0" lvl="2" algn="l" rtl="0">
         <a:lnSpc>
           <a:spcPct val="100000"/>
         </a:lnSpc>
@@ -6688,7 +6883,7 @@
           <a:srgbClr val="000000"/>
         </a:buClr>
         <a:buFont typeface="Arial"/>
-        <a:defRPr b="0" i="0" sz="1400" u="none" cap="none" strike="noStrike">
+        <a:defRPr sz="1400" b="0" i="0" u="none" strike="noStrike" cap="none">
           <a:solidFill>
             <a:srgbClr val="000000"/>
           </a:solidFill>
@@ -6698,7 +6893,7 @@
           <a:sym typeface="Arial"/>
         </a:defRPr>
       </a:lvl3pPr>
-      <a:lvl4pPr lvl="3" marR="0" rtl="0" algn="l">
+      <a:lvl4pPr marR="0" lvl="3" algn="l" rtl="0">
         <a:lnSpc>
           <a:spcPct val="100000"/>
         </a:lnSpc>
@@ -6712,7 +6907,7 @@
           <a:srgbClr val="000000"/>
         </a:buClr>
         <a:buFont typeface="Arial"/>
-        <a:defRPr b="0" i="0" sz="1400" u="none" cap="none" strike="noStrike">
+        <a:defRPr sz="1400" b="0" i="0" u="none" strike="noStrike" cap="none">
           <a:solidFill>
             <a:srgbClr val="000000"/>
           </a:solidFill>
@@ -6722,7 +6917,7 @@
           <a:sym typeface="Arial"/>
         </a:defRPr>
       </a:lvl4pPr>
-      <a:lvl5pPr lvl="4" marR="0" rtl="0" algn="l">
+      <a:lvl5pPr marR="0" lvl="4" algn="l" rtl="0">
         <a:lnSpc>
           <a:spcPct val="100000"/>
         </a:lnSpc>
@@ -6736,7 +6931,7 @@
           <a:srgbClr val="000000"/>
         </a:buClr>
         <a:buFont typeface="Arial"/>
-        <a:defRPr b="0" i="0" sz="1400" u="none" cap="none" strike="noStrike">
+        <a:defRPr sz="1400" b="0" i="0" u="none" strike="noStrike" cap="none">
           <a:solidFill>
             <a:srgbClr val="000000"/>
           </a:solidFill>
@@ -6746,7 +6941,7 @@
           <a:sym typeface="Arial"/>
         </a:defRPr>
       </a:lvl5pPr>
-      <a:lvl6pPr lvl="5" marR="0" rtl="0" algn="l">
+      <a:lvl6pPr marR="0" lvl="5" algn="l" rtl="0">
         <a:lnSpc>
           <a:spcPct val="100000"/>
         </a:lnSpc>
@@ -6760,7 +6955,7 @@
           <a:srgbClr val="000000"/>
         </a:buClr>
         <a:buFont typeface="Arial"/>
-        <a:defRPr b="0" i="0" sz="1400" u="none" cap="none" strike="noStrike">
+        <a:defRPr sz="1400" b="0" i="0" u="none" strike="noStrike" cap="none">
           <a:solidFill>
             <a:srgbClr val="000000"/>
           </a:solidFill>
@@ -6770,7 +6965,7 @@
           <a:sym typeface="Arial"/>
         </a:defRPr>
       </a:lvl6pPr>
-      <a:lvl7pPr lvl="6" marR="0" rtl="0" algn="l">
+      <a:lvl7pPr marR="0" lvl="6" algn="l" rtl="0">
         <a:lnSpc>
           <a:spcPct val="100000"/>
         </a:lnSpc>
@@ -6784,7 +6979,7 @@
           <a:srgbClr val="000000"/>
         </a:buClr>
         <a:buFont typeface="Arial"/>
-        <a:defRPr b="0" i="0" sz="1400" u="none" cap="none" strike="noStrike">
+        <a:defRPr sz="1400" b="0" i="0" u="none" strike="noStrike" cap="none">
           <a:solidFill>
             <a:srgbClr val="000000"/>
           </a:solidFill>
@@ -6794,7 +6989,7 @@
           <a:sym typeface="Arial"/>
         </a:defRPr>
       </a:lvl7pPr>
-      <a:lvl8pPr lvl="7" marR="0" rtl="0" algn="l">
+      <a:lvl8pPr marR="0" lvl="7" algn="l" rtl="0">
         <a:lnSpc>
           <a:spcPct val="100000"/>
         </a:lnSpc>
@@ -6808,7 +7003,7 @@
           <a:srgbClr val="000000"/>
         </a:buClr>
         <a:buFont typeface="Arial"/>
-        <a:defRPr b="0" i="0" sz="1400" u="none" cap="none" strike="noStrike">
+        <a:defRPr sz="1400" b="0" i="0" u="none" strike="noStrike" cap="none">
           <a:solidFill>
             <a:srgbClr val="000000"/>
           </a:solidFill>
@@ -6818,7 +7013,7 @@
           <a:sym typeface="Arial"/>
         </a:defRPr>
       </a:lvl8pPr>
-      <a:lvl9pPr lvl="8" marR="0" rtl="0" algn="l">
+      <a:lvl9pPr marR="0" lvl="8" algn="l" rtl="0">
         <a:lnSpc>
           <a:spcPct val="100000"/>
         </a:lnSpc>
@@ -6832,7 +7027,7 @@
           <a:srgbClr val="000000"/>
         </a:buClr>
         <a:buFont typeface="Arial"/>
-        <a:defRPr b="0" i="0" sz="1400" u="none" cap="none" strike="noStrike">
+        <a:defRPr sz="1400" b="0" i="0" u="none" strike="noStrike" cap="none">
           <a:solidFill>
             <a:srgbClr val="000000"/>
           </a:solidFill>
@@ -6848,11 +7043,11 @@
 </file>
 
 <file path=ppt/slides/slide1.xml><?xml version="1.0" encoding="utf-8"?>
-<p:sld xmlns:a="http://schemas.openxmlformats.org/drawingml/2006/main" xmlns:r="http://schemas.openxmlformats.org/officeDocument/2006/relationships" xmlns:mc="http://schemas.openxmlformats.org/markup-compatibility/2006" xmlns:mv="urn:schemas-microsoft-com:mac:vml" xmlns:p="http://schemas.openxmlformats.org/presentationml/2006/main" xmlns:c="http://schemas.openxmlformats.org/drawingml/2006/chart" xmlns:dgm="http://schemas.openxmlformats.org/drawingml/2006/diagram" xmlns:o="urn:schemas-microsoft-com:office:office" xmlns:v="urn:schemas-microsoft-com:vml" xmlns:pvml="urn:schemas-microsoft-com:office:powerpoint" xmlns:com="http://schemas.openxmlformats.org/drawingml/2006/compatibility" xmlns:p14="http://schemas.microsoft.com/office/powerpoint/2010/main" xmlns:p15="http://schemas.microsoft.com/office/powerpoint/2012/main" xmlns:ahyp="http://schemas.microsoft.com/office/drawing/2018/hyperlinkcolor">
+<p:sld xmlns:a="http://schemas.openxmlformats.org/drawingml/2006/main" xmlns:r="http://schemas.openxmlformats.org/officeDocument/2006/relationships" xmlns:p="http://schemas.openxmlformats.org/presentationml/2006/main">
   <p:cSld>
     <p:spTree>
       <p:nvGrpSpPr>
-        <p:cNvPr id="53" name="Shape 53"/>
+        <p:cNvPr id="1" name="Shape 53"/>
         <p:cNvGrpSpPr/>
         <p:nvPr/>
       </p:nvGrpSpPr>
@@ -6867,7 +7062,9 @@
       <p:sp>
         <p:nvSpPr>
           <p:cNvPr id="54" name="Google Shape;54;p13"/>
-          <p:cNvSpPr txBox="1"/>
+          <p:cNvSpPr txBox="1">
+            <a:spLocks noGrp="1"/>
+          </p:cNvSpPr>
           <p:nvPr>
             <p:ph type="ctrTitle"/>
           </p:nvPr>
@@ -6882,12 +7079,12 @@
           </a:prstGeom>
         </p:spPr>
         <p:txBody>
-          <a:bodyPr anchorCtr="0" anchor="b" bIns="91425" lIns="91425" spcFirstLastPara="1" rIns="91425" wrap="square" tIns="91425">
+          <a:bodyPr spcFirstLastPara="1" wrap="square" lIns="91425" tIns="91425" rIns="91425" bIns="91425" anchor="b" anchorCtr="0">
             <a:normAutofit/>
           </a:bodyPr>
           <a:lstStyle/>
           <a:p>
-            <a:pPr indent="0" lvl="0" marL="0" rtl="0" algn="ctr">
+            <a:pPr marL="0" lvl="0" indent="0" algn="ctr" rtl="0">
               <a:spcBef>
                 <a:spcPts val="0"/>
               </a:spcBef>
@@ -6913,7 +7110,7 @@
             </a:endParaRPr>
           </a:p>
           <a:p>
-            <a:pPr indent="0" lvl="0" marL="0" rtl="0" algn="ctr">
+            <a:pPr marL="0" lvl="0" indent="0" algn="ctr" rtl="0">
               <a:spcBef>
                 <a:spcPts val="0"/>
               </a:spcBef>
@@ -6943,9 +7140,11 @@
       <p:sp>
         <p:nvSpPr>
           <p:cNvPr id="55" name="Google Shape;55;p13"/>
-          <p:cNvSpPr txBox="1"/>
+          <p:cNvSpPr txBox="1">
+            <a:spLocks noGrp="1"/>
+          </p:cNvSpPr>
           <p:nvPr>
-            <p:ph idx="1" type="subTitle"/>
+            <p:ph type="subTitle" idx="1"/>
           </p:nvPr>
         </p:nvSpPr>
         <p:spPr>
@@ -6958,12 +7157,12 @@
           </a:prstGeom>
         </p:spPr>
         <p:txBody>
-          <a:bodyPr anchorCtr="0" anchor="b" bIns="91425" lIns="91425" spcFirstLastPara="1" rIns="91425" wrap="square" tIns="91425">
+          <a:bodyPr spcFirstLastPara="1" wrap="square" lIns="91425" tIns="91425" rIns="91425" bIns="91425" anchor="b" anchorCtr="0">
             <a:noAutofit/>
           </a:bodyPr>
           <a:lstStyle/>
           <a:p>
-            <a:pPr indent="0" lvl="0" marL="0" rtl="0" algn="l">
+            <a:pPr marL="0" lvl="0" indent="0" algn="l" rtl="0">
               <a:spcBef>
                 <a:spcPts val="0"/>
               </a:spcBef>
@@ -6973,7 +7172,7 @@
               <a:buNone/>
             </a:pPr>
             <a:r>
-              <a:rPr b="1" lang="en" sz="2000">
+              <a:rPr lang="en" sz="2000" b="1">
                 <a:solidFill>
                   <a:schemeClr val="dk1"/>
                 </a:solidFill>
@@ -7007,7 +7206,7 @@
             </a:endParaRPr>
           </a:p>
           <a:p>
-            <a:pPr indent="0" lvl="0" marL="0" rtl="0" algn="l">
+            <a:pPr marL="0" lvl="0" indent="0" algn="l" rtl="0">
               <a:spcBef>
                 <a:spcPts val="0"/>
               </a:spcBef>
@@ -7017,7 +7216,7 @@
               <a:buNone/>
             </a:pPr>
             <a:r>
-              <a:rPr b="1" lang="en" sz="2000">
+              <a:rPr lang="en" sz="2000" b="1">
                 <a:solidFill>
                   <a:schemeClr val="dk1"/>
                 </a:solidFill>
@@ -7051,7 +7250,7 @@
             </a:endParaRPr>
           </a:p>
           <a:p>
-            <a:pPr indent="0" lvl="0" marL="0" rtl="0" algn="ctr">
+            <a:pPr marL="0" lvl="0" indent="0" algn="ctr" rtl="0">
               <a:spcBef>
                 <a:spcPts val="0"/>
               </a:spcBef>
@@ -7104,12 +7303,12 @@
           </a:ln>
         </p:spPr>
         <p:txBody>
-          <a:bodyPr anchorCtr="0" anchor="t" bIns="91425" lIns="91425" spcFirstLastPara="1" rIns="91425" wrap="square" tIns="91425">
+          <a:bodyPr spcFirstLastPara="1" wrap="square" lIns="91425" tIns="91425" rIns="91425" bIns="91425" anchor="t" anchorCtr="0">
             <a:spAutoFit/>
           </a:bodyPr>
           <a:lstStyle/>
           <a:p>
-            <a:pPr indent="0" lvl="0" marL="0" rtl="0" algn="ctr">
+            <a:pPr marL="0" lvl="0" indent="0" algn="ctr" rtl="0">
               <a:spcBef>
                 <a:spcPts val="0"/>
               </a:spcBef>
@@ -7141,7 +7340,7 @@
             </a:endParaRPr>
           </a:p>
           <a:p>
-            <a:pPr indent="0" lvl="0" marL="0" rtl="0" algn="ctr">
+            <a:pPr marL="0" lvl="0" indent="0" algn="ctr" rtl="0">
               <a:spcBef>
                 <a:spcPts val="0"/>
               </a:spcBef>
@@ -7173,7 +7372,7 @@
             </a:endParaRPr>
           </a:p>
           <a:p>
-            <a:pPr indent="0" lvl="0" marL="0" rtl="0" algn="ctr">
+            <a:pPr marL="0" lvl="0" indent="0" algn="ctr" rtl="0">
               <a:spcBef>
                 <a:spcPts val="0"/>
               </a:spcBef>
@@ -7262,46 +7461,6 @@
           </a:ln>
         </p:spPr>
       </p:pic>
-      <p:sp>
-        <p:nvSpPr>
-          <p:cNvPr id="59" name="Google Shape;59;p13"/>
-          <p:cNvSpPr txBox="1"/>
-          <p:nvPr>
-            <p:ph idx="12" type="sldNum"/>
-          </p:nvPr>
-        </p:nvSpPr>
-        <p:spPr>
-          <a:xfrm>
-            <a:off x="8472458" y="4663217"/>
-            <a:ext cx="548700" cy="393600"/>
-          </a:xfrm>
-          <a:prstGeom prst="rect">
-            <a:avLst/>
-          </a:prstGeom>
-        </p:spPr>
-        <p:txBody>
-          <a:bodyPr anchorCtr="0" anchor="ctr" bIns="91425" lIns="91425" spcFirstLastPara="1" rIns="91425" wrap="square" tIns="91425">
-            <a:normAutofit/>
-          </a:bodyPr>
-          <a:lstStyle/>
-          <a:p>
-            <a:pPr indent="0" lvl="0" marL="0" rtl="0" algn="r">
-              <a:spcBef>
-                <a:spcPts val="0"/>
-              </a:spcBef>
-              <a:spcAft>
-                <a:spcPts val="0"/>
-              </a:spcAft>
-              <a:buNone/>
-            </a:pPr>
-            <a:fld id="{00000000-1234-1234-1234-123412341234}" type="slidenum">
-              <a:rPr lang="en"/>
-              <a:t>‹#›</a:t>
-            </a:fld>
-            <a:endParaRPr/>
-          </a:p>
-        </p:txBody>
-      </p:sp>
     </p:spTree>
   </p:cSld>
   <p:clrMapOvr>
@@ -7311,11 +7470,11 @@
 </file>
 
 <file path=ppt/slides/slide10.xml><?xml version="1.0" encoding="utf-8"?>
-<p:sld xmlns:a="http://schemas.openxmlformats.org/drawingml/2006/main" xmlns:r="http://schemas.openxmlformats.org/officeDocument/2006/relationships" xmlns:mc="http://schemas.openxmlformats.org/markup-compatibility/2006" xmlns:mv="urn:schemas-microsoft-com:mac:vml" xmlns:p="http://schemas.openxmlformats.org/presentationml/2006/main" xmlns:c="http://schemas.openxmlformats.org/drawingml/2006/chart" xmlns:dgm="http://schemas.openxmlformats.org/drawingml/2006/diagram" xmlns:o="urn:schemas-microsoft-com:office:office" xmlns:v="urn:schemas-microsoft-com:vml" xmlns:pvml="urn:schemas-microsoft-com:office:powerpoint" xmlns:com="http://schemas.openxmlformats.org/drawingml/2006/compatibility" xmlns:p14="http://schemas.microsoft.com/office/powerpoint/2010/main" xmlns:p15="http://schemas.microsoft.com/office/powerpoint/2012/main" xmlns:ahyp="http://schemas.microsoft.com/office/drawing/2018/hyperlinkcolor">
+<p:sld xmlns:a="http://schemas.openxmlformats.org/drawingml/2006/main" xmlns:r="http://schemas.openxmlformats.org/officeDocument/2006/relationships" xmlns:p="http://schemas.openxmlformats.org/presentationml/2006/main">
   <p:cSld>
     <p:spTree>
       <p:nvGrpSpPr>
-        <p:cNvPr id="136" name="Shape 136"/>
+        <p:cNvPr id="1" name="Shape 136"/>
         <p:cNvGrpSpPr/>
         <p:nvPr/>
       </p:nvGrpSpPr>
@@ -7330,7 +7489,9 @@
       <p:sp>
         <p:nvSpPr>
           <p:cNvPr id="137" name="Google Shape;137;p22"/>
-          <p:cNvSpPr txBox="1"/>
+          <p:cNvSpPr txBox="1">
+            <a:spLocks noGrp="1"/>
+          </p:cNvSpPr>
           <p:nvPr>
             <p:ph type="title"/>
           </p:nvPr>
@@ -7345,12 +7506,12 @@
           </a:prstGeom>
         </p:spPr>
         <p:txBody>
-          <a:bodyPr anchorCtr="0" anchor="t" bIns="91425" lIns="91425" spcFirstLastPara="1" rIns="91425" wrap="square" tIns="91425">
+          <a:bodyPr spcFirstLastPara="1" wrap="square" lIns="91425" tIns="91425" rIns="91425" bIns="91425" anchor="t" anchorCtr="0">
             <a:noAutofit/>
           </a:bodyPr>
           <a:lstStyle/>
           <a:p>
-            <a:pPr indent="0" lvl="0" marL="0" rtl="0" algn="l">
+            <a:pPr marL="0" lvl="0" indent="0" algn="l" rtl="0">
               <a:spcBef>
                 <a:spcPts val="0"/>
               </a:spcBef>
@@ -7380,9 +7541,11 @@
       <p:sp>
         <p:nvSpPr>
           <p:cNvPr id="138" name="Google Shape;138;p22"/>
-          <p:cNvSpPr txBox="1"/>
+          <p:cNvSpPr txBox="1">
+            <a:spLocks noGrp="1"/>
+          </p:cNvSpPr>
           <p:nvPr>
-            <p:ph idx="12" type="sldNum"/>
+            <p:ph type="sldNum" idx="12"/>
           </p:nvPr>
         </p:nvSpPr>
         <p:spPr>
@@ -7395,12 +7558,12 @@
           </a:prstGeom>
         </p:spPr>
         <p:txBody>
-          <a:bodyPr anchorCtr="0" anchor="ctr" bIns="91425" lIns="91425" spcFirstLastPara="1" rIns="91425" wrap="square" tIns="91425">
+          <a:bodyPr spcFirstLastPara="1" wrap="square" lIns="91425" tIns="91425" rIns="91425" bIns="91425" anchor="ctr" anchorCtr="0">
             <a:normAutofit/>
           </a:bodyPr>
           <a:lstStyle/>
           <a:p>
-            <a:pPr indent="0" lvl="0" marL="0" rtl="0" algn="r">
+            <a:pPr marL="0" lvl="0" indent="0" algn="r" rtl="0">
               <a:spcBef>
                 <a:spcPts val="0"/>
               </a:spcBef>
@@ -7411,7 +7574,7 @@
             </a:pPr>
             <a:fld id="{00000000-1234-1234-1234-123412341234}" type="slidenum">
               <a:rPr lang="en"/>
-              <a:t>‹#›</a:t>
+              <a:t>10</a:t>
             </a:fld>
             <a:endParaRPr/>
           </a:p>
@@ -7454,11 +7617,11 @@
 </file>
 
 <file path=ppt/slides/slide11.xml><?xml version="1.0" encoding="utf-8"?>
-<p:sld xmlns:a="http://schemas.openxmlformats.org/drawingml/2006/main" xmlns:r="http://schemas.openxmlformats.org/officeDocument/2006/relationships" xmlns:mc="http://schemas.openxmlformats.org/markup-compatibility/2006" xmlns:mv="urn:schemas-microsoft-com:mac:vml" xmlns:p="http://schemas.openxmlformats.org/presentationml/2006/main" xmlns:c="http://schemas.openxmlformats.org/drawingml/2006/chart" xmlns:dgm="http://schemas.openxmlformats.org/drawingml/2006/diagram" xmlns:o="urn:schemas-microsoft-com:office:office" xmlns:v="urn:schemas-microsoft-com:vml" xmlns:pvml="urn:schemas-microsoft-com:office:powerpoint" xmlns:com="http://schemas.openxmlformats.org/drawingml/2006/compatibility" xmlns:p14="http://schemas.microsoft.com/office/powerpoint/2010/main" xmlns:p15="http://schemas.microsoft.com/office/powerpoint/2012/main" xmlns:ahyp="http://schemas.microsoft.com/office/drawing/2018/hyperlinkcolor">
+<p:sld xmlns:a="http://schemas.openxmlformats.org/drawingml/2006/main" xmlns:r="http://schemas.openxmlformats.org/officeDocument/2006/relationships" xmlns:p="http://schemas.openxmlformats.org/presentationml/2006/main">
   <p:cSld>
     <p:spTree>
       <p:nvGrpSpPr>
-        <p:cNvPr id="143" name="Shape 143"/>
+        <p:cNvPr id="1" name="Shape 143"/>
         <p:cNvGrpSpPr/>
         <p:nvPr/>
       </p:nvGrpSpPr>
@@ -7473,7 +7636,9 @@
       <p:sp>
         <p:nvSpPr>
           <p:cNvPr id="144" name="Google Shape;144;p23"/>
-          <p:cNvSpPr txBox="1"/>
+          <p:cNvSpPr txBox="1">
+            <a:spLocks noGrp="1"/>
+          </p:cNvSpPr>
           <p:nvPr>
             <p:ph type="title"/>
           </p:nvPr>
@@ -7488,12 +7653,12 @@
           </a:prstGeom>
         </p:spPr>
         <p:txBody>
-          <a:bodyPr anchorCtr="0" anchor="t" bIns="91425" lIns="91425" spcFirstLastPara="1" rIns="91425" wrap="square" tIns="91425">
+          <a:bodyPr spcFirstLastPara="1" wrap="square" lIns="91425" tIns="91425" rIns="91425" bIns="91425" anchor="t" anchorCtr="0">
             <a:noAutofit/>
           </a:bodyPr>
           <a:lstStyle/>
           <a:p>
-            <a:pPr indent="0" lvl="0" marL="0" rtl="0" algn="l">
+            <a:pPr marL="0" lvl="0" indent="0" algn="l" rtl="0">
               <a:spcBef>
                 <a:spcPts val="0"/>
               </a:spcBef>
@@ -7523,9 +7688,11 @@
       <p:sp>
         <p:nvSpPr>
           <p:cNvPr id="145" name="Google Shape;145;p23"/>
-          <p:cNvSpPr txBox="1"/>
+          <p:cNvSpPr txBox="1">
+            <a:spLocks noGrp="1"/>
+          </p:cNvSpPr>
           <p:nvPr>
-            <p:ph idx="12" type="sldNum"/>
+            <p:ph type="sldNum" idx="12"/>
           </p:nvPr>
         </p:nvSpPr>
         <p:spPr>
@@ -7538,12 +7705,12 @@
           </a:prstGeom>
         </p:spPr>
         <p:txBody>
-          <a:bodyPr anchorCtr="0" anchor="ctr" bIns="91425" lIns="91425" spcFirstLastPara="1" rIns="91425" wrap="square" tIns="91425">
+          <a:bodyPr spcFirstLastPara="1" wrap="square" lIns="91425" tIns="91425" rIns="91425" bIns="91425" anchor="ctr" anchorCtr="0">
             <a:normAutofit/>
           </a:bodyPr>
           <a:lstStyle/>
           <a:p>
-            <a:pPr indent="0" lvl="0" marL="0" rtl="0" algn="r">
+            <a:pPr marL="0" lvl="0" indent="0" algn="r" rtl="0">
               <a:spcBef>
                 <a:spcPts val="0"/>
               </a:spcBef>
@@ -7554,7 +7721,7 @@
             </a:pPr>
             <a:fld id="{00000000-1234-1234-1234-123412341234}" type="slidenum">
               <a:rPr lang="en"/>
-              <a:t>‹#›</a:t>
+              <a:t>11</a:t>
             </a:fld>
             <a:endParaRPr/>
           </a:p>
@@ -7597,11 +7764,11 @@
 </file>
 
 <file path=ppt/slides/slide12.xml><?xml version="1.0" encoding="utf-8"?>
-<p:sld xmlns:a="http://schemas.openxmlformats.org/drawingml/2006/main" xmlns:r="http://schemas.openxmlformats.org/officeDocument/2006/relationships" xmlns:mc="http://schemas.openxmlformats.org/markup-compatibility/2006" xmlns:mv="urn:schemas-microsoft-com:mac:vml" xmlns:p="http://schemas.openxmlformats.org/presentationml/2006/main" xmlns:c="http://schemas.openxmlformats.org/drawingml/2006/chart" xmlns:dgm="http://schemas.openxmlformats.org/drawingml/2006/diagram" xmlns:o="urn:schemas-microsoft-com:office:office" xmlns:v="urn:schemas-microsoft-com:vml" xmlns:pvml="urn:schemas-microsoft-com:office:powerpoint" xmlns:com="http://schemas.openxmlformats.org/drawingml/2006/compatibility" xmlns:p14="http://schemas.microsoft.com/office/powerpoint/2010/main" xmlns:p15="http://schemas.microsoft.com/office/powerpoint/2012/main" xmlns:ahyp="http://schemas.microsoft.com/office/drawing/2018/hyperlinkcolor">
+<p:sld xmlns:a="http://schemas.openxmlformats.org/drawingml/2006/main" xmlns:r="http://schemas.openxmlformats.org/officeDocument/2006/relationships" xmlns:p="http://schemas.openxmlformats.org/presentationml/2006/main">
   <p:cSld>
     <p:spTree>
       <p:nvGrpSpPr>
-        <p:cNvPr id="150" name="Shape 150"/>
+        <p:cNvPr id="1" name="Shape 150"/>
         <p:cNvGrpSpPr/>
         <p:nvPr/>
       </p:nvGrpSpPr>
@@ -7616,7 +7783,9 @@
       <p:sp>
         <p:nvSpPr>
           <p:cNvPr id="151" name="Google Shape;151;p24"/>
-          <p:cNvSpPr txBox="1"/>
+          <p:cNvSpPr txBox="1">
+            <a:spLocks noGrp="1"/>
+          </p:cNvSpPr>
           <p:nvPr>
             <p:ph type="title"/>
           </p:nvPr>
@@ -7631,12 +7800,12 @@
           </a:prstGeom>
         </p:spPr>
         <p:txBody>
-          <a:bodyPr anchorCtr="0" anchor="t" bIns="91425" lIns="91425" spcFirstLastPara="1" rIns="91425" wrap="square" tIns="91425">
+          <a:bodyPr spcFirstLastPara="1" wrap="square" lIns="91425" tIns="91425" rIns="91425" bIns="91425" anchor="t" anchorCtr="0">
             <a:noAutofit/>
           </a:bodyPr>
           <a:lstStyle/>
           <a:p>
-            <a:pPr indent="0" lvl="0" marL="0" rtl="0" algn="l">
+            <a:pPr marL="0" lvl="0" indent="0" algn="l" rtl="0">
               <a:spcBef>
                 <a:spcPts val="0"/>
               </a:spcBef>
@@ -7666,9 +7835,11 @@
       <p:sp>
         <p:nvSpPr>
           <p:cNvPr id="152" name="Google Shape;152;p24"/>
-          <p:cNvSpPr txBox="1"/>
+          <p:cNvSpPr txBox="1">
+            <a:spLocks noGrp="1"/>
+          </p:cNvSpPr>
           <p:nvPr>
-            <p:ph idx="12" type="sldNum"/>
+            <p:ph type="sldNum" idx="12"/>
           </p:nvPr>
         </p:nvSpPr>
         <p:spPr>
@@ -7681,12 +7852,12 @@
           </a:prstGeom>
         </p:spPr>
         <p:txBody>
-          <a:bodyPr anchorCtr="0" anchor="ctr" bIns="91425" lIns="91425" spcFirstLastPara="1" rIns="91425" wrap="square" tIns="91425">
+          <a:bodyPr spcFirstLastPara="1" wrap="square" lIns="91425" tIns="91425" rIns="91425" bIns="91425" anchor="ctr" anchorCtr="0">
             <a:normAutofit/>
           </a:bodyPr>
           <a:lstStyle/>
           <a:p>
-            <a:pPr indent="0" lvl="0" marL="0" rtl="0" algn="r">
+            <a:pPr marL="0" lvl="0" indent="0" algn="r" rtl="0">
               <a:spcBef>
                 <a:spcPts val="0"/>
               </a:spcBef>
@@ -7697,7 +7868,7 @@
             </a:pPr>
             <a:fld id="{00000000-1234-1234-1234-123412341234}" type="slidenum">
               <a:rPr lang="en"/>
-              <a:t>‹#›</a:t>
+              <a:t>12</a:t>
             </a:fld>
             <a:endParaRPr/>
           </a:p>
@@ -7740,11 +7911,11 @@
 </file>
 
 <file path=ppt/slides/slide13.xml><?xml version="1.0" encoding="utf-8"?>
-<p:sld xmlns:a="http://schemas.openxmlformats.org/drawingml/2006/main" xmlns:r="http://schemas.openxmlformats.org/officeDocument/2006/relationships" xmlns:mc="http://schemas.openxmlformats.org/markup-compatibility/2006" xmlns:mv="urn:schemas-microsoft-com:mac:vml" xmlns:p="http://schemas.openxmlformats.org/presentationml/2006/main" xmlns:c="http://schemas.openxmlformats.org/drawingml/2006/chart" xmlns:dgm="http://schemas.openxmlformats.org/drawingml/2006/diagram" xmlns:o="urn:schemas-microsoft-com:office:office" xmlns:v="urn:schemas-microsoft-com:vml" xmlns:pvml="urn:schemas-microsoft-com:office:powerpoint" xmlns:com="http://schemas.openxmlformats.org/drawingml/2006/compatibility" xmlns:p14="http://schemas.microsoft.com/office/powerpoint/2010/main" xmlns:p15="http://schemas.microsoft.com/office/powerpoint/2012/main" xmlns:ahyp="http://schemas.microsoft.com/office/drawing/2018/hyperlinkcolor">
+<p:sld xmlns:a="http://schemas.openxmlformats.org/drawingml/2006/main" xmlns:r="http://schemas.openxmlformats.org/officeDocument/2006/relationships" xmlns:p="http://schemas.openxmlformats.org/presentationml/2006/main">
   <p:cSld>
     <p:spTree>
       <p:nvGrpSpPr>
-        <p:cNvPr id="157" name="Shape 157"/>
+        <p:cNvPr id="1" name="Shape 157"/>
         <p:cNvGrpSpPr/>
         <p:nvPr/>
       </p:nvGrpSpPr>
@@ -7759,7 +7930,9 @@
       <p:sp>
         <p:nvSpPr>
           <p:cNvPr id="158" name="Google Shape;158;p25"/>
-          <p:cNvSpPr txBox="1"/>
+          <p:cNvSpPr txBox="1">
+            <a:spLocks noGrp="1"/>
+          </p:cNvSpPr>
           <p:nvPr>
             <p:ph type="title"/>
           </p:nvPr>
@@ -7774,12 +7947,12 @@
           </a:prstGeom>
         </p:spPr>
         <p:txBody>
-          <a:bodyPr anchorCtr="0" anchor="t" bIns="91425" lIns="91425" spcFirstLastPara="1" rIns="91425" wrap="square" tIns="91425">
+          <a:bodyPr spcFirstLastPara="1" wrap="square" lIns="91425" tIns="91425" rIns="91425" bIns="91425" anchor="t" anchorCtr="0">
             <a:normAutofit fontScale="90000"/>
           </a:bodyPr>
           <a:lstStyle/>
           <a:p>
-            <a:pPr indent="0" lvl="0" marL="0" rtl="0" algn="l">
+            <a:pPr marL="0" lvl="0" indent="0" algn="l" rtl="0">
               <a:spcBef>
                 <a:spcPts val="0"/>
               </a:spcBef>
@@ -7809,9 +7982,11 @@
       <p:sp>
         <p:nvSpPr>
           <p:cNvPr id="159" name="Google Shape;159;p25"/>
-          <p:cNvSpPr txBox="1"/>
+          <p:cNvSpPr txBox="1">
+            <a:spLocks noGrp="1"/>
+          </p:cNvSpPr>
           <p:nvPr>
-            <p:ph idx="1" type="body"/>
+            <p:ph type="body" idx="1"/>
           </p:nvPr>
         </p:nvSpPr>
         <p:spPr>
@@ -7824,12 +7999,12 @@
           </a:prstGeom>
         </p:spPr>
         <p:txBody>
-          <a:bodyPr anchorCtr="0" anchor="t" bIns="91425" lIns="91425" spcFirstLastPara="1" rIns="91425" wrap="square" tIns="91425">
+          <a:bodyPr spcFirstLastPara="1" wrap="square" lIns="91425" tIns="91425" rIns="91425" bIns="91425" anchor="t" anchorCtr="0">
             <a:normAutofit/>
           </a:bodyPr>
           <a:lstStyle/>
           <a:p>
-            <a:pPr indent="0" lvl="0" marL="0" rtl="0" algn="l">
+            <a:pPr marL="0" lvl="0" indent="0" algn="l" rtl="0">
               <a:spcBef>
                 <a:spcPts val="0"/>
               </a:spcBef>
@@ -7862,9 +8037,11 @@
       <p:sp>
         <p:nvSpPr>
           <p:cNvPr id="160" name="Google Shape;160;p25"/>
-          <p:cNvSpPr txBox="1"/>
+          <p:cNvSpPr txBox="1">
+            <a:spLocks noGrp="1"/>
+          </p:cNvSpPr>
           <p:nvPr>
-            <p:ph idx="12" type="sldNum"/>
+            <p:ph type="sldNum" idx="12"/>
           </p:nvPr>
         </p:nvSpPr>
         <p:spPr>
@@ -7877,12 +8054,12 @@
           </a:prstGeom>
         </p:spPr>
         <p:txBody>
-          <a:bodyPr anchorCtr="0" anchor="ctr" bIns="91425" lIns="91425" spcFirstLastPara="1" rIns="91425" wrap="square" tIns="91425">
+          <a:bodyPr spcFirstLastPara="1" wrap="square" lIns="91425" tIns="91425" rIns="91425" bIns="91425" anchor="ctr" anchorCtr="0">
             <a:normAutofit/>
           </a:bodyPr>
           <a:lstStyle/>
           <a:p>
-            <a:pPr indent="0" lvl="0" marL="0" rtl="0" algn="r">
+            <a:pPr marL="0" lvl="0" indent="0" algn="r" rtl="0">
               <a:spcBef>
                 <a:spcPts val="0"/>
               </a:spcBef>
@@ -7893,7 +8070,7 @@
             </a:pPr>
             <a:fld id="{00000000-1234-1234-1234-123412341234}" type="slidenum">
               <a:rPr lang="en"/>
-              <a:t>‹#›</a:t>
+              <a:t>13</a:t>
             </a:fld>
             <a:endParaRPr/>
           </a:p>
@@ -7908,11 +8085,11 @@
 </file>
 
 <file path=ppt/slides/slide14.xml><?xml version="1.0" encoding="utf-8"?>
-<p:sld xmlns:a="http://schemas.openxmlformats.org/drawingml/2006/main" xmlns:r="http://schemas.openxmlformats.org/officeDocument/2006/relationships" xmlns:mc="http://schemas.openxmlformats.org/markup-compatibility/2006" xmlns:mv="urn:schemas-microsoft-com:mac:vml" xmlns:p="http://schemas.openxmlformats.org/presentationml/2006/main" xmlns:c="http://schemas.openxmlformats.org/drawingml/2006/chart" xmlns:dgm="http://schemas.openxmlformats.org/drawingml/2006/diagram" xmlns:o="urn:schemas-microsoft-com:office:office" xmlns:v="urn:schemas-microsoft-com:vml" xmlns:pvml="urn:schemas-microsoft-com:office:powerpoint" xmlns:com="http://schemas.openxmlformats.org/drawingml/2006/compatibility" xmlns:p14="http://schemas.microsoft.com/office/powerpoint/2010/main" xmlns:p15="http://schemas.microsoft.com/office/powerpoint/2012/main" xmlns:ahyp="http://schemas.microsoft.com/office/drawing/2018/hyperlinkcolor">
+<p:sld xmlns:a="http://schemas.openxmlformats.org/drawingml/2006/main" xmlns:r="http://schemas.openxmlformats.org/officeDocument/2006/relationships" xmlns:p="http://schemas.openxmlformats.org/presentationml/2006/main">
   <p:cSld>
     <p:spTree>
       <p:nvGrpSpPr>
-        <p:cNvPr id="164" name="Shape 164"/>
+        <p:cNvPr id="1" name="Shape 164"/>
         <p:cNvGrpSpPr/>
         <p:nvPr/>
       </p:nvGrpSpPr>
@@ -7927,7 +8104,9 @@
       <p:sp>
         <p:nvSpPr>
           <p:cNvPr id="165" name="Google Shape;165;p26"/>
-          <p:cNvSpPr txBox="1"/>
+          <p:cNvSpPr txBox="1">
+            <a:spLocks noGrp="1"/>
+          </p:cNvSpPr>
           <p:nvPr>
             <p:ph type="title"/>
           </p:nvPr>
@@ -7942,12 +8121,12 @@
           </a:prstGeom>
         </p:spPr>
         <p:txBody>
-          <a:bodyPr anchorCtr="0" anchor="t" bIns="91425" lIns="91425" spcFirstLastPara="1" rIns="91425" wrap="square" tIns="91425">
+          <a:bodyPr spcFirstLastPara="1" wrap="square" lIns="91425" tIns="91425" rIns="91425" bIns="91425" anchor="t" anchorCtr="0">
             <a:normAutofit fontScale="90000"/>
           </a:bodyPr>
           <a:lstStyle/>
           <a:p>
-            <a:pPr indent="0" lvl="0" marL="0" rtl="0" algn="l">
+            <a:pPr marL="0" lvl="0" indent="0" algn="l" rtl="0">
               <a:spcBef>
                 <a:spcPts val="0"/>
               </a:spcBef>
@@ -7977,9 +8156,11 @@
       <p:sp>
         <p:nvSpPr>
           <p:cNvPr id="166" name="Google Shape;166;p26"/>
-          <p:cNvSpPr txBox="1"/>
+          <p:cNvSpPr txBox="1">
+            <a:spLocks noGrp="1"/>
+          </p:cNvSpPr>
           <p:nvPr>
-            <p:ph idx="1" type="body"/>
+            <p:ph type="body" idx="1"/>
           </p:nvPr>
         </p:nvSpPr>
         <p:spPr>
@@ -7992,12 +8173,12 @@
           </a:prstGeom>
         </p:spPr>
         <p:txBody>
-          <a:bodyPr anchorCtr="0" anchor="t" bIns="91425" lIns="91425" spcFirstLastPara="1" rIns="91425" wrap="square" tIns="91425">
+          <a:bodyPr spcFirstLastPara="1" wrap="square" lIns="91425" tIns="91425" rIns="91425" bIns="91425" anchor="t" anchorCtr="0">
             <a:normAutofit lnSpcReduction="10000"/>
           </a:bodyPr>
           <a:lstStyle/>
           <a:p>
-            <a:pPr indent="-374650" lvl="0" marL="457200" rtl="0" algn="l">
+            <a:pPr marL="457200" lvl="0" indent="-374650" algn="l" rtl="0">
               <a:spcBef>
                 <a:spcPts val="0"/>
               </a:spcBef>
@@ -8034,7 +8215,7 @@
             </a:endParaRPr>
           </a:p>
           <a:p>
-            <a:pPr indent="-374650" lvl="0" marL="457200" rtl="0" algn="l">
+            <a:pPr marL="457200" lvl="0" indent="-374650" algn="l" rtl="0">
               <a:lnSpc>
                 <a:spcPct val="95000"/>
               </a:lnSpc>
@@ -8066,7 +8247,7 @@
                 <a:hlinkClick r:id="rId3">
                   <a:extLst>
                     <a:ext uri="{A12FA001-AC4F-418D-AE19-62706E023703}">
-                      <ahyp:hlinkClr val="tx"/>
+                      <ahyp:hlinkClr xmlns:ahyp="http://schemas.microsoft.com/office/drawing/2018/hyperlinkcolor" val="tx"/>
                     </a:ext>
                   </a:extLst>
                 </a:hlinkClick>
@@ -8100,7 +8281,7 @@
                 <a:hlinkClick r:id="rId4">
                   <a:extLst>
                     <a:ext uri="{A12FA001-AC4F-418D-AE19-62706E023703}">
-                      <ahyp:hlinkClr val="tx"/>
+                      <ahyp:hlinkClr xmlns:ahyp="http://schemas.microsoft.com/office/drawing/2018/hyperlinkcolor" val="tx"/>
                     </a:ext>
                   </a:extLst>
                 </a:hlinkClick>
@@ -8130,7 +8311,7 @@
             </a:endParaRPr>
           </a:p>
           <a:p>
-            <a:pPr indent="-374650" lvl="0" marL="457200" rtl="0" algn="l">
+            <a:pPr marL="457200" lvl="0" indent="-374650" algn="l" rtl="0">
               <a:spcBef>
                 <a:spcPts val="0"/>
               </a:spcBef>
@@ -8159,7 +8340,7 @@
                 <a:hlinkClick r:id="rId5">
                   <a:extLst>
                     <a:ext uri="{A12FA001-AC4F-418D-AE19-62706E023703}">
-                      <ahyp:hlinkClr val="tx"/>
+                      <ahyp:hlinkClr xmlns:ahyp="http://schemas.microsoft.com/office/drawing/2018/hyperlinkcolor" val="tx"/>
                     </a:ext>
                   </a:extLst>
                 </a:hlinkClick>
@@ -8193,7 +8374,7 @@
                 <a:hlinkClick r:id="rId6">
                   <a:extLst>
                     <a:ext uri="{A12FA001-AC4F-418D-AE19-62706E023703}">
-                      <ahyp:hlinkClr val="tx"/>
+                      <ahyp:hlinkClr xmlns:ahyp="http://schemas.microsoft.com/office/drawing/2018/hyperlinkcolor" val="tx"/>
                     </a:ext>
                   </a:extLst>
                 </a:hlinkClick>
@@ -8223,7 +8404,7 @@
             </a:endParaRPr>
           </a:p>
           <a:p>
-            <a:pPr indent="0" lvl="0" marL="457200" rtl="0" algn="l">
+            <a:pPr marL="457200" lvl="0" indent="0" algn="l" rtl="0">
               <a:spcBef>
                 <a:spcPts val="1200"/>
               </a:spcBef>
@@ -8232,9 +8413,6 @@
               </a:spcAft>
               <a:buNone/>
             </a:pPr>
-            <a:r>
-              <a:t/>
-            </a:r>
             <a:endParaRPr/>
           </a:p>
         </p:txBody>
@@ -8242,9 +8420,11 @@
       <p:sp>
         <p:nvSpPr>
           <p:cNvPr id="167" name="Google Shape;167;p26"/>
-          <p:cNvSpPr txBox="1"/>
+          <p:cNvSpPr txBox="1">
+            <a:spLocks noGrp="1"/>
+          </p:cNvSpPr>
           <p:nvPr>
-            <p:ph idx="12" type="sldNum"/>
+            <p:ph type="sldNum" idx="12"/>
           </p:nvPr>
         </p:nvSpPr>
         <p:spPr>
@@ -8257,12 +8437,12 @@
           </a:prstGeom>
         </p:spPr>
         <p:txBody>
-          <a:bodyPr anchorCtr="0" anchor="ctr" bIns="91425" lIns="91425" spcFirstLastPara="1" rIns="91425" wrap="square" tIns="91425">
+          <a:bodyPr spcFirstLastPara="1" wrap="square" lIns="91425" tIns="91425" rIns="91425" bIns="91425" anchor="ctr" anchorCtr="0">
             <a:normAutofit/>
           </a:bodyPr>
           <a:lstStyle/>
           <a:p>
-            <a:pPr indent="0" lvl="0" marL="0" rtl="0" algn="r">
+            <a:pPr marL="0" lvl="0" indent="0" algn="r" rtl="0">
               <a:spcBef>
                 <a:spcPts val="0"/>
               </a:spcBef>
@@ -8273,7 +8453,7 @@
             </a:pPr>
             <a:fld id="{00000000-1234-1234-1234-123412341234}" type="slidenum">
               <a:rPr lang="en"/>
-              <a:t>‹#›</a:t>
+              <a:t>14</a:t>
             </a:fld>
             <a:endParaRPr/>
           </a:p>
@@ -8288,11 +8468,11 @@
 </file>
 
 <file path=ppt/slides/slide15.xml><?xml version="1.0" encoding="utf-8"?>
-<p:sld xmlns:a="http://schemas.openxmlformats.org/drawingml/2006/main" xmlns:r="http://schemas.openxmlformats.org/officeDocument/2006/relationships" xmlns:mc="http://schemas.openxmlformats.org/markup-compatibility/2006" xmlns:mv="urn:schemas-microsoft-com:mac:vml" xmlns:p="http://schemas.openxmlformats.org/presentationml/2006/main" xmlns:c="http://schemas.openxmlformats.org/drawingml/2006/chart" xmlns:dgm="http://schemas.openxmlformats.org/drawingml/2006/diagram" xmlns:o="urn:schemas-microsoft-com:office:office" xmlns:v="urn:schemas-microsoft-com:vml" xmlns:pvml="urn:schemas-microsoft-com:office:powerpoint" xmlns:com="http://schemas.openxmlformats.org/drawingml/2006/compatibility" xmlns:p14="http://schemas.microsoft.com/office/powerpoint/2010/main" xmlns:p15="http://schemas.microsoft.com/office/powerpoint/2012/main" xmlns:ahyp="http://schemas.microsoft.com/office/drawing/2018/hyperlinkcolor">
+<p:sld xmlns:a="http://schemas.openxmlformats.org/drawingml/2006/main" xmlns:r="http://schemas.openxmlformats.org/officeDocument/2006/relationships" xmlns:p="http://schemas.openxmlformats.org/presentationml/2006/main">
   <p:cSld>
     <p:spTree>
       <p:nvGrpSpPr>
-        <p:cNvPr id="171" name="Shape 171"/>
+        <p:cNvPr id="1" name="Shape 171"/>
         <p:cNvGrpSpPr/>
         <p:nvPr/>
       </p:nvGrpSpPr>
@@ -8307,7 +8487,9 @@
       <p:sp>
         <p:nvSpPr>
           <p:cNvPr id="172" name="Google Shape;172;p27"/>
-          <p:cNvSpPr txBox="1"/>
+          <p:cNvSpPr txBox="1">
+            <a:spLocks noGrp="1"/>
+          </p:cNvSpPr>
           <p:nvPr>
             <p:ph type="title"/>
           </p:nvPr>
@@ -8322,12 +8504,12 @@
           </a:prstGeom>
         </p:spPr>
         <p:txBody>
-          <a:bodyPr anchorCtr="0" anchor="t" bIns="91425" lIns="91425" spcFirstLastPara="1" rIns="91425" wrap="square" tIns="91425">
+          <a:bodyPr spcFirstLastPara="1" wrap="square" lIns="91425" tIns="91425" rIns="91425" bIns="91425" anchor="t" anchorCtr="0">
             <a:normAutofit fontScale="90000"/>
           </a:bodyPr>
           <a:lstStyle/>
           <a:p>
-            <a:pPr indent="0" lvl="0" marL="0" rtl="0" algn="l">
+            <a:pPr marL="0" lvl="0" indent="0" algn="l" rtl="0">
               <a:spcBef>
                 <a:spcPts val="0"/>
               </a:spcBef>
@@ -8357,9 +8539,11 @@
       <p:sp>
         <p:nvSpPr>
           <p:cNvPr id="173" name="Google Shape;173;p27"/>
-          <p:cNvSpPr txBox="1"/>
+          <p:cNvSpPr txBox="1">
+            <a:spLocks noGrp="1"/>
+          </p:cNvSpPr>
           <p:nvPr>
-            <p:ph idx="12" type="sldNum"/>
+            <p:ph type="sldNum" idx="12"/>
           </p:nvPr>
         </p:nvSpPr>
         <p:spPr>
@@ -8372,12 +8556,12 @@
           </a:prstGeom>
         </p:spPr>
         <p:txBody>
-          <a:bodyPr anchorCtr="0" anchor="ctr" bIns="91425" lIns="91425" spcFirstLastPara="1" rIns="91425" wrap="square" tIns="91425">
+          <a:bodyPr spcFirstLastPara="1" wrap="square" lIns="91425" tIns="91425" rIns="91425" bIns="91425" anchor="ctr" anchorCtr="0">
             <a:normAutofit/>
           </a:bodyPr>
           <a:lstStyle/>
           <a:p>
-            <a:pPr indent="0" lvl="0" marL="0" rtl="0" algn="r">
+            <a:pPr marL="0" lvl="0" indent="0" algn="r" rtl="0">
               <a:spcBef>
                 <a:spcPts val="0"/>
               </a:spcBef>
@@ -8388,7 +8572,7 @@
             </a:pPr>
             <a:fld id="{00000000-1234-1234-1234-123412341234}" type="slidenum">
               <a:rPr lang="en"/>
-              <a:t>‹#›</a:t>
+              <a:t>15</a:t>
             </a:fld>
             <a:endParaRPr/>
           </a:p>
@@ -8431,11 +8615,11 @@
 </file>
 
 <file path=ppt/slides/slide2.xml><?xml version="1.0" encoding="utf-8"?>
-<p:sld xmlns:a="http://schemas.openxmlformats.org/drawingml/2006/main" xmlns:r="http://schemas.openxmlformats.org/officeDocument/2006/relationships" xmlns:mc="http://schemas.openxmlformats.org/markup-compatibility/2006" xmlns:mv="urn:schemas-microsoft-com:mac:vml" xmlns:p="http://schemas.openxmlformats.org/presentationml/2006/main" xmlns:c="http://schemas.openxmlformats.org/drawingml/2006/chart" xmlns:dgm="http://schemas.openxmlformats.org/drawingml/2006/diagram" xmlns:o="urn:schemas-microsoft-com:office:office" xmlns:v="urn:schemas-microsoft-com:vml" xmlns:pvml="urn:schemas-microsoft-com:office:powerpoint" xmlns:com="http://schemas.openxmlformats.org/drawingml/2006/compatibility" xmlns:p14="http://schemas.microsoft.com/office/powerpoint/2010/main" xmlns:p15="http://schemas.microsoft.com/office/powerpoint/2012/main" xmlns:ahyp="http://schemas.microsoft.com/office/drawing/2018/hyperlinkcolor">
+<p:sld xmlns:a="http://schemas.openxmlformats.org/drawingml/2006/main" xmlns:r="http://schemas.openxmlformats.org/officeDocument/2006/relationships" xmlns:p="http://schemas.openxmlformats.org/presentationml/2006/main">
   <p:cSld>
     <p:spTree>
       <p:nvGrpSpPr>
-        <p:cNvPr id="63" name="Shape 63"/>
+        <p:cNvPr id="1" name="Shape 63"/>
         <p:cNvGrpSpPr/>
         <p:nvPr/>
       </p:nvGrpSpPr>
@@ -8450,9 +8634,11 @@
       <p:sp>
         <p:nvSpPr>
           <p:cNvPr id="64" name="Google Shape;64;p14"/>
-          <p:cNvSpPr txBox="1"/>
+          <p:cNvSpPr txBox="1">
+            <a:spLocks noGrp="1"/>
+          </p:cNvSpPr>
           <p:nvPr>
-            <p:ph idx="12" type="sldNum"/>
+            <p:ph type="sldNum" idx="12"/>
           </p:nvPr>
         </p:nvSpPr>
         <p:spPr>
@@ -8465,12 +8651,12 @@
           </a:prstGeom>
         </p:spPr>
         <p:txBody>
-          <a:bodyPr anchorCtr="0" anchor="ctr" bIns="91425" lIns="91425" spcFirstLastPara="1" rIns="91425" wrap="square" tIns="91425">
+          <a:bodyPr spcFirstLastPara="1" wrap="square" lIns="91425" tIns="91425" rIns="91425" bIns="91425" anchor="ctr" anchorCtr="0">
             <a:normAutofit/>
           </a:bodyPr>
           <a:lstStyle/>
           <a:p>
-            <a:pPr indent="0" lvl="0" marL="0" rtl="0" algn="r">
+            <a:pPr marL="0" lvl="0" indent="0" algn="r" rtl="0">
               <a:spcBef>
                 <a:spcPts val="0"/>
               </a:spcBef>
@@ -8481,7 +8667,7 @@
             </a:pPr>
             <a:fld id="{00000000-1234-1234-1234-123412341234}" type="slidenum">
               <a:rPr lang="en"/>
-              <a:t>‹#›</a:t>
+              <a:t>2</a:t>
             </a:fld>
             <a:endParaRPr/>
           </a:p>
@@ -8507,12 +8693,12 @@
           </a:ln>
         </p:spPr>
         <p:txBody>
-          <a:bodyPr anchorCtr="0" anchor="t" bIns="91425" lIns="91425" spcFirstLastPara="1" rIns="91425" wrap="square" tIns="91425">
+          <a:bodyPr spcFirstLastPara="1" wrap="square" lIns="91425" tIns="91425" rIns="91425" bIns="91425" anchor="t" anchorCtr="0">
             <a:noAutofit/>
           </a:bodyPr>
           <a:lstStyle/>
           <a:p>
-            <a:pPr indent="0" lvl="0" marL="0" rtl="0" algn="l">
+            <a:pPr marL="0" lvl="0" indent="0" algn="l" rtl="0">
               <a:lnSpc>
                 <a:spcPct val="80000"/>
               </a:lnSpc>
@@ -8565,12 +8751,12 @@
           </a:ln>
         </p:spPr>
         <p:txBody>
-          <a:bodyPr anchorCtr="0" anchor="t" bIns="91425" lIns="91425" spcFirstLastPara="1" rIns="91425" wrap="square" tIns="91425">
+          <a:bodyPr spcFirstLastPara="1" wrap="square" lIns="91425" tIns="91425" rIns="91425" bIns="91425" anchor="t" anchorCtr="0">
             <a:normAutofit/>
           </a:bodyPr>
           <a:lstStyle/>
           <a:p>
-            <a:pPr indent="0" lvl="0" marL="0" rtl="0" algn="l">
+            <a:pPr marL="0" lvl="0" indent="0" algn="l" rtl="0">
               <a:lnSpc>
                 <a:spcPct val="115000"/>
               </a:lnSpc>
@@ -8605,7 +8791,7 @@
             </a:endParaRPr>
           </a:p>
           <a:p>
-            <a:pPr indent="0" lvl="0" marL="0" rtl="0" algn="l">
+            <a:pPr marL="0" lvl="0" indent="0" algn="l" rtl="0">
               <a:lnSpc>
                 <a:spcPct val="115000"/>
               </a:lnSpc>
@@ -8634,7 +8820,7 @@
             </a:endParaRPr>
           </a:p>
           <a:p>
-            <a:pPr indent="0" lvl="0" marL="0" rtl="0" algn="l">
+            <a:pPr marL="0" lvl="0" indent="0" algn="l" rtl="0">
               <a:lnSpc>
                 <a:spcPct val="115000"/>
               </a:lnSpc>
@@ -8683,12 +8869,12 @@
           </a:ln>
         </p:spPr>
         <p:txBody>
-          <a:bodyPr anchorCtr="0" anchor="ctr" bIns="91425" lIns="91425" spcFirstLastPara="1" rIns="91425" wrap="square" tIns="91425">
+          <a:bodyPr spcFirstLastPara="1" wrap="square" lIns="91425" tIns="91425" rIns="91425" bIns="91425" anchor="ctr" anchorCtr="0">
             <a:normAutofit/>
           </a:bodyPr>
           <a:lstStyle/>
           <a:p>
-            <a:pPr indent="0" lvl="0" marL="0" rtl="0" algn="r">
+            <a:pPr marL="0" lvl="0" indent="0" algn="r" rtl="0">
               <a:spcBef>
                 <a:spcPts val="0"/>
               </a:spcBef>
@@ -8703,7 +8889,7 @@
                   <a:srgbClr val="595959"/>
                 </a:solidFill>
               </a:rPr>
-              <a:t>‹#›</a:t>
+              <a:t>2</a:t>
             </a:fld>
             <a:endParaRPr sz="1000">
               <a:solidFill>
@@ -8726,11 +8912,11 @@
 </file>
 
 <file path=ppt/slides/slide3.xml><?xml version="1.0" encoding="utf-8"?>
-<p:sld xmlns:a="http://schemas.openxmlformats.org/drawingml/2006/main" xmlns:r="http://schemas.openxmlformats.org/officeDocument/2006/relationships" xmlns:mc="http://schemas.openxmlformats.org/markup-compatibility/2006" xmlns:mv="urn:schemas-microsoft-com:mac:vml" xmlns:p="http://schemas.openxmlformats.org/presentationml/2006/main" xmlns:c="http://schemas.openxmlformats.org/drawingml/2006/chart" xmlns:dgm="http://schemas.openxmlformats.org/drawingml/2006/diagram" xmlns:o="urn:schemas-microsoft-com:office:office" xmlns:v="urn:schemas-microsoft-com:vml" xmlns:pvml="urn:schemas-microsoft-com:office:powerpoint" xmlns:com="http://schemas.openxmlformats.org/drawingml/2006/compatibility" xmlns:p14="http://schemas.microsoft.com/office/powerpoint/2010/main" xmlns:p15="http://schemas.microsoft.com/office/powerpoint/2012/main" xmlns:ahyp="http://schemas.microsoft.com/office/drawing/2018/hyperlinkcolor">
+<p:sld xmlns:a="http://schemas.openxmlformats.org/drawingml/2006/main" xmlns:r="http://schemas.openxmlformats.org/officeDocument/2006/relationships" xmlns:p="http://schemas.openxmlformats.org/presentationml/2006/main">
   <p:cSld>
     <p:spTree>
       <p:nvGrpSpPr>
-        <p:cNvPr id="71" name="Shape 71"/>
+        <p:cNvPr id="1" name="Shape 71"/>
         <p:cNvGrpSpPr/>
         <p:nvPr/>
       </p:nvGrpSpPr>
@@ -8745,7 +8931,9 @@
       <p:sp>
         <p:nvSpPr>
           <p:cNvPr id="72" name="Google Shape;72;p15"/>
-          <p:cNvSpPr txBox="1"/>
+          <p:cNvSpPr txBox="1">
+            <a:spLocks noGrp="1"/>
+          </p:cNvSpPr>
           <p:nvPr>
             <p:ph type="title"/>
           </p:nvPr>
@@ -8760,12 +8948,12 @@
           </a:prstGeom>
         </p:spPr>
         <p:txBody>
-          <a:bodyPr anchorCtr="0" anchor="t" bIns="91425" lIns="91425" spcFirstLastPara="1" rIns="91425" wrap="square" tIns="91425">
+          <a:bodyPr spcFirstLastPara="1" wrap="square" lIns="91425" tIns="91425" rIns="91425" bIns="91425" anchor="t" anchorCtr="0">
             <a:normAutofit fontScale="90000"/>
           </a:bodyPr>
           <a:lstStyle/>
           <a:p>
-            <a:pPr indent="0" lvl="0" marL="0" rtl="0" algn="l">
+            <a:pPr marL="0" lvl="0" indent="0" algn="l" rtl="0">
               <a:spcBef>
                 <a:spcPts val="0"/>
               </a:spcBef>
@@ -8786,16 +8974,7 @@
                 <a:cs typeface="Impact"/>
                 <a:sym typeface="Impact"/>
               </a:rPr>
-              <a:t>Цель </a:t>
-            </a:r>
-            <a:r>
-              <a:rPr lang="en" sz="4000">
-                <a:latin typeface="Impact"/>
-                <a:ea typeface="Impact"/>
-                <a:cs typeface="Impact"/>
-                <a:sym typeface="Impact"/>
-              </a:rPr>
-              <a:t>и задачи работы</a:t>
+              <a:t>Цель и задачи работы</a:t>
             </a:r>
             <a:endParaRPr/>
           </a:p>
@@ -8804,9 +8983,11 @@
       <p:sp>
         <p:nvSpPr>
           <p:cNvPr id="73" name="Google Shape;73;p15"/>
-          <p:cNvSpPr txBox="1"/>
+          <p:cNvSpPr txBox="1">
+            <a:spLocks noGrp="1"/>
+          </p:cNvSpPr>
           <p:nvPr>
-            <p:ph idx="1" type="body"/>
+            <p:ph type="body" idx="1"/>
           </p:nvPr>
         </p:nvSpPr>
         <p:spPr>
@@ -8819,12 +9000,12 @@
           </a:prstGeom>
         </p:spPr>
         <p:txBody>
-          <a:bodyPr anchorCtr="0" anchor="t" bIns="91425" lIns="91425" spcFirstLastPara="1" rIns="91425" wrap="square" tIns="91425">
+          <a:bodyPr spcFirstLastPara="1" wrap="square" lIns="91425" tIns="91425" rIns="91425" bIns="91425" anchor="t" anchorCtr="0">
             <a:normAutofit/>
           </a:bodyPr>
           <a:lstStyle/>
           <a:p>
-            <a:pPr indent="0" lvl="0" marL="0" rtl="0" algn="l">
+            <a:pPr marL="0" lvl="0" indent="0" algn="l" rtl="0">
               <a:spcBef>
                 <a:spcPts val="0"/>
               </a:spcBef>
@@ -8873,7 +9054,7 @@
             </a:endParaRPr>
           </a:p>
           <a:p>
-            <a:pPr indent="0" lvl="0" marL="0" rtl="0" algn="l">
+            <a:pPr marL="0" lvl="0" indent="0" algn="l" rtl="0">
               <a:spcBef>
                 <a:spcPts val="1200"/>
               </a:spcBef>
@@ -8910,7 +9091,7 @@
             </a:endParaRPr>
           </a:p>
           <a:p>
-            <a:pPr indent="-355600" lvl="0" marL="457200" rtl="0" algn="l">
+            <a:pPr marL="457200" lvl="0" indent="-355600" algn="l" rtl="0">
               <a:spcBef>
                 <a:spcPts val="1200"/>
               </a:spcBef>
@@ -8947,7 +9128,7 @@
             </a:endParaRPr>
           </a:p>
           <a:p>
-            <a:pPr indent="-355600" lvl="0" marL="457200" rtl="0" algn="l">
+            <a:pPr marL="457200" lvl="0" indent="-355600" algn="l" rtl="0">
               <a:spcBef>
                 <a:spcPts val="0"/>
               </a:spcBef>
@@ -8971,19 +9152,7 @@
                 <a:cs typeface="Arial Narrow"/>
                 <a:sym typeface="Arial Narrow"/>
               </a:rPr>
-              <a:t>р</a:t>
-            </a:r>
-            <a:r>
-              <a:rPr lang="en" sz="2000">
-                <a:solidFill>
-                  <a:schemeClr val="dk1"/>
-                </a:solidFill>
-                <a:latin typeface="Arial Narrow"/>
-                <a:ea typeface="Arial Narrow"/>
-                <a:cs typeface="Arial Narrow"/>
-                <a:sym typeface="Arial Narrow"/>
-              </a:rPr>
-              <a:t>еализация пользовательского интерфейса CRM-системы</a:t>
+              <a:t>реализация пользовательского интерфейса CRM-системы</a:t>
             </a:r>
             <a:endParaRPr sz="2000">
               <a:solidFill>
@@ -8996,7 +9165,7 @@
             </a:endParaRPr>
           </a:p>
           <a:p>
-            <a:pPr indent="-355600" lvl="0" marL="457200" rtl="0" algn="l">
+            <a:pPr marL="457200" lvl="0" indent="-355600" algn="l" rtl="0">
               <a:spcBef>
                 <a:spcPts val="0"/>
               </a:spcBef>
@@ -9020,19 +9189,7 @@
                 <a:cs typeface="Arial Narrow"/>
                 <a:sym typeface="Arial Narrow"/>
               </a:rPr>
-              <a:t>т</a:t>
-            </a:r>
-            <a:r>
-              <a:rPr lang="en" sz="2000">
-                <a:solidFill>
-                  <a:schemeClr val="dk1"/>
-                </a:solidFill>
-                <a:latin typeface="Arial Narrow"/>
-                <a:ea typeface="Arial Narrow"/>
-                <a:cs typeface="Arial Narrow"/>
-                <a:sym typeface="Arial Narrow"/>
-              </a:rPr>
-              <a:t>естирование взаимодействия с сервером</a:t>
+              <a:t>тестирование взаимодействия с сервером</a:t>
             </a:r>
             <a:endParaRPr sz="2000">
               <a:solidFill>
@@ -9049,9 +9206,11 @@
       <p:sp>
         <p:nvSpPr>
           <p:cNvPr id="74" name="Google Shape;74;p15"/>
-          <p:cNvSpPr txBox="1"/>
+          <p:cNvSpPr txBox="1">
+            <a:spLocks noGrp="1"/>
+          </p:cNvSpPr>
           <p:nvPr>
-            <p:ph idx="12" type="sldNum"/>
+            <p:ph type="sldNum" idx="12"/>
           </p:nvPr>
         </p:nvSpPr>
         <p:spPr>
@@ -9064,12 +9223,12 @@
           </a:prstGeom>
         </p:spPr>
         <p:txBody>
-          <a:bodyPr anchorCtr="0" anchor="ctr" bIns="91425" lIns="91425" spcFirstLastPara="1" rIns="91425" wrap="square" tIns="91425">
+          <a:bodyPr spcFirstLastPara="1" wrap="square" lIns="91425" tIns="91425" rIns="91425" bIns="91425" anchor="ctr" anchorCtr="0">
             <a:normAutofit/>
           </a:bodyPr>
           <a:lstStyle/>
           <a:p>
-            <a:pPr indent="0" lvl="0" marL="0" rtl="0" algn="r">
+            <a:pPr marL="0" lvl="0" indent="0" algn="r" rtl="0">
               <a:spcBef>
                 <a:spcPts val="0"/>
               </a:spcBef>
@@ -9080,7 +9239,7 @@
             </a:pPr>
             <a:fld id="{00000000-1234-1234-1234-123412341234}" type="slidenum">
               <a:rPr lang="en"/>
-              <a:t>‹#›</a:t>
+              <a:t>3</a:t>
             </a:fld>
             <a:endParaRPr/>
           </a:p>
@@ -9095,11 +9254,11 @@
 </file>
 
 <file path=ppt/slides/slide4.xml><?xml version="1.0" encoding="utf-8"?>
-<p:sld xmlns:a="http://schemas.openxmlformats.org/drawingml/2006/main" xmlns:r="http://schemas.openxmlformats.org/officeDocument/2006/relationships" xmlns:mc="http://schemas.openxmlformats.org/markup-compatibility/2006" xmlns:mv="urn:schemas-microsoft-com:mac:vml" xmlns:p="http://schemas.openxmlformats.org/presentationml/2006/main" xmlns:c="http://schemas.openxmlformats.org/drawingml/2006/chart" xmlns:dgm="http://schemas.openxmlformats.org/drawingml/2006/diagram" xmlns:o="urn:schemas-microsoft-com:office:office" xmlns:v="urn:schemas-microsoft-com:vml" xmlns:pvml="urn:schemas-microsoft-com:office:powerpoint" xmlns:com="http://schemas.openxmlformats.org/drawingml/2006/compatibility" xmlns:p14="http://schemas.microsoft.com/office/powerpoint/2010/main" xmlns:p15="http://schemas.microsoft.com/office/powerpoint/2012/main" xmlns:ahyp="http://schemas.microsoft.com/office/drawing/2018/hyperlinkcolor">
+<p:sld xmlns:a="http://schemas.openxmlformats.org/drawingml/2006/main" xmlns:r="http://schemas.openxmlformats.org/officeDocument/2006/relationships" xmlns:p="http://schemas.openxmlformats.org/presentationml/2006/main">
   <p:cSld>
     <p:spTree>
       <p:nvGrpSpPr>
-        <p:cNvPr id="78" name="Shape 78"/>
+        <p:cNvPr id="1" name="Shape 78"/>
         <p:cNvGrpSpPr/>
         <p:nvPr/>
       </p:nvGrpSpPr>
@@ -9114,7 +9273,9 @@
       <p:sp>
         <p:nvSpPr>
           <p:cNvPr id="79" name="Google Shape;79;p16"/>
-          <p:cNvSpPr txBox="1"/>
+          <p:cNvSpPr txBox="1">
+            <a:spLocks noGrp="1"/>
+          </p:cNvSpPr>
           <p:nvPr>
             <p:ph type="title"/>
           </p:nvPr>
@@ -9129,12 +9290,12 @@
           </a:prstGeom>
         </p:spPr>
         <p:txBody>
-          <a:bodyPr anchorCtr="0" anchor="t" bIns="91425" lIns="91425" spcFirstLastPara="1" rIns="91425" wrap="square" tIns="91425">
+          <a:bodyPr spcFirstLastPara="1" wrap="square" lIns="91425" tIns="91425" rIns="91425" bIns="91425" anchor="t" anchorCtr="0">
             <a:normAutofit fontScale="90000"/>
           </a:bodyPr>
           <a:lstStyle/>
           <a:p>
-            <a:pPr indent="0" lvl="0" marL="0" rtl="0" algn="l">
+            <a:pPr marL="0" lvl="0" indent="0" algn="l" rtl="0">
               <a:spcBef>
                 <a:spcPts val="0"/>
               </a:spcBef>
@@ -9304,9 +9465,11 @@
       <p:sp>
         <p:nvSpPr>
           <p:cNvPr id="85" name="Google Shape;85;p16"/>
-          <p:cNvSpPr txBox="1"/>
+          <p:cNvSpPr txBox="1">
+            <a:spLocks noGrp="1"/>
+          </p:cNvSpPr>
           <p:nvPr>
-            <p:ph idx="12" type="sldNum"/>
+            <p:ph type="sldNum" idx="12"/>
           </p:nvPr>
         </p:nvSpPr>
         <p:spPr>
@@ -9319,12 +9482,12 @@
           </a:prstGeom>
         </p:spPr>
         <p:txBody>
-          <a:bodyPr anchorCtr="0" anchor="ctr" bIns="91425" lIns="91425" spcFirstLastPara="1" rIns="91425" wrap="square" tIns="91425">
+          <a:bodyPr spcFirstLastPara="1" wrap="square" lIns="91425" tIns="91425" rIns="91425" bIns="91425" anchor="ctr" anchorCtr="0">
             <a:normAutofit/>
           </a:bodyPr>
           <a:lstStyle/>
           <a:p>
-            <a:pPr indent="0" lvl="0" marL="0" rtl="0" algn="r">
+            <a:pPr marL="0" lvl="0" indent="0" algn="r" rtl="0">
               <a:spcBef>
                 <a:spcPts val="0"/>
               </a:spcBef>
@@ -9335,7 +9498,7 @@
             </a:pPr>
             <a:fld id="{00000000-1234-1234-1234-123412341234}" type="slidenum">
               <a:rPr lang="en"/>
-              <a:t>‹#›</a:t>
+              <a:t>4</a:t>
             </a:fld>
             <a:endParaRPr/>
           </a:p>
@@ -9350,11 +9513,11 @@
 </file>
 
 <file path=ppt/slides/slide5.xml><?xml version="1.0" encoding="utf-8"?>
-<p:sld xmlns:a="http://schemas.openxmlformats.org/drawingml/2006/main" xmlns:r="http://schemas.openxmlformats.org/officeDocument/2006/relationships" xmlns:mc="http://schemas.openxmlformats.org/markup-compatibility/2006" xmlns:mv="urn:schemas-microsoft-com:mac:vml" xmlns:p="http://schemas.openxmlformats.org/presentationml/2006/main" xmlns:c="http://schemas.openxmlformats.org/drawingml/2006/chart" xmlns:dgm="http://schemas.openxmlformats.org/drawingml/2006/diagram" xmlns:o="urn:schemas-microsoft-com:office:office" xmlns:v="urn:schemas-microsoft-com:vml" xmlns:pvml="urn:schemas-microsoft-com:office:powerpoint" xmlns:com="http://schemas.openxmlformats.org/drawingml/2006/compatibility" xmlns:p14="http://schemas.microsoft.com/office/powerpoint/2010/main" xmlns:p15="http://schemas.microsoft.com/office/powerpoint/2012/main" xmlns:ahyp="http://schemas.microsoft.com/office/drawing/2018/hyperlinkcolor">
+<p:sld xmlns:a="http://schemas.openxmlformats.org/drawingml/2006/main" xmlns:r="http://schemas.openxmlformats.org/officeDocument/2006/relationships" xmlns:p="http://schemas.openxmlformats.org/presentationml/2006/main">
   <p:cSld>
     <p:spTree>
       <p:nvGrpSpPr>
-        <p:cNvPr id="89" name="Shape 89"/>
+        <p:cNvPr id="1" name="Shape 89"/>
         <p:cNvGrpSpPr/>
         <p:nvPr/>
       </p:nvGrpSpPr>
@@ -9369,7 +9532,9 @@
       <p:sp>
         <p:nvSpPr>
           <p:cNvPr id="90" name="Google Shape;90;p17"/>
-          <p:cNvSpPr txBox="1"/>
+          <p:cNvSpPr txBox="1">
+            <a:spLocks noGrp="1"/>
+          </p:cNvSpPr>
           <p:nvPr>
             <p:ph type="title"/>
           </p:nvPr>
@@ -9384,12 +9549,12 @@
           </a:prstGeom>
         </p:spPr>
         <p:txBody>
-          <a:bodyPr anchorCtr="0" anchor="t" bIns="91425" lIns="91425" spcFirstLastPara="1" rIns="91425" wrap="square" tIns="91425">
+          <a:bodyPr spcFirstLastPara="1" wrap="square" lIns="91425" tIns="91425" rIns="91425" bIns="91425" anchor="t" anchorCtr="0">
             <a:noAutofit/>
           </a:bodyPr>
           <a:lstStyle/>
           <a:p>
-            <a:pPr indent="0" lvl="0" marL="0" rtl="0" algn="l">
+            <a:pPr marL="0" lvl="0" indent="0" algn="l" rtl="0">
               <a:spcBef>
                 <a:spcPts val="0"/>
               </a:spcBef>
@@ -9419,9 +9584,11 @@
       <p:sp>
         <p:nvSpPr>
           <p:cNvPr id="91" name="Google Shape;91;p17"/>
-          <p:cNvSpPr txBox="1"/>
+          <p:cNvSpPr txBox="1">
+            <a:spLocks noGrp="1"/>
+          </p:cNvSpPr>
           <p:nvPr>
-            <p:ph idx="12" type="sldNum"/>
+            <p:ph type="sldNum" idx="12"/>
           </p:nvPr>
         </p:nvSpPr>
         <p:spPr>
@@ -9434,12 +9601,12 @@
           </a:prstGeom>
         </p:spPr>
         <p:txBody>
-          <a:bodyPr anchorCtr="0" anchor="ctr" bIns="91425" lIns="91425" spcFirstLastPara="1" rIns="91425" wrap="square" tIns="91425">
+          <a:bodyPr spcFirstLastPara="1" wrap="square" lIns="91425" tIns="91425" rIns="91425" bIns="91425" anchor="ctr" anchorCtr="0">
             <a:normAutofit/>
           </a:bodyPr>
           <a:lstStyle/>
           <a:p>
-            <a:pPr indent="0" lvl="0" marL="0" rtl="0" algn="r">
+            <a:pPr marL="0" lvl="0" indent="0" algn="r" rtl="0">
               <a:spcBef>
                 <a:spcPts val="0"/>
               </a:spcBef>
@@ -9450,7 +9617,7 @@
             </a:pPr>
             <a:fld id="{00000000-1234-1234-1234-123412341234}" type="slidenum">
               <a:rPr lang="en"/>
-              <a:t>‹#›</a:t>
+              <a:t>5</a:t>
             </a:fld>
             <a:endParaRPr/>
           </a:p>
@@ -9527,14 +9694,14 @@
             <a:avLst/>
           </a:prstGeom>
           <a:noFill/>
-          <a:ln cap="flat" cmpd="sng" w="9525">
+          <a:ln w="9525" cap="flat" cmpd="sng">
             <a:solidFill>
               <a:schemeClr val="dk2"/>
             </a:solidFill>
             <a:prstDash val="solid"/>
             <a:round/>
-            <a:headEnd len="med" w="med" type="none"/>
-            <a:tailEnd len="med" w="med" type="none"/>
+            <a:headEnd type="none" w="med" len="med"/>
+            <a:tailEnd type="none" w="med" len="med"/>
           </a:ln>
         </p:spPr>
       </p:cxnSp>
@@ -9547,11 +9714,11 @@
 </file>
 
 <file path=ppt/slides/slide6.xml><?xml version="1.0" encoding="utf-8"?>
-<p:sld xmlns:a="http://schemas.openxmlformats.org/drawingml/2006/main" xmlns:r="http://schemas.openxmlformats.org/officeDocument/2006/relationships" xmlns:mc="http://schemas.openxmlformats.org/markup-compatibility/2006" xmlns:mv="urn:schemas-microsoft-com:mac:vml" xmlns:p="http://schemas.openxmlformats.org/presentationml/2006/main" xmlns:c="http://schemas.openxmlformats.org/drawingml/2006/chart" xmlns:dgm="http://schemas.openxmlformats.org/drawingml/2006/diagram" xmlns:o="urn:schemas-microsoft-com:office:office" xmlns:v="urn:schemas-microsoft-com:vml" xmlns:pvml="urn:schemas-microsoft-com:office:powerpoint" xmlns:com="http://schemas.openxmlformats.org/drawingml/2006/compatibility" xmlns:p14="http://schemas.microsoft.com/office/powerpoint/2010/main" xmlns:p15="http://schemas.microsoft.com/office/powerpoint/2012/main" xmlns:ahyp="http://schemas.microsoft.com/office/drawing/2018/hyperlinkcolor">
+<p:sld xmlns:a="http://schemas.openxmlformats.org/drawingml/2006/main" xmlns:r="http://schemas.openxmlformats.org/officeDocument/2006/relationships" xmlns:p="http://schemas.openxmlformats.org/presentationml/2006/main">
   <p:cSld>
     <p:spTree>
       <p:nvGrpSpPr>
-        <p:cNvPr id="98" name="Shape 98"/>
+        <p:cNvPr id="1" name="Shape 98"/>
         <p:cNvGrpSpPr/>
         <p:nvPr/>
       </p:nvGrpSpPr>
@@ -9566,7 +9733,9 @@
       <p:sp>
         <p:nvSpPr>
           <p:cNvPr id="99" name="Google Shape;99;p18"/>
-          <p:cNvSpPr txBox="1"/>
+          <p:cNvSpPr txBox="1">
+            <a:spLocks noGrp="1"/>
+          </p:cNvSpPr>
           <p:nvPr>
             <p:ph type="title"/>
           </p:nvPr>
@@ -9581,12 +9750,12 @@
           </a:prstGeom>
         </p:spPr>
         <p:txBody>
-          <a:bodyPr anchorCtr="0" anchor="t" bIns="91425" lIns="91425" spcFirstLastPara="1" rIns="91425" wrap="square" tIns="91425">
+          <a:bodyPr spcFirstLastPara="1" wrap="square" lIns="91425" tIns="91425" rIns="91425" bIns="91425" anchor="t" anchorCtr="0">
             <a:noAutofit/>
           </a:bodyPr>
           <a:lstStyle/>
           <a:p>
-            <a:pPr indent="0" lvl="0" marL="0" rtl="0" algn="l">
+            <a:pPr marL="0" lvl="0" indent="0" algn="l" rtl="0">
               <a:spcBef>
                 <a:spcPts val="0"/>
               </a:spcBef>
@@ -9616,9 +9785,11 @@
       <p:sp>
         <p:nvSpPr>
           <p:cNvPr id="100" name="Google Shape;100;p18"/>
-          <p:cNvSpPr txBox="1"/>
+          <p:cNvSpPr txBox="1">
+            <a:spLocks noGrp="1"/>
+          </p:cNvSpPr>
           <p:nvPr>
-            <p:ph idx="12" type="sldNum"/>
+            <p:ph type="sldNum" idx="12"/>
           </p:nvPr>
         </p:nvSpPr>
         <p:spPr>
@@ -9631,12 +9802,12 @@
           </a:prstGeom>
         </p:spPr>
         <p:txBody>
-          <a:bodyPr anchorCtr="0" anchor="ctr" bIns="91425" lIns="91425" spcFirstLastPara="1" rIns="91425" wrap="square" tIns="91425">
+          <a:bodyPr spcFirstLastPara="1" wrap="square" lIns="91425" tIns="91425" rIns="91425" bIns="91425" anchor="ctr" anchorCtr="0">
             <a:normAutofit/>
           </a:bodyPr>
           <a:lstStyle/>
           <a:p>
-            <a:pPr indent="0" lvl="0" marL="0" rtl="0" algn="r">
+            <a:pPr marL="0" lvl="0" indent="0" algn="r" rtl="0">
               <a:spcBef>
                 <a:spcPts val="0"/>
               </a:spcBef>
@@ -9647,7 +9818,7 @@
             </a:pPr>
             <a:fld id="{00000000-1234-1234-1234-123412341234}" type="slidenum">
               <a:rPr lang="en"/>
-              <a:t>‹#›</a:t>
+              <a:t>6</a:t>
             </a:fld>
             <a:endParaRPr/>
           </a:p>
@@ -9696,14 +9867,14 @@
             <a:avLst/>
           </a:prstGeom>
           <a:noFill/>
-          <a:ln cap="flat" cmpd="sng" w="9525">
+          <a:ln w="9525" cap="flat" cmpd="sng">
             <a:solidFill>
               <a:schemeClr val="dk2"/>
             </a:solidFill>
             <a:prstDash val="solid"/>
             <a:round/>
-            <a:headEnd len="med" w="med" type="none"/>
-            <a:tailEnd len="med" w="med" type="none"/>
+            <a:headEnd type="none" w="med" len="med"/>
+            <a:tailEnd type="none" w="med" len="med"/>
           </a:ln>
         </p:spPr>
       </p:cxnSp>
@@ -9772,11 +9943,11 @@
 </file>
 
 <file path=ppt/slides/slide7.xml><?xml version="1.0" encoding="utf-8"?>
-<p:sld xmlns:a="http://schemas.openxmlformats.org/drawingml/2006/main" xmlns:r="http://schemas.openxmlformats.org/officeDocument/2006/relationships" xmlns:mc="http://schemas.openxmlformats.org/markup-compatibility/2006" xmlns:mv="urn:schemas-microsoft-com:mac:vml" xmlns:p="http://schemas.openxmlformats.org/presentationml/2006/main" xmlns:c="http://schemas.openxmlformats.org/drawingml/2006/chart" xmlns:dgm="http://schemas.openxmlformats.org/drawingml/2006/diagram" xmlns:o="urn:schemas-microsoft-com:office:office" xmlns:v="urn:schemas-microsoft-com:vml" xmlns:pvml="urn:schemas-microsoft-com:office:powerpoint" xmlns:com="http://schemas.openxmlformats.org/drawingml/2006/compatibility" xmlns:p14="http://schemas.microsoft.com/office/powerpoint/2010/main" xmlns:p15="http://schemas.microsoft.com/office/powerpoint/2012/main" xmlns:ahyp="http://schemas.microsoft.com/office/drawing/2018/hyperlinkcolor">
+<p:sld xmlns:a="http://schemas.openxmlformats.org/drawingml/2006/main" xmlns:r="http://schemas.openxmlformats.org/officeDocument/2006/relationships" xmlns:p="http://schemas.openxmlformats.org/presentationml/2006/main">
   <p:cSld>
     <p:spTree>
       <p:nvGrpSpPr>
-        <p:cNvPr id="108" name="Shape 108"/>
+        <p:cNvPr id="1" name="Shape 108"/>
         <p:cNvGrpSpPr/>
         <p:nvPr/>
       </p:nvGrpSpPr>
@@ -9791,7 +9962,9 @@
       <p:sp>
         <p:nvSpPr>
           <p:cNvPr id="109" name="Google Shape;109;p19"/>
-          <p:cNvSpPr txBox="1"/>
+          <p:cNvSpPr txBox="1">
+            <a:spLocks noGrp="1"/>
+          </p:cNvSpPr>
           <p:nvPr>
             <p:ph type="title"/>
           </p:nvPr>
@@ -9806,12 +9979,12 @@
           </a:prstGeom>
         </p:spPr>
         <p:txBody>
-          <a:bodyPr anchorCtr="0" anchor="t" bIns="91425" lIns="91425" spcFirstLastPara="1" rIns="91425" wrap="square" tIns="91425">
+          <a:bodyPr spcFirstLastPara="1" wrap="square" lIns="91425" tIns="91425" rIns="91425" bIns="91425" anchor="t" anchorCtr="0">
             <a:noAutofit/>
           </a:bodyPr>
           <a:lstStyle/>
           <a:p>
-            <a:pPr indent="0" lvl="0" marL="0" rtl="0" algn="l">
+            <a:pPr marL="0" lvl="0" indent="0" algn="l" rtl="0">
               <a:spcBef>
                 <a:spcPts val="0"/>
               </a:spcBef>
@@ -9841,9 +10014,11 @@
       <p:sp>
         <p:nvSpPr>
           <p:cNvPr id="110" name="Google Shape;110;p19"/>
-          <p:cNvSpPr txBox="1"/>
+          <p:cNvSpPr txBox="1">
+            <a:spLocks noGrp="1"/>
+          </p:cNvSpPr>
           <p:nvPr>
-            <p:ph idx="12" type="sldNum"/>
+            <p:ph type="sldNum" idx="12"/>
           </p:nvPr>
         </p:nvSpPr>
         <p:spPr>
@@ -9856,12 +10031,12 @@
           </a:prstGeom>
         </p:spPr>
         <p:txBody>
-          <a:bodyPr anchorCtr="0" anchor="ctr" bIns="91425" lIns="91425" spcFirstLastPara="1" rIns="91425" wrap="square" tIns="91425">
+          <a:bodyPr spcFirstLastPara="1" wrap="square" lIns="91425" tIns="91425" rIns="91425" bIns="91425" anchor="ctr" anchorCtr="0">
             <a:normAutofit/>
           </a:bodyPr>
           <a:lstStyle/>
           <a:p>
-            <a:pPr indent="0" lvl="0" marL="0" rtl="0" algn="r">
+            <a:pPr marL="0" lvl="0" indent="0" algn="r" rtl="0">
               <a:spcBef>
                 <a:spcPts val="0"/>
               </a:spcBef>
@@ -9872,7 +10047,7 @@
             </a:pPr>
             <a:fld id="{00000000-1234-1234-1234-123412341234}" type="slidenum">
               <a:rPr lang="en"/>
-              <a:t>‹#›</a:t>
+              <a:t>7</a:t>
             </a:fld>
             <a:endParaRPr/>
           </a:p>
@@ -9949,14 +10124,14 @@
             <a:avLst/>
           </a:prstGeom>
           <a:noFill/>
-          <a:ln cap="flat" cmpd="sng" w="9525">
+          <a:ln w="9525" cap="flat" cmpd="sng">
             <a:solidFill>
               <a:schemeClr val="dk2"/>
             </a:solidFill>
             <a:prstDash val="solid"/>
             <a:round/>
-            <a:headEnd len="med" w="med" type="none"/>
-            <a:tailEnd len="med" w="med" type="none"/>
+            <a:headEnd type="none" w="med" len="med"/>
+            <a:tailEnd type="none" w="med" len="med"/>
           </a:ln>
         </p:spPr>
       </p:cxnSp>
@@ -9997,11 +10172,11 @@
 </file>
 
 <file path=ppt/slides/slide8.xml><?xml version="1.0" encoding="utf-8"?>
-<p:sld xmlns:a="http://schemas.openxmlformats.org/drawingml/2006/main" xmlns:r="http://schemas.openxmlformats.org/officeDocument/2006/relationships" xmlns:mc="http://schemas.openxmlformats.org/markup-compatibility/2006" xmlns:mv="urn:schemas-microsoft-com:mac:vml" xmlns:p="http://schemas.openxmlformats.org/presentationml/2006/main" xmlns:c="http://schemas.openxmlformats.org/drawingml/2006/chart" xmlns:dgm="http://schemas.openxmlformats.org/drawingml/2006/diagram" xmlns:o="urn:schemas-microsoft-com:office:office" xmlns:v="urn:schemas-microsoft-com:vml" xmlns:pvml="urn:schemas-microsoft-com:office:powerpoint" xmlns:com="http://schemas.openxmlformats.org/drawingml/2006/compatibility" xmlns:p14="http://schemas.microsoft.com/office/powerpoint/2010/main" xmlns:p15="http://schemas.microsoft.com/office/powerpoint/2012/main" xmlns:ahyp="http://schemas.microsoft.com/office/drawing/2018/hyperlinkcolor">
+<p:sld xmlns:a="http://schemas.openxmlformats.org/drawingml/2006/main" xmlns:r="http://schemas.openxmlformats.org/officeDocument/2006/relationships" xmlns:p="http://schemas.openxmlformats.org/presentationml/2006/main">
   <p:cSld>
     <p:spTree>
       <p:nvGrpSpPr>
-        <p:cNvPr id="118" name="Shape 118"/>
+        <p:cNvPr id="1" name="Shape 118"/>
         <p:cNvGrpSpPr/>
         <p:nvPr/>
       </p:nvGrpSpPr>
@@ -10016,7 +10191,9 @@
       <p:sp>
         <p:nvSpPr>
           <p:cNvPr id="119" name="Google Shape;119;p20"/>
-          <p:cNvSpPr txBox="1"/>
+          <p:cNvSpPr txBox="1">
+            <a:spLocks noGrp="1"/>
+          </p:cNvSpPr>
           <p:nvPr>
             <p:ph type="title"/>
           </p:nvPr>
@@ -10031,12 +10208,12 @@
           </a:prstGeom>
         </p:spPr>
         <p:txBody>
-          <a:bodyPr anchorCtr="0" anchor="t" bIns="91425" lIns="91425" spcFirstLastPara="1" rIns="91425" wrap="square" tIns="91425">
+          <a:bodyPr spcFirstLastPara="1" wrap="square" lIns="91425" tIns="91425" rIns="91425" bIns="91425" anchor="t" anchorCtr="0">
             <a:noAutofit/>
           </a:bodyPr>
           <a:lstStyle/>
           <a:p>
-            <a:pPr indent="0" lvl="0" marL="0" rtl="0" algn="l">
+            <a:pPr marL="0" lvl="0" indent="0" algn="l" rtl="0">
               <a:spcBef>
                 <a:spcPts val="0"/>
               </a:spcBef>
@@ -10066,9 +10243,11 @@
       <p:sp>
         <p:nvSpPr>
           <p:cNvPr id="120" name="Google Shape;120;p20"/>
-          <p:cNvSpPr txBox="1"/>
+          <p:cNvSpPr txBox="1">
+            <a:spLocks noGrp="1"/>
+          </p:cNvSpPr>
           <p:nvPr>
-            <p:ph idx="12" type="sldNum"/>
+            <p:ph type="sldNum" idx="12"/>
           </p:nvPr>
         </p:nvSpPr>
         <p:spPr>
@@ -10081,12 +10260,12 @@
           </a:prstGeom>
         </p:spPr>
         <p:txBody>
-          <a:bodyPr anchorCtr="0" anchor="ctr" bIns="91425" lIns="91425" spcFirstLastPara="1" rIns="91425" wrap="square" tIns="91425">
+          <a:bodyPr spcFirstLastPara="1" wrap="square" lIns="91425" tIns="91425" rIns="91425" bIns="91425" anchor="ctr" anchorCtr="0">
             <a:normAutofit/>
           </a:bodyPr>
           <a:lstStyle/>
           <a:p>
-            <a:pPr indent="0" lvl="0" marL="0" rtl="0" algn="r">
+            <a:pPr marL="0" lvl="0" indent="0" algn="r" rtl="0">
               <a:spcBef>
                 <a:spcPts val="0"/>
               </a:spcBef>
@@ -10097,7 +10276,7 @@
             </a:pPr>
             <a:fld id="{00000000-1234-1234-1234-123412341234}" type="slidenum">
               <a:rPr lang="en"/>
-              <a:t>‹#›</a:t>
+              <a:t>8</a:t>
             </a:fld>
             <a:endParaRPr/>
           </a:p>
@@ -10146,14 +10325,14 @@
             <a:avLst/>
           </a:prstGeom>
           <a:noFill/>
-          <a:ln cap="flat" cmpd="sng" w="9525">
+          <a:ln w="9525" cap="flat" cmpd="sng">
             <a:solidFill>
               <a:schemeClr val="dk2"/>
             </a:solidFill>
             <a:prstDash val="solid"/>
             <a:round/>
-            <a:headEnd len="med" w="med" type="none"/>
-            <a:tailEnd len="med" w="med" type="none"/>
+            <a:headEnd type="none" w="med" len="med"/>
+            <a:tailEnd type="none" w="med" len="med"/>
           </a:ln>
         </p:spPr>
       </p:cxnSp>
@@ -10194,11 +10373,11 @@
 </file>
 
 <file path=ppt/slides/slide9.xml><?xml version="1.0" encoding="utf-8"?>
-<p:sld xmlns:a="http://schemas.openxmlformats.org/drawingml/2006/main" xmlns:r="http://schemas.openxmlformats.org/officeDocument/2006/relationships" xmlns:mc="http://schemas.openxmlformats.org/markup-compatibility/2006" xmlns:mv="urn:schemas-microsoft-com:mac:vml" xmlns:p="http://schemas.openxmlformats.org/presentationml/2006/main" xmlns:c="http://schemas.openxmlformats.org/drawingml/2006/chart" xmlns:dgm="http://schemas.openxmlformats.org/drawingml/2006/diagram" xmlns:o="urn:schemas-microsoft-com:office:office" xmlns:v="urn:schemas-microsoft-com:vml" xmlns:pvml="urn:schemas-microsoft-com:office:powerpoint" xmlns:com="http://schemas.openxmlformats.org/drawingml/2006/compatibility" xmlns:p14="http://schemas.microsoft.com/office/powerpoint/2010/main" xmlns:p15="http://schemas.microsoft.com/office/powerpoint/2012/main" xmlns:ahyp="http://schemas.microsoft.com/office/drawing/2018/hyperlinkcolor">
+<p:sld xmlns:a="http://schemas.openxmlformats.org/drawingml/2006/main" xmlns:r="http://schemas.openxmlformats.org/officeDocument/2006/relationships" xmlns:p="http://schemas.openxmlformats.org/presentationml/2006/main">
   <p:cSld>
     <p:spTree>
       <p:nvGrpSpPr>
-        <p:cNvPr id="127" name="Shape 127"/>
+        <p:cNvPr id="1" name="Shape 127"/>
         <p:cNvGrpSpPr/>
         <p:nvPr/>
       </p:nvGrpSpPr>
@@ -10213,7 +10392,9 @@
       <p:sp>
         <p:nvSpPr>
           <p:cNvPr id="128" name="Google Shape;128;p21"/>
-          <p:cNvSpPr txBox="1"/>
+          <p:cNvSpPr txBox="1">
+            <a:spLocks noGrp="1"/>
+          </p:cNvSpPr>
           <p:nvPr>
             <p:ph type="title"/>
           </p:nvPr>
@@ -10228,12 +10409,12 @@
           </a:prstGeom>
         </p:spPr>
         <p:txBody>
-          <a:bodyPr anchorCtr="0" anchor="t" bIns="91425" lIns="91425" spcFirstLastPara="1" rIns="91425" wrap="square" tIns="91425">
+          <a:bodyPr spcFirstLastPara="1" wrap="square" lIns="91425" tIns="91425" rIns="91425" bIns="91425" anchor="t" anchorCtr="0">
             <a:noAutofit/>
           </a:bodyPr>
           <a:lstStyle/>
           <a:p>
-            <a:pPr indent="0" lvl="0" marL="0" rtl="0" algn="l">
+            <a:pPr marL="0" lvl="0" indent="0" algn="l" rtl="0">
               <a:spcBef>
                 <a:spcPts val="0"/>
               </a:spcBef>
@@ -10263,9 +10444,11 @@
       <p:sp>
         <p:nvSpPr>
           <p:cNvPr id="129" name="Google Shape;129;p21"/>
-          <p:cNvSpPr txBox="1"/>
+          <p:cNvSpPr txBox="1">
+            <a:spLocks noGrp="1"/>
+          </p:cNvSpPr>
           <p:nvPr>
-            <p:ph idx="12" type="sldNum"/>
+            <p:ph type="sldNum" idx="12"/>
           </p:nvPr>
         </p:nvSpPr>
         <p:spPr>
@@ -10278,12 +10461,12 @@
           </a:prstGeom>
         </p:spPr>
         <p:txBody>
-          <a:bodyPr anchorCtr="0" anchor="ctr" bIns="91425" lIns="91425" spcFirstLastPara="1" rIns="91425" wrap="square" tIns="91425">
+          <a:bodyPr spcFirstLastPara="1" wrap="square" lIns="91425" tIns="91425" rIns="91425" bIns="91425" anchor="ctr" anchorCtr="0">
             <a:normAutofit/>
           </a:bodyPr>
           <a:lstStyle/>
           <a:p>
-            <a:pPr indent="0" lvl="0" marL="0" rtl="0" algn="r">
+            <a:pPr marL="0" lvl="0" indent="0" algn="r" rtl="0">
               <a:spcBef>
                 <a:spcPts val="0"/>
               </a:spcBef>
@@ -10294,7 +10477,7 @@
             </a:pPr>
             <a:fld id="{00000000-1234-1234-1234-123412341234}" type="slidenum">
               <a:rPr lang="en"/>
-              <a:t>‹#›</a:t>
+              <a:t>9</a:t>
             </a:fld>
             <a:endParaRPr/>
           </a:p>
@@ -10371,14 +10554,14 @@
             <a:avLst/>
           </a:prstGeom>
           <a:noFill/>
-          <a:ln cap="flat" cmpd="sng" w="9525">
+          <a:ln w="9525" cap="flat" cmpd="sng">
             <a:solidFill>
               <a:schemeClr val="dk2"/>
             </a:solidFill>
             <a:prstDash val="solid"/>
             <a:round/>
-            <a:headEnd len="med" w="med" type="none"/>
-            <a:tailEnd len="med" w="med" type="none"/>
+            <a:headEnd type="none" w="med" len="med"/>
+            <a:tailEnd type="none" w="med" len="med"/>
           </a:ln>
         </p:spPr>
       </p:cxnSp>
@@ -10391,7 +10574,7 @@
 </file>
 
 <file path=ppt/theme/theme1.xml><?xml version="1.0" encoding="utf-8"?>
-<a:theme xmlns:a="http://schemas.openxmlformats.org/drawingml/2006/main" xmlns:r="http://schemas.openxmlformats.org/officeDocument/2006/relationships" name="Simple Light">
+<a:theme xmlns:a="http://schemas.openxmlformats.org/drawingml/2006/main" name="Simple Light">
   <a:themeElements>
     <a:clrScheme name="Simple Light">
       <a:dk1>
@@ -10666,11 +10849,13 @@
       </a:bgFillStyleLst>
     </a:fmtScheme>
   </a:themeElements>
+  <a:objectDefaults/>
+  <a:extraClrSchemeLst/>
 </a:theme>
 </file>
 
 <file path=ppt/theme/theme2.xml><?xml version="1.0" encoding="utf-8"?>
-<a:theme xmlns:a="http://schemas.openxmlformats.org/drawingml/2006/main" xmlns:r="http://schemas.openxmlformats.org/officeDocument/2006/relationships">
+<a:theme xmlns:a="http://schemas.openxmlformats.org/drawingml/2006/main">
   <a:themeElements>
     <a:clrScheme name="Default">
       <a:dk1>
@@ -10945,5 +11130,7 @@
       </a:bgFillStyleLst>
     </a:fmtScheme>
   </a:themeElements>
+  <a:objectDefaults/>
+  <a:extraClrSchemeLst/>
 </a:theme>
 </file>